--- a/Trabalho_Pratico_Meta_1.pptx
+++ b/Trabalho_Pratico_Meta_1.pptx
@@ -5,18 +5,31 @@
     <p:sldMasterId id="2147483660" r:id="rId1"/>
   </p:sldMasterIdLst>
   <p:notesMasterIdLst>
-    <p:notesMasterId r:id="rId11"/>
+    <p:notesMasterId r:id="rId24"/>
   </p:notesMasterIdLst>
   <p:sldIdLst>
     <p:sldId id="256" r:id="rId2"/>
     <p:sldId id="257" r:id="rId3"/>
-    <p:sldId id="258" r:id="rId4"/>
-    <p:sldId id="259" r:id="rId5"/>
-    <p:sldId id="260" r:id="rId6"/>
-    <p:sldId id="261" r:id="rId7"/>
-    <p:sldId id="262" r:id="rId8"/>
-    <p:sldId id="263" r:id="rId9"/>
-    <p:sldId id="264" r:id="rId10"/>
+    <p:sldId id="268" r:id="rId4"/>
+    <p:sldId id="267" r:id="rId5"/>
+    <p:sldId id="258" r:id="rId6"/>
+    <p:sldId id="266" r:id="rId7"/>
+    <p:sldId id="265" r:id="rId8"/>
+    <p:sldId id="262" r:id="rId9"/>
+    <p:sldId id="259" r:id="rId10"/>
+    <p:sldId id="260" r:id="rId11"/>
+    <p:sldId id="261" r:id="rId12"/>
+    <p:sldId id="263" r:id="rId13"/>
+    <p:sldId id="270" r:id="rId14"/>
+    <p:sldId id="264" r:id="rId15"/>
+    <p:sldId id="271" r:id="rId16"/>
+    <p:sldId id="272" r:id="rId17"/>
+    <p:sldId id="273" r:id="rId18"/>
+    <p:sldId id="275" r:id="rId19"/>
+    <p:sldId id="276" r:id="rId20"/>
+    <p:sldId id="277" r:id="rId21"/>
+    <p:sldId id="278" r:id="rId22"/>
+    <p:sldId id="269" r:id="rId23"/>
   </p:sldIdLst>
   <p:sldSz cx="12192000" cy="6858000"/>
   <p:notesSz cx="6858000" cy="9144000"/>
@@ -115,6 +128,11 @@
       </a:defRPr>
     </a:lvl9pPr>
   </p:defaultTextStyle>
+  <p:extLst>
+    <p:ext uri="{EFAFB233-063F-42B5-8137-9DF3F51BA10A}">
+      <p15:sldGuideLst xmlns:p15="http://schemas.microsoft.com/office/powerpoint/2012/main"/>
+    </p:ext>
+  </p:extLst>
 </p:presentation>
 </file>
 
@@ -200,7 +218,7 @@
           <a:p>
             <a:fld id="{61E78C8E-0C72-4DCB-B990-23711564DD6E}" type="datetimeFigureOut">
               <a:rPr lang="en-US" smtClean="0"/>
-              <a:t>11/26/2023</a:t>
+              <a:t>11/27/23</a:t>
             </a:fld>
             <a:endParaRPr lang="en-US"/>
           </a:p>
@@ -359,7 +377,7 @@
           <a:p>
             <a:fld id="{CF74A503-C266-4A15-A1EB-55D1643801EC}" type="slidenum">
               <a:rPr lang="en-US" smtClean="0"/>
-              <a:t>‹nº›</a:t>
+              <a:t>‹#›</a:t>
             </a:fld>
             <a:endParaRPr lang="en-US"/>
           </a:p>
@@ -690,9 +708,9 @@
           <a:bodyPr/>
           <a:lstStyle/>
           <a:p>
-            <a:fld id="{F7C5468B-1DF6-473E-A1ED-D3F4D6C0763C}" type="datetime1">
+            <a:fld id="{816E5E15-EC40-4BA7-9BE5-0518573E365A}" type="datetime1">
               <a:rPr lang="en-US" smtClean="0"/>
-              <a:t>11/26/2023</a:t>
+              <a:t>11/27/23</a:t>
             </a:fld>
             <a:endParaRPr lang="en-US"/>
           </a:p>
@@ -715,7 +733,7 @@
           <a:p>
             <a:r>
               <a:rPr lang="pt-BR"/>
-              <a:t>Programação Distribuida - Bruno 20... | Filipa 2018011698 | Tiago 20...</a:t>
+              <a:t>Programação Distribuida - Bruno 2019132612 | Filipa 2018011698 | Tiago 2020122664</a:t>
             </a:r>
             <a:endParaRPr lang="en-US"/>
           </a:p>
@@ -738,7 +756,7 @@
           <a:p>
             <a:fld id="{5963BAFC-B953-4DB7-B4E9-09BC70913B53}" type="slidenum">
               <a:rPr lang="en-US" smtClean="0"/>
-              <a:t>‹nº›</a:t>
+              <a:t>‹#›</a:t>
             </a:fld>
             <a:endParaRPr lang="en-US"/>
           </a:p>
@@ -864,9 +882,9 @@
           <a:bodyPr/>
           <a:lstStyle/>
           <a:p>
-            <a:fld id="{FF7022F5-EE4F-41AA-AA16-815051594A9D}" type="datetime1">
+            <a:fld id="{468FA756-415A-4B3B-BA67-35A0759A97E4}" type="datetime1">
               <a:rPr lang="en-US" smtClean="0"/>
-              <a:t>11/26/2023</a:t>
+              <a:t>11/27/23</a:t>
             </a:fld>
             <a:endParaRPr lang="en-US"/>
           </a:p>
@@ -889,7 +907,7 @@
           <a:p>
             <a:r>
               <a:rPr lang="pt-BR"/>
-              <a:t>Programação Distribuida - Bruno 20... | Filipa 2018011698 | Tiago 20...</a:t>
+              <a:t>Programação Distribuida - Bruno 2019132612 | Filipa 2018011698 | Tiago 2020122664</a:t>
             </a:r>
             <a:endParaRPr lang="en-US"/>
           </a:p>
@@ -912,7 +930,7 @@
           <a:p>
             <a:fld id="{5963BAFC-B953-4DB7-B4E9-09BC70913B53}" type="slidenum">
               <a:rPr lang="en-US" smtClean="0"/>
-              <a:t>‹nº›</a:t>
+              <a:t>‹#›</a:t>
             </a:fld>
             <a:endParaRPr lang="en-US"/>
           </a:p>
@@ -1048,9 +1066,9 @@
           <a:bodyPr/>
           <a:lstStyle/>
           <a:p>
-            <a:fld id="{DED76B70-DB3E-4B86-B348-FBEF9CF91624}" type="datetime1">
+            <a:fld id="{3AA4AE07-7EC4-46FD-8E6E-85DAE51B2135}" type="datetime1">
               <a:rPr lang="en-US" smtClean="0"/>
-              <a:t>11/26/2023</a:t>
+              <a:t>11/27/23</a:t>
             </a:fld>
             <a:endParaRPr lang="en-US"/>
           </a:p>
@@ -1073,7 +1091,7 @@
           <a:p>
             <a:r>
               <a:rPr lang="pt-BR"/>
-              <a:t>Programação Distribuida - Bruno 20... | Filipa 2018011698 | Tiago 20...</a:t>
+              <a:t>Programação Distribuida - Bruno 2019132612 | Filipa 2018011698 | Tiago 2020122664</a:t>
             </a:r>
             <a:endParaRPr lang="en-US"/>
           </a:p>
@@ -1096,7 +1114,7 @@
           <a:p>
             <a:fld id="{5963BAFC-B953-4DB7-B4E9-09BC70913B53}" type="slidenum">
               <a:rPr lang="en-US" smtClean="0"/>
-              <a:t>‹nº›</a:t>
+              <a:t>‹#›</a:t>
             </a:fld>
             <a:endParaRPr lang="en-US"/>
           </a:p>
@@ -1222,9 +1240,9 @@
           <a:bodyPr/>
           <a:lstStyle/>
           <a:p>
-            <a:fld id="{B1408B06-A9B1-4380-96D1-DF6D6187DAB0}" type="datetime1">
+            <a:fld id="{58A63263-399D-4476-9F02-6E36A87D50F7}" type="datetime1">
               <a:rPr lang="en-US" smtClean="0"/>
-              <a:t>11/26/2023</a:t>
+              <a:t>11/27/23</a:t>
             </a:fld>
             <a:endParaRPr lang="en-US"/>
           </a:p>
@@ -1247,7 +1265,7 @@
           <a:p>
             <a:r>
               <a:rPr lang="pt-BR"/>
-              <a:t>Programação Distribuida - Bruno 20... | Filipa 2018011698 | Tiago 20...</a:t>
+              <a:t>Programação Distribuida - Bruno 2019132612 | Filipa 2018011698 | Tiago 2020122664</a:t>
             </a:r>
             <a:endParaRPr lang="en-US"/>
           </a:p>
@@ -1270,7 +1288,7 @@
           <a:p>
             <a:fld id="{5963BAFC-B953-4DB7-B4E9-09BC70913B53}" type="slidenum">
               <a:rPr lang="en-US" smtClean="0"/>
-              <a:t>‹nº›</a:t>
+              <a:t>‹#›</a:t>
             </a:fld>
             <a:endParaRPr lang="en-US"/>
           </a:p>
@@ -1484,9 +1502,9 @@
           <a:bodyPr/>
           <a:lstStyle/>
           <a:p>
-            <a:fld id="{A9F41BBC-0E3F-46CA-9B52-991C2DCCFCD4}" type="datetime1">
+            <a:fld id="{88B06593-CD6B-45D4-82E7-C499BB8C68E3}" type="datetime1">
               <a:rPr lang="en-US" smtClean="0"/>
-              <a:t>11/26/2023</a:t>
+              <a:t>11/27/23</a:t>
             </a:fld>
             <a:endParaRPr lang="en-US"/>
           </a:p>
@@ -1509,7 +1527,7 @@
           <a:p>
             <a:r>
               <a:rPr lang="pt-BR"/>
-              <a:t>Programação Distribuida - Bruno 20... | Filipa 2018011698 | Tiago 20...</a:t>
+              <a:t>Programação Distribuida - Bruno 2019132612 | Filipa 2018011698 | Tiago 2020122664</a:t>
             </a:r>
             <a:endParaRPr lang="en-US"/>
           </a:p>
@@ -1532,7 +1550,7 @@
           <a:p>
             <a:fld id="{5963BAFC-B953-4DB7-B4E9-09BC70913B53}" type="slidenum">
               <a:rPr lang="en-US" smtClean="0"/>
-              <a:t>‹nº›</a:t>
+              <a:t>‹#›</a:t>
             </a:fld>
             <a:endParaRPr lang="en-US"/>
           </a:p>
@@ -1776,9 +1794,9 @@
           <a:bodyPr/>
           <a:lstStyle/>
           <a:p>
-            <a:fld id="{F84029D6-D5AF-4D51-9CDB-D84C4AE05D09}" type="datetime1">
+            <a:fld id="{9EA84C64-58C3-46C2-AE4E-178AF0D4A7F4}" type="datetime1">
               <a:rPr lang="en-US" smtClean="0"/>
-              <a:t>11/26/2023</a:t>
+              <a:t>11/27/23</a:t>
             </a:fld>
             <a:endParaRPr lang="en-US"/>
           </a:p>
@@ -1801,7 +1819,7 @@
           <a:p>
             <a:r>
               <a:rPr lang="pt-BR"/>
-              <a:t>Programação Distribuida - Bruno 20... | Filipa 2018011698 | Tiago 20...</a:t>
+              <a:t>Programação Distribuida - Bruno 2019132612 | Filipa 2018011698 | Tiago 2020122664</a:t>
             </a:r>
             <a:endParaRPr lang="en-US"/>
           </a:p>
@@ -1824,7 +1842,7 @@
           <a:p>
             <a:fld id="{5963BAFC-B953-4DB7-B4E9-09BC70913B53}" type="slidenum">
               <a:rPr lang="en-US" smtClean="0"/>
-              <a:t>‹nº›</a:t>
+              <a:t>‹#›</a:t>
             </a:fld>
             <a:endParaRPr lang="en-US"/>
           </a:p>
@@ -2222,9 +2240,9 @@
           <a:bodyPr/>
           <a:lstStyle/>
           <a:p>
-            <a:fld id="{B7A954AE-B17D-4968-9393-BCB57CCCE0EA}" type="datetime1">
+            <a:fld id="{3A9287BB-3698-41D1-A265-A7E23199ECFC}" type="datetime1">
               <a:rPr lang="en-US" smtClean="0"/>
-              <a:t>11/26/2023</a:t>
+              <a:t>11/27/23</a:t>
             </a:fld>
             <a:endParaRPr lang="en-US"/>
           </a:p>
@@ -2247,7 +2265,7 @@
           <a:p>
             <a:r>
               <a:rPr lang="pt-BR"/>
-              <a:t>Programação Distribuida - Bruno 20... | Filipa 2018011698 | Tiago 20...</a:t>
+              <a:t>Programação Distribuida - Bruno 2019132612 | Filipa 2018011698 | Tiago 2020122664</a:t>
             </a:r>
             <a:endParaRPr lang="en-US"/>
           </a:p>
@@ -2270,7 +2288,7 @@
           <a:p>
             <a:fld id="{5963BAFC-B953-4DB7-B4E9-09BC70913B53}" type="slidenum">
               <a:rPr lang="en-US" smtClean="0"/>
-              <a:t>‹nº›</a:t>
+              <a:t>‹#›</a:t>
             </a:fld>
             <a:endParaRPr lang="en-US"/>
           </a:p>
@@ -2344,9 +2362,9 @@
           <a:bodyPr/>
           <a:lstStyle/>
           <a:p>
-            <a:fld id="{1735A346-AD26-43DA-80AA-FD4FEB704E7E}" type="datetime1">
+            <a:fld id="{81ABDC17-7689-47F8-A9E1-B29FA74EEE9F}" type="datetime1">
               <a:rPr lang="en-US" smtClean="0"/>
-              <a:t>11/26/2023</a:t>
+              <a:t>11/27/23</a:t>
             </a:fld>
             <a:endParaRPr lang="en-US"/>
           </a:p>
@@ -2369,7 +2387,7 @@
           <a:p>
             <a:r>
               <a:rPr lang="pt-BR"/>
-              <a:t>Programação Distribuida - Bruno 20... | Filipa 2018011698 | Tiago 20...</a:t>
+              <a:t>Programação Distribuida - Bruno 2019132612 | Filipa 2018011698 | Tiago 2020122664</a:t>
             </a:r>
             <a:endParaRPr lang="en-US"/>
           </a:p>
@@ -2392,7 +2410,7 @@
           <a:p>
             <a:fld id="{5963BAFC-B953-4DB7-B4E9-09BC70913B53}" type="slidenum">
               <a:rPr lang="en-US" smtClean="0"/>
-              <a:t>‹nº›</a:t>
+              <a:t>‹#›</a:t>
             </a:fld>
             <a:endParaRPr lang="en-US"/>
           </a:p>
@@ -2443,9 +2461,9 @@
           <a:bodyPr/>
           <a:lstStyle/>
           <a:p>
-            <a:fld id="{EB333948-BF1F-4973-9690-92F0C7E19276}" type="datetime1">
+            <a:fld id="{F202B2E4-348B-4330-9F88-8B0A2979BFD1}" type="datetime1">
               <a:rPr lang="en-US" smtClean="0"/>
-              <a:t>11/26/2023</a:t>
+              <a:t>11/27/23</a:t>
             </a:fld>
             <a:endParaRPr lang="en-US"/>
           </a:p>
@@ -2468,7 +2486,7 @@
           <a:p>
             <a:r>
               <a:rPr lang="pt-BR"/>
-              <a:t>Programação Distribuida - Bruno 20... | Filipa 2018011698 | Tiago 20...</a:t>
+              <a:t>Programação Distribuida - Bruno 2019132612 | Filipa 2018011698 | Tiago 2020122664</a:t>
             </a:r>
             <a:endParaRPr lang="en-US"/>
           </a:p>
@@ -2491,7 +2509,7 @@
           <a:p>
             <a:fld id="{5963BAFC-B953-4DB7-B4E9-09BC70913B53}" type="slidenum">
               <a:rPr lang="en-US" smtClean="0"/>
-              <a:t>‹nº›</a:t>
+              <a:t>‹#›</a:t>
             </a:fld>
             <a:endParaRPr lang="en-US"/>
           </a:p>
@@ -2735,9 +2753,9 @@
           <a:bodyPr/>
           <a:lstStyle/>
           <a:p>
-            <a:fld id="{C7CFC8BE-8CAB-4E88-A9DB-F6AF4BDBBE11}" type="datetime1">
+            <a:fld id="{46E505AA-6992-4425-A67B-2E8BA80C9C7A}" type="datetime1">
               <a:rPr lang="en-US" smtClean="0"/>
-              <a:t>11/26/2023</a:t>
+              <a:t>11/27/23</a:t>
             </a:fld>
             <a:endParaRPr lang="en-US"/>
           </a:p>
@@ -2760,7 +2778,7 @@
           <a:p>
             <a:r>
               <a:rPr lang="pt-BR"/>
-              <a:t>Programação Distribuida - Bruno 20... | Filipa 2018011698 | Tiago 20...</a:t>
+              <a:t>Programação Distribuida - Bruno 2019132612 | Filipa 2018011698 | Tiago 2020122664</a:t>
             </a:r>
             <a:endParaRPr lang="en-US"/>
           </a:p>
@@ -2783,7 +2801,7 @@
           <a:p>
             <a:fld id="{5963BAFC-B953-4DB7-B4E9-09BC70913B53}" type="slidenum">
               <a:rPr lang="en-US" smtClean="0"/>
-              <a:t>‹nº›</a:t>
+              <a:t>‹#›</a:t>
             </a:fld>
             <a:endParaRPr lang="en-US"/>
           </a:p>
@@ -3012,9 +3030,9 @@
           <a:bodyPr/>
           <a:lstStyle/>
           <a:p>
-            <a:fld id="{40B544D3-EF11-4EBD-9E9E-3439EB927F5D}" type="datetime1">
+            <a:fld id="{A8D5BF44-2E90-46AD-AEF6-BD333B4DC1BF}" type="datetime1">
               <a:rPr lang="en-US" smtClean="0"/>
-              <a:t>11/26/2023</a:t>
+              <a:t>11/27/23</a:t>
             </a:fld>
             <a:endParaRPr lang="en-US"/>
           </a:p>
@@ -3042,7 +3060,7 @@
           <a:p>
             <a:r>
               <a:rPr lang="pt-BR"/>
-              <a:t>Programação Distribuida - Bruno 20... | Filipa 2018011698 | Tiago 20...</a:t>
+              <a:t>Programação Distribuida - Bruno 2019132612 | Filipa 2018011698 | Tiago 2020122664</a:t>
             </a:r>
             <a:endParaRPr lang="en-US"/>
           </a:p>
@@ -3065,7 +3083,7 @@
           <a:p>
             <a:fld id="{5963BAFC-B953-4DB7-B4E9-09BC70913B53}" type="slidenum">
               <a:rPr lang="en-US" smtClean="0"/>
-              <a:t>‹nº›</a:t>
+              <a:t>‹#›</a:t>
             </a:fld>
             <a:endParaRPr lang="en-US"/>
           </a:p>
@@ -3313,9 +3331,9 @@
             </a:lvl1pPr>
           </a:lstStyle>
           <a:p>
-            <a:fld id="{6DC5C497-6936-4068-A9FE-A990B323E087}" type="datetime1">
+            <a:fld id="{DEA2D2C6-F467-44A8-BC71-41D8D2C7DC6F}" type="datetime1">
               <a:rPr lang="en-US" smtClean="0"/>
-              <a:t>11/26/2023</a:t>
+              <a:t>11/27/23</a:t>
             </a:fld>
             <a:endParaRPr lang="en-US"/>
           </a:p>
@@ -3357,7 +3375,7 @@
           <a:p>
             <a:r>
               <a:rPr lang="pt-BR"/>
-              <a:t>Programação Distribuida - Bruno 20... | Filipa 2018011698 | Tiago 20...</a:t>
+              <a:t>Programação Distribuida - Bruno 2019132612 | Filipa 2018011698 | Tiago 2020122664</a:t>
             </a:r>
             <a:endParaRPr lang="en-US"/>
           </a:p>
@@ -3396,7 +3414,7 @@
           <a:p>
             <a:fld id="{5963BAFC-B953-4DB7-B4E9-09BC70913B53}" type="slidenum">
               <a:rPr lang="en-US" smtClean="0"/>
-              <a:t>‹nº›</a:t>
+              <a:t>‹#›</a:t>
             </a:fld>
             <a:endParaRPr lang="en-US"/>
           </a:p>
@@ -3841,6 +3859,50 @@
               <a:rPr lang="en-US" sz="4800" dirty="0"/>
               <a:t> – Meta 1</a:t>
             </a:r>
+            <a:br>
+              <a:rPr lang="en-US" sz="4800" dirty="0"/>
+            </a:br>
+            <a:r>
+              <a:rPr lang="en-US" sz="2800" dirty="0" err="1">
+                <a:solidFill>
+                  <a:schemeClr val="bg2">
+                    <a:lumMod val="20000"/>
+                    <a:lumOff val="80000"/>
+                  </a:schemeClr>
+                </a:solidFill>
+              </a:rPr>
+              <a:t>Programação</a:t>
+            </a:r>
+            <a:r>
+              <a:rPr lang="en-US" sz="2800" dirty="0">
+                <a:solidFill>
+                  <a:schemeClr val="bg2">
+                    <a:lumMod val="20000"/>
+                    <a:lumOff val="80000"/>
+                  </a:schemeClr>
+                </a:solidFill>
+              </a:rPr>
+              <a:t> </a:t>
+            </a:r>
+            <a:r>
+              <a:rPr lang="en-US" sz="2800" dirty="0" err="1">
+                <a:solidFill>
+                  <a:schemeClr val="bg2">
+                    <a:lumMod val="20000"/>
+                    <a:lumOff val="80000"/>
+                  </a:schemeClr>
+                </a:solidFill>
+              </a:rPr>
+              <a:t>Distribuída</a:t>
+            </a:r>
+            <a:endParaRPr lang="en-US" sz="4800" dirty="0">
+              <a:solidFill>
+                <a:schemeClr val="bg2">
+                  <a:lumMod val="20000"/>
+                  <a:lumOff val="80000"/>
+                </a:schemeClr>
+              </a:solidFill>
+            </a:endParaRPr>
           </a:p>
         </p:txBody>
       </p:sp>
@@ -3869,7 +3931,7 @@
           <a:p>
             <a:r>
               <a:rPr lang="en-US" dirty="0"/>
-              <a:t>Bruno …</a:t>
+              <a:t>Bruno Amado - 2019132612</a:t>
             </a:r>
           </a:p>
           <a:p>
@@ -3881,17 +3943,17 @@
           <a:p>
             <a:r>
               <a:rPr lang="en-US" dirty="0"/>
-              <a:t>Tiago Figueiredo - ….</a:t>
+              <a:t>Tiago Figueiredo - 2020122664</a:t>
             </a:r>
           </a:p>
         </p:txBody>
       </p:sp>
       <p:pic>
         <p:nvPicPr>
-          <p:cNvPr id="1026" name="Picture 2" descr="Diário As Beiras – Instituto de Engenharia de Coimbra e Altice desenvolvem  projetos de investigação">
-            <a:extLst>
-              <a:ext uri="{FF2B5EF4-FFF2-40B4-BE49-F238E27FC236}">
-                <a16:creationId xmlns:a16="http://schemas.microsoft.com/office/drawing/2014/main" id="{E295ADD4-BA8D-AE47-FC19-2A9D9F51AF7A}"/>
+          <p:cNvPr id="1028" name="Picture 4" descr="Instituto Superior de Engenharia de Coimbra – Wikipédia, a enciclopédia  livre">
+            <a:extLst>
+              <a:ext uri="{FF2B5EF4-FFF2-40B4-BE49-F238E27FC236}">
+                <a16:creationId xmlns:a16="http://schemas.microsoft.com/office/drawing/2014/main" id="{D11857B0-7B32-1323-19CB-F446D281B0D9}"/>
               </a:ext>
             </a:extLst>
           </p:cNvPr>
@@ -3915,8 +3977,8 @@
         </p:blipFill>
         <p:spPr bwMode="auto">
           <a:xfrm>
-            <a:off x="70307" y="0"/>
-            <a:ext cx="1568970" cy="821094"/>
+            <a:off x="147639" y="95250"/>
+            <a:ext cx="807830" cy="552450"/>
           </a:xfrm>
           <a:prstGeom prst="rect">
             <a:avLst/>
@@ -3946,6 +4008,3807 @@
 </p:sld>
 </file>
 
+<file path=ppt/slides/slide10.xml><?xml version="1.0" encoding="utf-8"?>
+<p:sld xmlns:a="http://schemas.openxmlformats.org/drawingml/2006/main" xmlns:r="http://schemas.openxmlformats.org/officeDocument/2006/relationships" xmlns:p="http://schemas.openxmlformats.org/presentationml/2006/main">
+  <p:cSld>
+    <p:spTree>
+      <p:nvGrpSpPr>
+        <p:cNvPr id="1" name=""/>
+        <p:cNvGrpSpPr/>
+        <p:nvPr/>
+      </p:nvGrpSpPr>
+      <p:grpSpPr>
+        <a:xfrm>
+          <a:off x="0" y="0"/>
+          <a:ext cx="0" cy="0"/>
+          <a:chOff x="0" y="0"/>
+          <a:chExt cx="0" cy="0"/>
+        </a:xfrm>
+      </p:grpSpPr>
+      <p:sp>
+        <p:nvSpPr>
+          <p:cNvPr id="2" name="Título 1">
+            <a:extLst>
+              <a:ext uri="{FF2B5EF4-FFF2-40B4-BE49-F238E27FC236}">
+                <a16:creationId xmlns:a16="http://schemas.microsoft.com/office/drawing/2014/main" id="{1054DDFB-F375-3632-3589-6C1BBE3AA09B}"/>
+              </a:ext>
+            </a:extLst>
+          </p:cNvPr>
+          <p:cNvSpPr>
+            <a:spLocks noGrp="1"/>
+          </p:cNvSpPr>
+          <p:nvPr>
+            <p:ph type="title"/>
+          </p:nvPr>
+        </p:nvSpPr>
+        <p:spPr/>
+        <p:txBody>
+          <a:bodyPr/>
+          <a:lstStyle/>
+          <a:p>
+            <a:r>
+              <a:rPr kumimoji="0" lang="pt-PT" sz="2000" b="0" i="0" u="none" strike="noStrike" kern="1200" cap="none" spc="-60" normalizeH="0" baseline="0" noProof="0" dirty="0">
+                <a:ln>
+                  <a:noFill/>
+                </a:ln>
+                <a:solidFill>
+                  <a:srgbClr val="FFFFFF"/>
+                </a:solidFill>
+                <a:effectLst/>
+                <a:uLnTx/>
+                <a:uFillTx/>
+                <a:latin typeface="Corbel" panose="020B0503020204020204"/>
+                <a:ea typeface="+mj-ea"/>
+                <a:cs typeface="+mj-cs"/>
+              </a:rPr>
+              <a:t>Servidor principal – Servidor Backup : RMI</a:t>
+            </a:r>
+            <a:endParaRPr lang="pt-PT" dirty="0"/>
+          </a:p>
+        </p:txBody>
+      </p:sp>
+      <p:pic>
+        <p:nvPicPr>
+          <p:cNvPr id="7" name="Marcador de Posição de Conteúdo 6" descr="Uma imagem com captura de ecrã, diagrama, file, Tipo de letra&#10;&#10;Descrição gerada automaticamente">
+            <a:extLst>
+              <a:ext uri="{FF2B5EF4-FFF2-40B4-BE49-F238E27FC236}">
+                <a16:creationId xmlns:a16="http://schemas.microsoft.com/office/drawing/2014/main" id="{91899EF9-F428-78BB-EB46-830AA6E7D286}"/>
+              </a:ext>
+            </a:extLst>
+          </p:cNvPr>
+          <p:cNvPicPr>
+            <a:picLocks noGrp="1" noChangeAspect="1"/>
+          </p:cNvPicPr>
+          <p:nvPr>
+            <p:ph idx="1"/>
+          </p:nvPr>
+        </p:nvPicPr>
+        <p:blipFill rotWithShape="1">
+          <a:blip r:embed="rId2">
+            <a:extLst>
+              <a:ext uri="{28A0092B-C50C-407E-A947-70E740481C1C}">
+                <a14:useLocalDpi xmlns:a14="http://schemas.microsoft.com/office/drawing/2010/main" val="0"/>
+              </a:ext>
+            </a:extLst>
+          </a:blip>
+          <a:srcRect l="5274" t="12697" r="18215" b="21401"/>
+          <a:stretch/>
+        </p:blipFill>
+        <p:spPr>
+          <a:xfrm>
+            <a:off x="5651413" y="3392631"/>
+            <a:ext cx="3679197" cy="1842886"/>
+          </a:xfrm>
+        </p:spPr>
+      </p:pic>
+      <p:sp>
+        <p:nvSpPr>
+          <p:cNvPr id="4" name="Marcador de Posição do Rodapé 3">
+            <a:extLst>
+              <a:ext uri="{FF2B5EF4-FFF2-40B4-BE49-F238E27FC236}">
+                <a16:creationId xmlns:a16="http://schemas.microsoft.com/office/drawing/2014/main" id="{3DFF8418-FB1E-06AF-62C1-8BC13FD41F1B}"/>
+              </a:ext>
+            </a:extLst>
+          </p:cNvPr>
+          <p:cNvSpPr>
+            <a:spLocks noGrp="1"/>
+          </p:cNvSpPr>
+          <p:nvPr>
+            <p:ph type="ftr" sz="quarter" idx="11"/>
+          </p:nvPr>
+        </p:nvSpPr>
+        <p:spPr/>
+        <p:txBody>
+          <a:bodyPr/>
+          <a:lstStyle/>
+          <a:p>
+            <a:r>
+              <a:rPr lang="pt-BR"/>
+              <a:t>Programação Distribuida - Bruno 2019132612 | Filipa 2018011698 | Tiago 2020122664</a:t>
+            </a:r>
+            <a:endParaRPr lang="en-US"/>
+          </a:p>
+        </p:txBody>
+      </p:sp>
+      <p:sp>
+        <p:nvSpPr>
+          <p:cNvPr id="5" name="Marcador de Posição do Número do Diapositivo 4">
+            <a:extLst>
+              <a:ext uri="{FF2B5EF4-FFF2-40B4-BE49-F238E27FC236}">
+                <a16:creationId xmlns:a16="http://schemas.microsoft.com/office/drawing/2014/main" id="{CBB3A33F-508D-5213-3805-A6F5C0DEAED0}"/>
+              </a:ext>
+            </a:extLst>
+          </p:cNvPr>
+          <p:cNvSpPr>
+            <a:spLocks noGrp="1"/>
+          </p:cNvSpPr>
+          <p:nvPr>
+            <p:ph type="sldNum" sz="quarter" idx="12"/>
+          </p:nvPr>
+        </p:nvSpPr>
+        <p:spPr/>
+        <p:txBody>
+          <a:bodyPr/>
+          <a:lstStyle/>
+          <a:p>
+            <a:fld id="{5963BAFC-B953-4DB7-B4E9-09BC70913B53}" type="slidenum">
+              <a:rPr lang="en-US" smtClean="0"/>
+              <a:t>10</a:t>
+            </a:fld>
+            <a:endParaRPr lang="en-US"/>
+          </a:p>
+        </p:txBody>
+      </p:sp>
+      <p:sp>
+        <p:nvSpPr>
+          <p:cNvPr id="3" name="CaixaDeTexto 2">
+            <a:extLst>
+              <a:ext uri="{FF2B5EF4-FFF2-40B4-BE49-F238E27FC236}">
+                <a16:creationId xmlns:a16="http://schemas.microsoft.com/office/drawing/2014/main" id="{BEE809AF-3444-4380-72E2-C6B5B653881A}"/>
+              </a:ext>
+            </a:extLst>
+          </p:cNvPr>
+          <p:cNvSpPr txBox="1"/>
+          <p:nvPr/>
+        </p:nvSpPr>
+        <p:spPr>
+          <a:xfrm>
+            <a:off x="3869266" y="1622483"/>
+            <a:ext cx="7243492" cy="1323439"/>
+          </a:xfrm>
+          <a:prstGeom prst="rect">
+            <a:avLst/>
+          </a:prstGeom>
+          <a:noFill/>
+        </p:spPr>
+        <p:txBody>
+          <a:bodyPr wrap="square" rtlCol="0">
+            <a:spAutoFit/>
+          </a:bodyPr>
+          <a:lstStyle/>
+          <a:p>
+            <a:pPr marL="285750" indent="-285750">
+              <a:buClr>
+                <a:srgbClr val="C00000"/>
+              </a:buClr>
+              <a:buFont typeface="Arial" panose="020B0604020202020204" pitchFamily="34" charset="0"/>
+              <a:buChar char="•"/>
+            </a:pPr>
+            <a:r>
+              <a:rPr lang="pt-BR" sz="2000" dirty="0">
+                <a:solidFill>
+                  <a:schemeClr val="tx1">
+                    <a:lumMod val="65000"/>
+                    <a:lumOff val="35000"/>
+                  </a:schemeClr>
+                </a:solidFill>
+              </a:rPr>
+              <a:t>Conecta-se ao Serviço RMI criado pelo Servidor. </a:t>
+            </a:r>
+          </a:p>
+          <a:p>
+            <a:pPr marL="285750" indent="-285750">
+              <a:buClr>
+                <a:srgbClr val="C00000"/>
+              </a:buClr>
+              <a:buFont typeface="Arial" panose="020B0604020202020204" pitchFamily="34" charset="0"/>
+              <a:buChar char="•"/>
+            </a:pPr>
+            <a:r>
+              <a:rPr lang="pt-BR" sz="2000" dirty="0">
+                <a:solidFill>
+                  <a:schemeClr val="tx1">
+                    <a:lumMod val="65000"/>
+                    <a:lumOff val="35000"/>
+                  </a:schemeClr>
+                </a:solidFill>
+              </a:rPr>
+              <a:t>Faz cópia do ficheiro da base de dados na fase de arranque via RMI.</a:t>
+            </a:r>
+          </a:p>
+          <a:p>
+            <a:pPr marL="285750" indent="-285750">
+              <a:buFont typeface="Arial" panose="020B0604020202020204" pitchFamily="34" charset="0"/>
+              <a:buChar char="•"/>
+            </a:pPr>
+            <a:endParaRPr lang="pt-PT" sz="2000" dirty="0">
+              <a:solidFill>
+                <a:schemeClr val="tx1">
+                  <a:lumMod val="65000"/>
+                  <a:lumOff val="35000"/>
+                </a:schemeClr>
+              </a:solidFill>
+            </a:endParaRPr>
+          </a:p>
+        </p:txBody>
+      </p:sp>
+      <p:pic>
+        <p:nvPicPr>
+          <p:cNvPr id="6" name="Picture 4" descr="Instituto Superior de Engenharia de Coimbra – Wikipédia, a enciclopédia  livre">
+            <a:extLst>
+              <a:ext uri="{FF2B5EF4-FFF2-40B4-BE49-F238E27FC236}">
+                <a16:creationId xmlns:a16="http://schemas.microsoft.com/office/drawing/2014/main" id="{DE642110-9DE3-CA6B-1570-5616C770F290}"/>
+              </a:ext>
+            </a:extLst>
+          </p:cNvPr>
+          <p:cNvPicPr>
+            <a:picLocks noChangeAspect="1" noChangeArrowheads="1"/>
+          </p:cNvPicPr>
+          <p:nvPr/>
+        </p:nvPicPr>
+        <p:blipFill>
+          <a:blip r:embed="rId3">
+            <a:extLst>
+              <a:ext uri="{28A0092B-C50C-407E-A947-70E740481C1C}">
+                <a14:useLocalDpi xmlns:a14="http://schemas.microsoft.com/office/drawing/2010/main" val="0"/>
+              </a:ext>
+            </a:extLst>
+          </a:blip>
+          <a:srcRect/>
+          <a:stretch>
+            <a:fillRect/>
+          </a:stretch>
+        </p:blipFill>
+        <p:spPr bwMode="auto">
+          <a:xfrm>
+            <a:off x="147639" y="95250"/>
+            <a:ext cx="807830" cy="552450"/>
+          </a:xfrm>
+          <a:prstGeom prst="rect">
+            <a:avLst/>
+          </a:prstGeom>
+          <a:noFill/>
+          <a:extLst>
+            <a:ext uri="{909E8E84-426E-40DD-AFC4-6F175D3DCCD1}">
+              <a14:hiddenFill xmlns:a14="http://schemas.microsoft.com/office/drawing/2010/main">
+                <a:solidFill>
+                  <a:srgbClr val="FFFFFF"/>
+                </a:solidFill>
+              </a14:hiddenFill>
+            </a:ext>
+          </a:extLst>
+        </p:spPr>
+      </p:pic>
+    </p:spTree>
+    <p:extLst>
+      <p:ext uri="{BB962C8B-B14F-4D97-AF65-F5344CB8AC3E}">
+        <p14:creationId xmlns:p14="http://schemas.microsoft.com/office/powerpoint/2010/main" val="3349547891"/>
+      </p:ext>
+    </p:extLst>
+  </p:cSld>
+  <p:clrMapOvr>
+    <a:masterClrMapping/>
+  </p:clrMapOvr>
+</p:sld>
+</file>
+
+<file path=ppt/slides/slide11.xml><?xml version="1.0" encoding="utf-8"?>
+<p:sld xmlns:a="http://schemas.openxmlformats.org/drawingml/2006/main" xmlns:r="http://schemas.openxmlformats.org/officeDocument/2006/relationships" xmlns:p="http://schemas.openxmlformats.org/presentationml/2006/main">
+  <p:cSld>
+    <p:spTree>
+      <p:nvGrpSpPr>
+        <p:cNvPr id="1" name=""/>
+        <p:cNvGrpSpPr/>
+        <p:nvPr/>
+      </p:nvGrpSpPr>
+      <p:grpSpPr>
+        <a:xfrm>
+          <a:off x="0" y="0"/>
+          <a:ext cx="0" cy="0"/>
+          <a:chOff x="0" y="0"/>
+          <a:chExt cx="0" cy="0"/>
+        </a:xfrm>
+      </p:grpSpPr>
+      <p:sp>
+        <p:nvSpPr>
+          <p:cNvPr id="2" name="Título 1">
+            <a:extLst>
+              <a:ext uri="{FF2B5EF4-FFF2-40B4-BE49-F238E27FC236}">
+                <a16:creationId xmlns:a16="http://schemas.microsoft.com/office/drawing/2014/main" id="{F6A8F3D9-F416-01F0-3F6B-4E28B1DA0C90}"/>
+              </a:ext>
+            </a:extLst>
+          </p:cNvPr>
+          <p:cNvSpPr>
+            <a:spLocks noGrp="1"/>
+          </p:cNvSpPr>
+          <p:nvPr>
+            <p:ph type="title"/>
+          </p:nvPr>
+        </p:nvSpPr>
+        <p:spPr/>
+        <p:txBody>
+          <a:bodyPr>
+            <a:normAutofit/>
+          </a:bodyPr>
+          <a:lstStyle/>
+          <a:p>
+            <a:r>
+              <a:rPr lang="pt-PT" sz="3200" dirty="0"/>
+              <a:t>Servidor Backup</a:t>
+            </a:r>
+          </a:p>
+        </p:txBody>
+      </p:sp>
+      <p:pic>
+        <p:nvPicPr>
+          <p:cNvPr id="7" name="Marcador de Posição de Conteúdo 6" descr="Uma imagem com diagrama, esboço, captura de ecrã, desenho&#10;&#10;Descrição gerada automaticamente">
+            <a:extLst>
+              <a:ext uri="{FF2B5EF4-FFF2-40B4-BE49-F238E27FC236}">
+                <a16:creationId xmlns:a16="http://schemas.microsoft.com/office/drawing/2014/main" id="{EEE9A8D2-98D7-D52E-F63D-8D3DB4373540}"/>
+              </a:ext>
+            </a:extLst>
+          </p:cNvPr>
+          <p:cNvPicPr>
+            <a:picLocks noGrp="1" noChangeAspect="1"/>
+          </p:cNvPicPr>
+          <p:nvPr>
+            <p:ph idx="1"/>
+          </p:nvPr>
+        </p:nvPicPr>
+        <p:blipFill rotWithShape="1">
+          <a:blip r:embed="rId2">
+            <a:extLst>
+              <a:ext uri="{28A0092B-C50C-407E-A947-70E740481C1C}">
+                <a14:useLocalDpi xmlns:a14="http://schemas.microsoft.com/office/drawing/2010/main" val="0"/>
+              </a:ext>
+            </a:extLst>
+          </a:blip>
+          <a:srcRect l="4035" t="7640" r="13036" b="32836"/>
+          <a:stretch/>
+        </p:blipFill>
+        <p:spPr>
+          <a:xfrm>
+            <a:off x="5081405" y="3816557"/>
+            <a:ext cx="4293762" cy="1737360"/>
+          </a:xfrm>
+        </p:spPr>
+      </p:pic>
+      <p:sp>
+        <p:nvSpPr>
+          <p:cNvPr id="4" name="Marcador de Posição do Rodapé 3">
+            <a:extLst>
+              <a:ext uri="{FF2B5EF4-FFF2-40B4-BE49-F238E27FC236}">
+                <a16:creationId xmlns:a16="http://schemas.microsoft.com/office/drawing/2014/main" id="{D5B64C98-D7F8-AF88-C438-A0392A0C1E62}"/>
+              </a:ext>
+            </a:extLst>
+          </p:cNvPr>
+          <p:cNvSpPr>
+            <a:spLocks noGrp="1"/>
+          </p:cNvSpPr>
+          <p:nvPr>
+            <p:ph type="ftr" sz="quarter" idx="11"/>
+          </p:nvPr>
+        </p:nvSpPr>
+        <p:spPr/>
+        <p:txBody>
+          <a:bodyPr/>
+          <a:lstStyle/>
+          <a:p>
+            <a:r>
+              <a:rPr lang="pt-BR"/>
+              <a:t>Programação Distribuida - Bruno 2019132612 | Filipa 2018011698 | Tiago 2020122664</a:t>
+            </a:r>
+            <a:endParaRPr lang="en-US"/>
+          </a:p>
+        </p:txBody>
+      </p:sp>
+      <p:sp>
+        <p:nvSpPr>
+          <p:cNvPr id="5" name="Marcador de Posição do Número do Diapositivo 4">
+            <a:extLst>
+              <a:ext uri="{FF2B5EF4-FFF2-40B4-BE49-F238E27FC236}">
+                <a16:creationId xmlns:a16="http://schemas.microsoft.com/office/drawing/2014/main" id="{0C8D568C-923F-5EFC-FCE1-8459A97F97D4}"/>
+              </a:ext>
+            </a:extLst>
+          </p:cNvPr>
+          <p:cNvSpPr>
+            <a:spLocks noGrp="1"/>
+          </p:cNvSpPr>
+          <p:nvPr>
+            <p:ph type="sldNum" sz="quarter" idx="12"/>
+          </p:nvPr>
+        </p:nvSpPr>
+        <p:spPr/>
+        <p:txBody>
+          <a:bodyPr/>
+          <a:lstStyle/>
+          <a:p>
+            <a:fld id="{5963BAFC-B953-4DB7-B4E9-09BC70913B53}" type="slidenum">
+              <a:rPr lang="en-US" smtClean="0"/>
+              <a:t>11</a:t>
+            </a:fld>
+            <a:endParaRPr lang="en-US"/>
+          </a:p>
+        </p:txBody>
+      </p:sp>
+      <p:sp>
+        <p:nvSpPr>
+          <p:cNvPr id="8" name="CaixaDeTexto 7">
+            <a:extLst>
+              <a:ext uri="{FF2B5EF4-FFF2-40B4-BE49-F238E27FC236}">
+                <a16:creationId xmlns:a16="http://schemas.microsoft.com/office/drawing/2014/main" id="{C1AB775E-3EB6-A616-0F8F-24A1677E817D}"/>
+              </a:ext>
+            </a:extLst>
+          </p:cNvPr>
+          <p:cNvSpPr txBox="1"/>
+          <p:nvPr/>
+        </p:nvSpPr>
+        <p:spPr>
+          <a:xfrm>
+            <a:off x="3869266" y="1974339"/>
+            <a:ext cx="6718041" cy="1631216"/>
+          </a:xfrm>
+          <a:prstGeom prst="rect">
+            <a:avLst/>
+          </a:prstGeom>
+          <a:noFill/>
+        </p:spPr>
+        <p:txBody>
+          <a:bodyPr wrap="square" rtlCol="0">
+            <a:spAutoFit/>
+          </a:bodyPr>
+          <a:lstStyle/>
+          <a:p>
+            <a:pPr marL="285750" indent="-285750" algn="just">
+              <a:buClr>
+                <a:srgbClr val="C00000"/>
+              </a:buClr>
+              <a:buFont typeface="Arial" panose="020B0604020202020204" pitchFamily="34" charset="0"/>
+              <a:buChar char="•"/>
+            </a:pPr>
+            <a:r>
+              <a:rPr lang="pt-PT" sz="2000" dirty="0">
+                <a:solidFill>
+                  <a:schemeClr val="tx1">
+                    <a:lumMod val="65000"/>
+                    <a:lumOff val="35000"/>
+                  </a:schemeClr>
+                </a:solidFill>
+              </a:rPr>
+              <a:t>Os servidores de backup começam por obter, através do RMI do servidor principal, uma cópia integral da base de dados do servidor principal.</a:t>
+            </a:r>
+          </a:p>
+          <a:p>
+            <a:pPr marL="285750" indent="-285750" algn="just">
+              <a:buClr>
+                <a:srgbClr val="C00000"/>
+              </a:buClr>
+              <a:buFont typeface="Arial" panose="020B0604020202020204" pitchFamily="34" charset="0"/>
+              <a:buChar char="•"/>
+            </a:pPr>
+            <a:r>
+              <a:rPr lang="pt-PT" sz="2000" dirty="0">
+                <a:solidFill>
+                  <a:schemeClr val="tx1">
+                    <a:lumMod val="65000"/>
+                    <a:lumOff val="35000"/>
+                  </a:schemeClr>
+                </a:solidFill>
+              </a:rPr>
+              <a:t>Estes aguardam continuamente pela receção do </a:t>
+            </a:r>
+            <a:r>
+              <a:rPr lang="pt-PT" sz="2000" dirty="0" err="1">
+                <a:solidFill>
+                  <a:schemeClr val="tx1">
+                    <a:lumMod val="65000"/>
+                    <a:lumOff val="35000"/>
+                  </a:schemeClr>
+                </a:solidFill>
+              </a:rPr>
+              <a:t>heartbeat</a:t>
+            </a:r>
+            <a:r>
+              <a:rPr lang="pt-PT" sz="2000" dirty="0">
+                <a:solidFill>
+                  <a:schemeClr val="tx1">
+                    <a:lumMod val="65000"/>
+                    <a:lumOff val="35000"/>
+                  </a:schemeClr>
+                </a:solidFill>
+              </a:rPr>
+              <a:t>, e cajo não seja recebido, terminam. </a:t>
+            </a:r>
+          </a:p>
+        </p:txBody>
+      </p:sp>
+      <p:pic>
+        <p:nvPicPr>
+          <p:cNvPr id="3" name="Picture 4" descr="Instituto Superior de Engenharia de Coimbra – Wikipédia, a enciclopédia  livre">
+            <a:extLst>
+              <a:ext uri="{FF2B5EF4-FFF2-40B4-BE49-F238E27FC236}">
+                <a16:creationId xmlns:a16="http://schemas.microsoft.com/office/drawing/2014/main" id="{3FF7897D-2CB8-58A1-F5B9-8032AC68B228}"/>
+              </a:ext>
+            </a:extLst>
+          </p:cNvPr>
+          <p:cNvPicPr>
+            <a:picLocks noChangeAspect="1" noChangeArrowheads="1"/>
+          </p:cNvPicPr>
+          <p:nvPr/>
+        </p:nvPicPr>
+        <p:blipFill>
+          <a:blip r:embed="rId3">
+            <a:extLst>
+              <a:ext uri="{28A0092B-C50C-407E-A947-70E740481C1C}">
+                <a14:useLocalDpi xmlns:a14="http://schemas.microsoft.com/office/drawing/2010/main" val="0"/>
+              </a:ext>
+            </a:extLst>
+          </a:blip>
+          <a:srcRect/>
+          <a:stretch>
+            <a:fillRect/>
+          </a:stretch>
+        </p:blipFill>
+        <p:spPr bwMode="auto">
+          <a:xfrm>
+            <a:off x="147639" y="95250"/>
+            <a:ext cx="807830" cy="552450"/>
+          </a:xfrm>
+          <a:prstGeom prst="rect">
+            <a:avLst/>
+          </a:prstGeom>
+          <a:noFill/>
+          <a:extLst>
+            <a:ext uri="{909E8E84-426E-40DD-AFC4-6F175D3DCCD1}">
+              <a14:hiddenFill xmlns:a14="http://schemas.microsoft.com/office/drawing/2010/main">
+                <a:solidFill>
+                  <a:srgbClr val="FFFFFF"/>
+                </a:solidFill>
+              </a14:hiddenFill>
+            </a:ext>
+          </a:extLst>
+        </p:spPr>
+      </p:pic>
+    </p:spTree>
+    <p:extLst>
+      <p:ext uri="{BB962C8B-B14F-4D97-AF65-F5344CB8AC3E}">
+        <p14:creationId xmlns:p14="http://schemas.microsoft.com/office/powerpoint/2010/main" val="2961929288"/>
+      </p:ext>
+    </p:extLst>
+  </p:cSld>
+  <p:clrMapOvr>
+    <a:masterClrMapping/>
+  </p:clrMapOvr>
+</p:sld>
+</file>
+
+<file path=ppt/slides/slide12.xml><?xml version="1.0" encoding="utf-8"?>
+<p:sld xmlns:a="http://schemas.openxmlformats.org/drawingml/2006/main" xmlns:r="http://schemas.openxmlformats.org/officeDocument/2006/relationships" xmlns:p="http://schemas.openxmlformats.org/presentationml/2006/main">
+  <p:cSld>
+    <p:spTree>
+      <p:nvGrpSpPr>
+        <p:cNvPr id="1" name=""/>
+        <p:cNvGrpSpPr/>
+        <p:nvPr/>
+      </p:nvGrpSpPr>
+      <p:grpSpPr>
+        <a:xfrm>
+          <a:off x="0" y="0"/>
+          <a:ext cx="0" cy="0"/>
+          <a:chOff x="0" y="0"/>
+          <a:chExt cx="0" cy="0"/>
+        </a:xfrm>
+      </p:grpSpPr>
+      <p:sp>
+        <p:nvSpPr>
+          <p:cNvPr id="2" name="Título 1">
+            <a:extLst>
+              <a:ext uri="{FF2B5EF4-FFF2-40B4-BE49-F238E27FC236}">
+                <a16:creationId xmlns:a16="http://schemas.microsoft.com/office/drawing/2014/main" id="{01A2B7A1-7148-0680-8465-46E4781964D8}"/>
+              </a:ext>
+            </a:extLst>
+          </p:cNvPr>
+          <p:cNvSpPr>
+            <a:spLocks noGrp="1"/>
+          </p:cNvSpPr>
+          <p:nvPr>
+            <p:ph type="title"/>
+          </p:nvPr>
+        </p:nvSpPr>
+        <p:spPr/>
+        <p:txBody>
+          <a:bodyPr/>
+          <a:lstStyle/>
+          <a:p>
+            <a:r>
+              <a:rPr lang="pt-PT" dirty="0" err="1"/>
+              <a:t>Batch</a:t>
+            </a:r>
+            <a:r>
+              <a:rPr lang="pt-PT" dirty="0"/>
+              <a:t> Files</a:t>
+            </a:r>
+          </a:p>
+        </p:txBody>
+      </p:sp>
+      <p:sp>
+        <p:nvSpPr>
+          <p:cNvPr id="3" name="Marcador de Posição de Conteúdo 2">
+            <a:extLst>
+              <a:ext uri="{FF2B5EF4-FFF2-40B4-BE49-F238E27FC236}">
+                <a16:creationId xmlns:a16="http://schemas.microsoft.com/office/drawing/2014/main" id="{B4B0BEF0-34DE-8E36-394D-47FB7877458A}"/>
+              </a:ext>
+            </a:extLst>
+          </p:cNvPr>
+          <p:cNvSpPr>
+            <a:spLocks noGrp="1"/>
+          </p:cNvSpPr>
+          <p:nvPr>
+            <p:ph idx="1"/>
+          </p:nvPr>
+        </p:nvSpPr>
+        <p:spPr/>
+        <p:txBody>
+          <a:bodyPr/>
+          <a:lstStyle/>
+          <a:p>
+            <a:r>
+              <a:rPr lang="pt-PT" dirty="0"/>
+              <a:t>De forma a que todas as execuções dos programas funcionassem corretamente, foram criados diversos </a:t>
+            </a:r>
+            <a:r>
+              <a:rPr lang="pt-PT" dirty="0" err="1"/>
+              <a:t>batch</a:t>
+            </a:r>
+            <a:r>
+              <a:rPr lang="pt-PT" dirty="0"/>
+              <a:t> files, garantido que estes iniciassem pela ordem certa. </a:t>
+            </a:r>
+          </a:p>
+          <a:p>
+            <a:r>
+              <a:rPr lang="pt-PT" dirty="0"/>
+              <a:t>No nosso trabalho criámos um </a:t>
+            </a:r>
+            <a:r>
+              <a:rPr lang="pt-PT" dirty="0" err="1"/>
+              <a:t>batch</a:t>
+            </a:r>
+            <a:r>
+              <a:rPr lang="pt-PT" dirty="0"/>
+              <a:t> file principal que executa ordenadamente os </a:t>
+            </a:r>
+            <a:r>
+              <a:rPr lang="pt-PT" dirty="0" err="1"/>
+              <a:t>batch</a:t>
+            </a:r>
+            <a:r>
+              <a:rPr lang="pt-PT" dirty="0"/>
+              <a:t> files necessários.</a:t>
+            </a:r>
+          </a:p>
+        </p:txBody>
+      </p:sp>
+      <p:sp>
+        <p:nvSpPr>
+          <p:cNvPr id="4" name="Marcador de Posição do Rodapé 3">
+            <a:extLst>
+              <a:ext uri="{FF2B5EF4-FFF2-40B4-BE49-F238E27FC236}">
+                <a16:creationId xmlns:a16="http://schemas.microsoft.com/office/drawing/2014/main" id="{43B7CA49-6392-5215-AD81-6C77C5C8FB67}"/>
+              </a:ext>
+            </a:extLst>
+          </p:cNvPr>
+          <p:cNvSpPr>
+            <a:spLocks noGrp="1"/>
+          </p:cNvSpPr>
+          <p:nvPr>
+            <p:ph type="ftr" sz="quarter" idx="11"/>
+          </p:nvPr>
+        </p:nvSpPr>
+        <p:spPr/>
+        <p:txBody>
+          <a:bodyPr/>
+          <a:lstStyle/>
+          <a:p>
+            <a:r>
+              <a:rPr lang="pt-BR"/>
+              <a:t>Programação Distribuida - Bruno 2019132612 | Filipa 2018011698 | Tiago 2020122664</a:t>
+            </a:r>
+            <a:endParaRPr lang="en-US"/>
+          </a:p>
+        </p:txBody>
+      </p:sp>
+      <p:sp>
+        <p:nvSpPr>
+          <p:cNvPr id="5" name="Marcador de Posição do Número do Diapositivo 4">
+            <a:extLst>
+              <a:ext uri="{FF2B5EF4-FFF2-40B4-BE49-F238E27FC236}">
+                <a16:creationId xmlns:a16="http://schemas.microsoft.com/office/drawing/2014/main" id="{E7E60517-D37D-2E07-AB9A-671953BAD3F6}"/>
+              </a:ext>
+            </a:extLst>
+          </p:cNvPr>
+          <p:cNvSpPr>
+            <a:spLocks noGrp="1"/>
+          </p:cNvSpPr>
+          <p:nvPr>
+            <p:ph type="sldNum" sz="quarter" idx="12"/>
+          </p:nvPr>
+        </p:nvSpPr>
+        <p:spPr/>
+        <p:txBody>
+          <a:bodyPr/>
+          <a:lstStyle/>
+          <a:p>
+            <a:fld id="{5963BAFC-B953-4DB7-B4E9-09BC70913B53}" type="slidenum">
+              <a:rPr lang="en-US" smtClean="0"/>
+              <a:t>12</a:t>
+            </a:fld>
+            <a:endParaRPr lang="en-US"/>
+          </a:p>
+        </p:txBody>
+      </p:sp>
+      <p:pic>
+        <p:nvPicPr>
+          <p:cNvPr id="7" name="Picture 4" descr="Instituto Superior de Engenharia de Coimbra – Wikipédia, a enciclopédia  livre">
+            <a:extLst>
+              <a:ext uri="{FF2B5EF4-FFF2-40B4-BE49-F238E27FC236}">
+                <a16:creationId xmlns:a16="http://schemas.microsoft.com/office/drawing/2014/main" id="{4BA56438-7EF2-60A6-590D-13DD827763FE}"/>
+              </a:ext>
+            </a:extLst>
+          </p:cNvPr>
+          <p:cNvPicPr>
+            <a:picLocks noChangeAspect="1" noChangeArrowheads="1"/>
+          </p:cNvPicPr>
+          <p:nvPr/>
+        </p:nvPicPr>
+        <p:blipFill>
+          <a:blip r:embed="rId2">
+            <a:extLst>
+              <a:ext uri="{28A0092B-C50C-407E-A947-70E740481C1C}">
+                <a14:useLocalDpi xmlns:a14="http://schemas.microsoft.com/office/drawing/2010/main" val="0"/>
+              </a:ext>
+            </a:extLst>
+          </a:blip>
+          <a:srcRect/>
+          <a:stretch>
+            <a:fillRect/>
+          </a:stretch>
+        </p:blipFill>
+        <p:spPr bwMode="auto">
+          <a:xfrm>
+            <a:off x="147639" y="95250"/>
+            <a:ext cx="807830" cy="552450"/>
+          </a:xfrm>
+          <a:prstGeom prst="rect">
+            <a:avLst/>
+          </a:prstGeom>
+          <a:noFill/>
+          <a:extLst>
+            <a:ext uri="{909E8E84-426E-40DD-AFC4-6F175D3DCCD1}">
+              <a14:hiddenFill xmlns:a14="http://schemas.microsoft.com/office/drawing/2010/main">
+                <a:solidFill>
+                  <a:srgbClr val="FFFFFF"/>
+                </a:solidFill>
+              </a14:hiddenFill>
+            </a:ext>
+          </a:extLst>
+        </p:spPr>
+      </p:pic>
+    </p:spTree>
+    <p:extLst>
+      <p:ext uri="{BB962C8B-B14F-4D97-AF65-F5344CB8AC3E}">
+        <p14:creationId xmlns:p14="http://schemas.microsoft.com/office/powerpoint/2010/main" val="1704576132"/>
+      </p:ext>
+    </p:extLst>
+  </p:cSld>
+  <p:clrMapOvr>
+    <a:masterClrMapping/>
+  </p:clrMapOvr>
+</p:sld>
+</file>
+
+<file path=ppt/slides/slide13.xml><?xml version="1.0" encoding="utf-8"?>
+<p:sld xmlns:a="http://schemas.openxmlformats.org/drawingml/2006/main" xmlns:r="http://schemas.openxmlformats.org/officeDocument/2006/relationships" xmlns:p="http://schemas.openxmlformats.org/presentationml/2006/main">
+  <p:cSld>
+    <p:bg>
+      <p:bgPr>
+        <a:solidFill>
+          <a:schemeClr val="bg1"/>
+        </a:solidFill>
+        <a:effectLst/>
+      </p:bgPr>
+    </p:bg>
+    <p:spTree>
+      <p:nvGrpSpPr>
+        <p:cNvPr id="1" name=""/>
+        <p:cNvGrpSpPr/>
+        <p:nvPr/>
+      </p:nvGrpSpPr>
+      <p:grpSpPr>
+        <a:xfrm>
+          <a:off x="0" y="0"/>
+          <a:ext cx="0" cy="0"/>
+          <a:chOff x="0" y="0"/>
+          <a:chExt cx="0" cy="0"/>
+        </a:xfrm>
+      </p:grpSpPr>
+      <p:sp>
+        <p:nvSpPr>
+          <p:cNvPr id="14" name="Rectangle 13">
+            <a:extLst>
+              <a:ext uri="{FF2B5EF4-FFF2-40B4-BE49-F238E27FC236}">
+                <a16:creationId xmlns:a16="http://schemas.microsoft.com/office/drawing/2014/main" id="{DB8424AB-D56B-4256-866A-5B54DE93C20F}"/>
+              </a:ext>
+              <a:ext uri="{C183D7F6-B498-43B3-948B-1728B52AA6E4}">
+                <adec:decorative xmlns:adec="http://schemas.microsoft.com/office/drawing/2017/decorative" val="1"/>
+              </a:ext>
+            </a:extLst>
+          </p:cNvPr>
+          <p:cNvSpPr>
+            <a:spLocks noGrp="1" noRot="1" noChangeAspect="1" noMove="1" noResize="1" noEditPoints="1" noAdjustHandles="1" noChangeArrowheads="1" noChangeShapeType="1" noTextEdit="1"/>
+          </p:cNvSpPr>
+          <p:nvPr>
+            <p:extLst>
+              <p:ext uri="{386F3935-93C4-4BCD-93E2-E3B085C9AB24}">
+                <p16:designElem xmlns:p16="http://schemas.microsoft.com/office/powerpoint/2015/main" val="1"/>
+              </p:ext>
+            </p:extLst>
+          </p:nvPr>
+        </p:nvSpPr>
+        <p:spPr>
+          <a:xfrm>
+            <a:off x="0" y="761999"/>
+            <a:ext cx="9141619" cy="5334001"/>
+          </a:xfrm>
+          <a:prstGeom prst="rect">
+            <a:avLst/>
+          </a:prstGeom>
+          <a:solidFill>
+            <a:schemeClr val="accent1"/>
+          </a:solidFill>
+          <a:ln>
+            <a:noFill/>
+          </a:ln>
+        </p:spPr>
+        <p:style>
+          <a:lnRef idx="2">
+            <a:schemeClr val="accent1">
+              <a:shade val="50000"/>
+            </a:schemeClr>
+          </a:lnRef>
+          <a:fillRef idx="1">
+            <a:schemeClr val="accent1"/>
+          </a:fillRef>
+          <a:effectRef idx="0">
+            <a:schemeClr val="accent1"/>
+          </a:effectRef>
+          <a:fontRef idx="minor">
+            <a:schemeClr val="lt1"/>
+          </a:fontRef>
+        </p:style>
+        <p:txBody>
+          <a:bodyPr/>
+          <a:lstStyle/>
+          <a:p>
+            <a:endParaRPr lang="pt-PT"/>
+          </a:p>
+        </p:txBody>
+      </p:sp>
+      <p:sp>
+        <p:nvSpPr>
+          <p:cNvPr id="16" name="Rectangle 15">
+            <a:extLst>
+              <a:ext uri="{FF2B5EF4-FFF2-40B4-BE49-F238E27FC236}">
+                <a16:creationId xmlns:a16="http://schemas.microsoft.com/office/drawing/2014/main" id="{FC999C28-AD33-4EB7-A5F1-C06D10A5FDF7}"/>
+              </a:ext>
+              <a:ext uri="{C183D7F6-B498-43B3-948B-1728B52AA6E4}">
+                <adec:decorative xmlns:adec="http://schemas.microsoft.com/office/drawing/2017/decorative" val="1"/>
+              </a:ext>
+            </a:extLst>
+          </p:cNvPr>
+          <p:cNvSpPr>
+            <a:spLocks noGrp="1" noRot="1" noChangeAspect="1" noMove="1" noResize="1" noEditPoints="1" noAdjustHandles="1" noChangeArrowheads="1" noChangeShapeType="1" noTextEdit="1"/>
+          </p:cNvSpPr>
+          <p:nvPr>
+            <p:extLst>
+              <p:ext uri="{386F3935-93C4-4BCD-93E2-E3B085C9AB24}">
+                <p16:designElem xmlns:p16="http://schemas.microsoft.com/office/powerpoint/2015/main" val="1"/>
+              </p:ext>
+            </p:extLst>
+          </p:nvPr>
+        </p:nvSpPr>
+        <p:spPr>
+          <a:xfrm>
+            <a:off x="9270263" y="761999"/>
+            <a:ext cx="2925318" cy="5334001"/>
+          </a:xfrm>
+          <a:prstGeom prst="rect">
+            <a:avLst/>
+          </a:prstGeom>
+          <a:solidFill>
+            <a:srgbClr val="C8C8C8">
+              <a:alpha val="49804"/>
+            </a:srgbClr>
+          </a:solidFill>
+          <a:ln>
+            <a:noFill/>
+          </a:ln>
+        </p:spPr>
+        <p:style>
+          <a:lnRef idx="2">
+            <a:schemeClr val="accent1">
+              <a:shade val="50000"/>
+            </a:schemeClr>
+          </a:lnRef>
+          <a:fillRef idx="1">
+            <a:schemeClr val="accent1"/>
+          </a:fillRef>
+          <a:effectRef idx="0">
+            <a:schemeClr val="accent1"/>
+          </a:effectRef>
+          <a:fontRef idx="minor">
+            <a:schemeClr val="lt1"/>
+          </a:fontRef>
+        </p:style>
+        <p:txBody>
+          <a:bodyPr/>
+          <a:lstStyle/>
+          <a:p>
+            <a:endParaRPr lang="pt-PT"/>
+          </a:p>
+        </p:txBody>
+      </p:sp>
+      <p:sp useBgFill="1">
+        <p:nvSpPr>
+          <p:cNvPr id="18" name="Rectangle 17">
+            <a:extLst>
+              <a:ext uri="{FF2B5EF4-FFF2-40B4-BE49-F238E27FC236}">
+                <a16:creationId xmlns:a16="http://schemas.microsoft.com/office/drawing/2014/main" id="{0864E5C9-52C9-4572-AC75-548B9B9C2648}"/>
+              </a:ext>
+              <a:ext uri="{C183D7F6-B498-43B3-948B-1728B52AA6E4}">
+                <adec:decorative xmlns:adec="http://schemas.microsoft.com/office/drawing/2017/decorative" val="1"/>
+              </a:ext>
+            </a:extLst>
+          </p:cNvPr>
+          <p:cNvSpPr>
+            <a:spLocks noGrp="1" noRot="1" noChangeAspect="1" noMove="1" noResize="1" noEditPoints="1" noAdjustHandles="1" noChangeArrowheads="1" noChangeShapeType="1" noTextEdit="1"/>
+          </p:cNvSpPr>
+          <p:nvPr>
+            <p:extLst>
+              <p:ext uri="{386F3935-93C4-4BCD-93E2-E3B085C9AB24}">
+                <p16:designElem xmlns:p16="http://schemas.microsoft.com/office/powerpoint/2015/main" val="1"/>
+              </p:ext>
+            </p:extLst>
+          </p:nvPr>
+        </p:nvSpPr>
+        <p:spPr>
+          <a:xfrm>
+            <a:off x="0" y="0"/>
+            <a:ext cx="12191999" cy="6858000"/>
+          </a:xfrm>
+          <a:prstGeom prst="rect">
+            <a:avLst/>
+          </a:prstGeom>
+          <a:ln>
+            <a:noFill/>
+          </a:ln>
+        </p:spPr>
+        <p:style>
+          <a:lnRef idx="2">
+            <a:schemeClr val="accent1">
+              <a:shade val="50000"/>
+            </a:schemeClr>
+          </a:lnRef>
+          <a:fillRef idx="1">
+            <a:schemeClr val="accent1"/>
+          </a:fillRef>
+          <a:effectRef idx="0">
+            <a:schemeClr val="accent1"/>
+          </a:effectRef>
+          <a:fontRef idx="minor">
+            <a:schemeClr val="lt1"/>
+          </a:fontRef>
+        </p:style>
+        <p:txBody>
+          <a:bodyPr rtlCol="0" anchor="ctr"/>
+          <a:lstStyle/>
+          <a:p>
+            <a:pPr algn="ctr"/>
+            <a:endParaRPr lang="en-US"/>
+          </a:p>
+        </p:txBody>
+      </p:sp>
+      <p:sp>
+        <p:nvSpPr>
+          <p:cNvPr id="20" name="Rectangle 19">
+            <a:extLst>
+              <a:ext uri="{FF2B5EF4-FFF2-40B4-BE49-F238E27FC236}">
+                <a16:creationId xmlns:a16="http://schemas.microsoft.com/office/drawing/2014/main" id="{45CC6500-4DBD-4C34-BC14-2387FB483BEB}"/>
+              </a:ext>
+              <a:ext uri="{C183D7F6-B498-43B3-948B-1728B52AA6E4}">
+                <adec:decorative xmlns:adec="http://schemas.microsoft.com/office/drawing/2017/decorative" val="1"/>
+              </a:ext>
+            </a:extLst>
+          </p:cNvPr>
+          <p:cNvSpPr>
+            <a:spLocks noGrp="1" noRot="1" noChangeAspect="1" noMove="1" noResize="1" noEditPoints="1" noAdjustHandles="1" noChangeArrowheads="1" noChangeShapeType="1" noTextEdit="1"/>
+          </p:cNvSpPr>
+          <p:nvPr>
+            <p:extLst>
+              <p:ext uri="{386F3935-93C4-4BCD-93E2-E3B085C9AB24}">
+                <p16:designElem xmlns:p16="http://schemas.microsoft.com/office/powerpoint/2015/main" val="1"/>
+              </p:ext>
+            </p:extLst>
+          </p:nvPr>
+        </p:nvSpPr>
+        <p:spPr>
+          <a:xfrm>
+            <a:off x="1" y="761999"/>
+            <a:ext cx="4642228" cy="5334001"/>
+          </a:xfrm>
+          <a:prstGeom prst="rect">
+            <a:avLst/>
+          </a:prstGeom>
+          <a:solidFill>
+            <a:schemeClr val="accent1"/>
+          </a:solidFill>
+          <a:ln>
+            <a:noFill/>
+          </a:ln>
+        </p:spPr>
+        <p:style>
+          <a:lnRef idx="2">
+            <a:schemeClr val="accent1">
+              <a:shade val="50000"/>
+            </a:schemeClr>
+          </a:lnRef>
+          <a:fillRef idx="1">
+            <a:schemeClr val="accent1"/>
+          </a:fillRef>
+          <a:effectRef idx="0">
+            <a:schemeClr val="accent1"/>
+          </a:effectRef>
+          <a:fontRef idx="minor">
+            <a:schemeClr val="lt1"/>
+          </a:fontRef>
+        </p:style>
+        <p:txBody>
+          <a:bodyPr/>
+          <a:lstStyle/>
+          <a:p>
+            <a:endParaRPr lang="pt-PT"/>
+          </a:p>
+        </p:txBody>
+      </p:sp>
+      <p:sp>
+        <p:nvSpPr>
+          <p:cNvPr id="2" name="Título 1">
+            <a:extLst>
+              <a:ext uri="{FF2B5EF4-FFF2-40B4-BE49-F238E27FC236}">
+                <a16:creationId xmlns:a16="http://schemas.microsoft.com/office/drawing/2014/main" id="{2E4EE14D-0891-BFCA-2650-801A853A4C60}"/>
+              </a:ext>
+            </a:extLst>
+          </p:cNvPr>
+          <p:cNvSpPr>
+            <a:spLocks noGrp="1"/>
+          </p:cNvSpPr>
+          <p:nvPr>
+            <p:ph type="title"/>
+          </p:nvPr>
+        </p:nvSpPr>
+        <p:spPr>
+          <a:xfrm>
+            <a:off x="252558" y="1594104"/>
+            <a:ext cx="3258688" cy="3255264"/>
+          </a:xfrm>
+        </p:spPr>
+        <p:txBody>
+          <a:bodyPr vert="horz" lIns="91440" tIns="45720" rIns="91440" bIns="45720" rtlCol="0" anchor="b">
+            <a:normAutofit/>
+          </a:bodyPr>
+          <a:lstStyle/>
+          <a:p>
+            <a:r>
+              <a:rPr lang="pt-PT" sz="6000" dirty="0"/>
+              <a:t>Manual de Utilizador</a:t>
+            </a:r>
+            <a:endParaRPr lang="en-US" sz="5900" spc="-100" dirty="0"/>
+          </a:p>
+        </p:txBody>
+      </p:sp>
+      <p:pic>
+        <p:nvPicPr>
+          <p:cNvPr id="11" name="Graphic 10" descr="Open Book">
+            <a:extLst>
+              <a:ext uri="{FF2B5EF4-FFF2-40B4-BE49-F238E27FC236}">
+                <a16:creationId xmlns:a16="http://schemas.microsoft.com/office/drawing/2014/main" id="{B66385D1-F623-69AC-88C3-986BF338FEE7}"/>
+              </a:ext>
+            </a:extLst>
+          </p:cNvPr>
+          <p:cNvPicPr>
+            <a:picLocks noChangeAspect="1"/>
+          </p:cNvPicPr>
+          <p:nvPr/>
+        </p:nvPicPr>
+        <p:blipFill>
+          <a:blip r:embed="rId2">
+            <a:extLst>
+              <a:ext uri="{28A0092B-C50C-407E-A947-70E740481C1C}">
+                <a14:useLocalDpi xmlns:a14="http://schemas.microsoft.com/office/drawing/2010/main" val="0"/>
+              </a:ext>
+              <a:ext uri="{96DAC541-7B7A-43D3-8B79-37D633B846F1}">
+                <asvg:svgBlip xmlns:asvg="http://schemas.microsoft.com/office/drawing/2016/SVG/main" r:embed="rId3"/>
+              </a:ext>
+            </a:extLst>
+          </a:blip>
+          <a:stretch>
+            <a:fillRect/>
+          </a:stretch>
+        </p:blipFill>
+        <p:spPr>
+          <a:xfrm>
+            <a:off x="5638950" y="759599"/>
+            <a:ext cx="5330650" cy="5330650"/>
+          </a:xfrm>
+          <a:prstGeom prst="rect">
+            <a:avLst/>
+          </a:prstGeom>
+        </p:spPr>
+      </p:pic>
+      <p:sp>
+        <p:nvSpPr>
+          <p:cNvPr id="22" name="Rectangle 21">
+            <a:extLst>
+              <a:ext uri="{FF2B5EF4-FFF2-40B4-BE49-F238E27FC236}">
+                <a16:creationId xmlns:a16="http://schemas.microsoft.com/office/drawing/2014/main" id="{4E34A3B6-BAD2-4156-BDC6-4736248BFDE0}"/>
+              </a:ext>
+              <a:ext uri="{C183D7F6-B498-43B3-948B-1728B52AA6E4}">
+                <adec:decorative xmlns:adec="http://schemas.microsoft.com/office/drawing/2017/decorative" val="1"/>
+              </a:ext>
+            </a:extLst>
+          </p:cNvPr>
+          <p:cNvSpPr>
+            <a:spLocks noGrp="1" noRot="1" noChangeAspect="1" noMove="1" noResize="1" noEditPoints="1" noAdjustHandles="1" noChangeArrowheads="1" noChangeShapeType="1" noTextEdit="1"/>
+          </p:cNvSpPr>
+          <p:nvPr>
+            <p:extLst>
+              <p:ext uri="{386F3935-93C4-4BCD-93E2-E3B085C9AB24}">
+                <p16:designElem xmlns:p16="http://schemas.microsoft.com/office/powerpoint/2015/main" val="1"/>
+              </p:ext>
+            </p:extLst>
+          </p:nvPr>
+        </p:nvSpPr>
+        <p:spPr>
+          <a:xfrm>
+            <a:off x="11815864" y="758952"/>
+            <a:ext cx="384048" cy="5330952"/>
+          </a:xfrm>
+          <a:prstGeom prst="rect">
+            <a:avLst/>
+          </a:prstGeom>
+          <a:solidFill>
+            <a:srgbClr val="C8C8C8">
+              <a:alpha val="49804"/>
+            </a:srgbClr>
+          </a:solidFill>
+          <a:ln>
+            <a:noFill/>
+          </a:ln>
+        </p:spPr>
+        <p:style>
+          <a:lnRef idx="2">
+            <a:schemeClr val="accent1">
+              <a:shade val="50000"/>
+            </a:schemeClr>
+          </a:lnRef>
+          <a:fillRef idx="1">
+            <a:schemeClr val="accent1"/>
+          </a:fillRef>
+          <a:effectRef idx="0">
+            <a:schemeClr val="accent1"/>
+          </a:effectRef>
+          <a:fontRef idx="minor">
+            <a:schemeClr val="lt1"/>
+          </a:fontRef>
+        </p:style>
+        <p:txBody>
+          <a:bodyPr/>
+          <a:lstStyle/>
+          <a:p>
+            <a:endParaRPr lang="pt-PT"/>
+          </a:p>
+        </p:txBody>
+      </p:sp>
+      <p:sp>
+        <p:nvSpPr>
+          <p:cNvPr id="4" name="Marcador de Posição do Rodapé 3">
+            <a:extLst>
+              <a:ext uri="{FF2B5EF4-FFF2-40B4-BE49-F238E27FC236}">
+                <a16:creationId xmlns:a16="http://schemas.microsoft.com/office/drawing/2014/main" id="{5B064309-7A1A-A1C4-1C58-334F05F008C1}"/>
+              </a:ext>
+            </a:extLst>
+          </p:cNvPr>
+          <p:cNvSpPr>
+            <a:spLocks noGrp="1"/>
+          </p:cNvSpPr>
+          <p:nvPr>
+            <p:ph type="ftr" sz="quarter" idx="11"/>
+          </p:nvPr>
+        </p:nvSpPr>
+        <p:spPr>
+          <a:xfrm>
+            <a:off x="3869268" y="6356350"/>
+            <a:ext cx="5911517" cy="365125"/>
+          </a:xfrm>
+        </p:spPr>
+        <p:txBody>
+          <a:bodyPr vert="horz" lIns="91440" tIns="45720" rIns="91440" bIns="45720" rtlCol="0" anchor="ctr">
+            <a:normAutofit/>
+          </a:bodyPr>
+          <a:lstStyle/>
+          <a:p>
+            <a:pPr>
+              <a:spcAft>
+                <a:spcPts val="600"/>
+              </a:spcAft>
+            </a:pPr>
+            <a:r>
+              <a:rPr lang="en-US" kern="1200" dirty="0">
+                <a:solidFill>
+                  <a:schemeClr val="tx1">
+                    <a:lumMod val="50000"/>
+                    <a:lumOff val="50000"/>
+                  </a:schemeClr>
+                </a:solidFill>
+                <a:latin typeface="+mn-lt"/>
+                <a:ea typeface="+mn-ea"/>
+                <a:cs typeface="+mn-cs"/>
+              </a:rPr>
+              <a:t>Programação Distribuida - Bruno 2019132612 | Filipa 2018011698 | Tiago 2020122664</a:t>
+            </a:r>
+          </a:p>
+        </p:txBody>
+      </p:sp>
+      <p:sp>
+        <p:nvSpPr>
+          <p:cNvPr id="5" name="Marcador de Posição do Número do Diapositivo 4">
+            <a:extLst>
+              <a:ext uri="{FF2B5EF4-FFF2-40B4-BE49-F238E27FC236}">
+                <a16:creationId xmlns:a16="http://schemas.microsoft.com/office/drawing/2014/main" id="{2E0CF595-2F2A-922D-E050-DE2FC0CBC6FA}"/>
+              </a:ext>
+            </a:extLst>
+          </p:cNvPr>
+          <p:cNvSpPr>
+            <a:spLocks noGrp="1"/>
+          </p:cNvSpPr>
+          <p:nvPr>
+            <p:ph type="sldNum" sz="quarter" idx="12"/>
+          </p:nvPr>
+        </p:nvSpPr>
+        <p:spPr>
+          <a:xfrm>
+            <a:off x="10634135" y="6356350"/>
+            <a:ext cx="1530927" cy="365125"/>
+          </a:xfrm>
+        </p:spPr>
+        <p:txBody>
+          <a:bodyPr vert="horz" lIns="91440" tIns="45720" rIns="91440" bIns="45720" rtlCol="0" anchor="ctr">
+            <a:normAutofit/>
+          </a:bodyPr>
+          <a:lstStyle/>
+          <a:p>
+            <a:pPr>
+              <a:spcAft>
+                <a:spcPts val="600"/>
+              </a:spcAft>
+            </a:pPr>
+            <a:fld id="{5963BAFC-B953-4DB7-B4E9-09BC70913B53}" type="slidenum">
+              <a:rPr lang="en-US" b="1" kern="1200" dirty="0">
+                <a:solidFill>
+                  <a:schemeClr val="accent1"/>
+                </a:solidFill>
+                <a:latin typeface="+mn-lt"/>
+                <a:ea typeface="+mn-ea"/>
+                <a:cs typeface="+mn-cs"/>
+              </a:rPr>
+              <a:pPr>
+                <a:spcAft>
+                  <a:spcPts val="600"/>
+                </a:spcAft>
+              </a:pPr>
+              <a:t>13</a:t>
+            </a:fld>
+            <a:endParaRPr lang="en-US" b="1" kern="1200" dirty="0">
+              <a:solidFill>
+                <a:schemeClr val="accent1"/>
+              </a:solidFill>
+              <a:latin typeface="+mn-lt"/>
+              <a:ea typeface="+mn-ea"/>
+              <a:cs typeface="+mn-cs"/>
+            </a:endParaRPr>
+          </a:p>
+        </p:txBody>
+      </p:sp>
+      <p:pic>
+        <p:nvPicPr>
+          <p:cNvPr id="7" name="Picture 4" descr="Instituto Superior de Engenharia de Coimbra – Wikipédia, a enciclopédia  livre">
+            <a:extLst>
+              <a:ext uri="{FF2B5EF4-FFF2-40B4-BE49-F238E27FC236}">
+                <a16:creationId xmlns:a16="http://schemas.microsoft.com/office/drawing/2014/main" id="{6CA94F61-E5C2-9CE9-4857-EE3518335F83}"/>
+              </a:ext>
+            </a:extLst>
+          </p:cNvPr>
+          <p:cNvPicPr>
+            <a:picLocks noChangeAspect="1" noChangeArrowheads="1"/>
+          </p:cNvPicPr>
+          <p:nvPr/>
+        </p:nvPicPr>
+        <p:blipFill>
+          <a:blip r:embed="rId4">
+            <a:extLst>
+              <a:ext uri="{28A0092B-C50C-407E-A947-70E740481C1C}">
+                <a14:useLocalDpi xmlns:a14="http://schemas.microsoft.com/office/drawing/2010/main" val="0"/>
+              </a:ext>
+            </a:extLst>
+          </a:blip>
+          <a:srcRect/>
+          <a:stretch>
+            <a:fillRect/>
+          </a:stretch>
+        </p:blipFill>
+        <p:spPr bwMode="auto">
+          <a:xfrm>
+            <a:off x="147639" y="95250"/>
+            <a:ext cx="807830" cy="552450"/>
+          </a:xfrm>
+          <a:prstGeom prst="rect">
+            <a:avLst/>
+          </a:prstGeom>
+          <a:noFill/>
+          <a:extLst>
+            <a:ext uri="{909E8E84-426E-40DD-AFC4-6F175D3DCCD1}">
+              <a14:hiddenFill xmlns:a14="http://schemas.microsoft.com/office/drawing/2010/main">
+                <a:solidFill>
+                  <a:srgbClr val="FFFFFF"/>
+                </a:solidFill>
+              </a14:hiddenFill>
+            </a:ext>
+          </a:extLst>
+        </p:spPr>
+      </p:pic>
+    </p:spTree>
+    <p:extLst>
+      <p:ext uri="{BB962C8B-B14F-4D97-AF65-F5344CB8AC3E}">
+        <p14:creationId xmlns:p14="http://schemas.microsoft.com/office/powerpoint/2010/main" val="1809758542"/>
+      </p:ext>
+    </p:extLst>
+  </p:cSld>
+  <p:clrMapOvr>
+    <a:masterClrMapping/>
+  </p:clrMapOvr>
+</p:sld>
+</file>
+
+<file path=ppt/slides/slide14.xml><?xml version="1.0" encoding="utf-8"?>
+<p:sld xmlns:a="http://schemas.openxmlformats.org/drawingml/2006/main" xmlns:r="http://schemas.openxmlformats.org/officeDocument/2006/relationships" xmlns:p="http://schemas.openxmlformats.org/presentationml/2006/main">
+  <p:cSld>
+    <p:spTree>
+      <p:nvGrpSpPr>
+        <p:cNvPr id="1" name=""/>
+        <p:cNvGrpSpPr/>
+        <p:nvPr/>
+      </p:nvGrpSpPr>
+      <p:grpSpPr>
+        <a:xfrm>
+          <a:off x="0" y="0"/>
+          <a:ext cx="0" cy="0"/>
+          <a:chOff x="0" y="0"/>
+          <a:chExt cx="0" cy="0"/>
+        </a:xfrm>
+      </p:grpSpPr>
+      <p:sp>
+        <p:nvSpPr>
+          <p:cNvPr id="2" name="Título 1">
+            <a:extLst>
+              <a:ext uri="{FF2B5EF4-FFF2-40B4-BE49-F238E27FC236}">
+                <a16:creationId xmlns:a16="http://schemas.microsoft.com/office/drawing/2014/main" id="{2E4EE14D-0891-BFCA-2650-801A853A4C60}"/>
+              </a:ext>
+            </a:extLst>
+          </p:cNvPr>
+          <p:cNvSpPr>
+            <a:spLocks noGrp="1"/>
+          </p:cNvSpPr>
+          <p:nvPr>
+            <p:ph type="title"/>
+          </p:nvPr>
+        </p:nvSpPr>
+        <p:spPr/>
+        <p:txBody>
+          <a:bodyPr/>
+          <a:lstStyle/>
+          <a:p>
+            <a:r>
+              <a:rPr lang="pt-PT" dirty="0"/>
+              <a:t>Manual de Utilizador</a:t>
+            </a:r>
+          </a:p>
+        </p:txBody>
+      </p:sp>
+      <p:sp>
+        <p:nvSpPr>
+          <p:cNvPr id="3" name="Marcador de Posição de Conteúdo 2">
+            <a:extLst>
+              <a:ext uri="{FF2B5EF4-FFF2-40B4-BE49-F238E27FC236}">
+                <a16:creationId xmlns:a16="http://schemas.microsoft.com/office/drawing/2014/main" id="{0712E27F-B3D9-03E4-86BB-4E8DF8714B10}"/>
+              </a:ext>
+            </a:extLst>
+          </p:cNvPr>
+          <p:cNvSpPr>
+            <a:spLocks noGrp="1"/>
+          </p:cNvSpPr>
+          <p:nvPr>
+            <p:ph idx="1"/>
+          </p:nvPr>
+        </p:nvSpPr>
+        <p:spPr>
+          <a:xfrm>
+            <a:off x="3869268" y="864108"/>
+            <a:ext cx="3199044" cy="5120640"/>
+          </a:xfrm>
+        </p:spPr>
+        <p:txBody>
+          <a:bodyPr/>
+          <a:lstStyle/>
+          <a:p>
+            <a:r>
+              <a:rPr lang="pt-PT" dirty="0"/>
+              <a:t>A primeira interação do Cliente com o programa é o Painel Inicial onde são apresentadas as opções de </a:t>
+            </a:r>
+            <a:r>
+              <a:rPr lang="pt-PT" i="1" dirty="0"/>
+              <a:t>Login , </a:t>
+            </a:r>
+            <a:r>
+              <a:rPr lang="pt-PT" i="1" dirty="0" err="1"/>
+              <a:t>Register</a:t>
+            </a:r>
+            <a:r>
+              <a:rPr lang="pt-PT" dirty="0"/>
+              <a:t> do utilizador e </a:t>
+            </a:r>
+            <a:r>
+              <a:rPr lang="pt-PT" i="1" dirty="0"/>
+              <a:t>Exit</a:t>
+            </a:r>
+            <a:r>
+              <a:rPr lang="pt-PT" dirty="0"/>
+              <a:t>.</a:t>
+            </a:r>
+          </a:p>
+        </p:txBody>
+      </p:sp>
+      <p:sp>
+        <p:nvSpPr>
+          <p:cNvPr id="4" name="Marcador de Posição do Rodapé 3">
+            <a:extLst>
+              <a:ext uri="{FF2B5EF4-FFF2-40B4-BE49-F238E27FC236}">
+                <a16:creationId xmlns:a16="http://schemas.microsoft.com/office/drawing/2014/main" id="{5B064309-7A1A-A1C4-1C58-334F05F008C1}"/>
+              </a:ext>
+            </a:extLst>
+          </p:cNvPr>
+          <p:cNvSpPr>
+            <a:spLocks noGrp="1"/>
+          </p:cNvSpPr>
+          <p:nvPr>
+            <p:ph type="ftr" sz="quarter" idx="11"/>
+          </p:nvPr>
+        </p:nvSpPr>
+        <p:spPr/>
+        <p:txBody>
+          <a:bodyPr/>
+          <a:lstStyle/>
+          <a:p>
+            <a:r>
+              <a:rPr lang="pt-BR"/>
+              <a:t>Programação Distribuida - Bruno 2019132612 | Filipa 2018011698 | Tiago 2020122664</a:t>
+            </a:r>
+            <a:endParaRPr lang="en-US"/>
+          </a:p>
+        </p:txBody>
+      </p:sp>
+      <p:sp>
+        <p:nvSpPr>
+          <p:cNvPr id="5" name="Marcador de Posição do Número do Diapositivo 4">
+            <a:extLst>
+              <a:ext uri="{FF2B5EF4-FFF2-40B4-BE49-F238E27FC236}">
+                <a16:creationId xmlns:a16="http://schemas.microsoft.com/office/drawing/2014/main" id="{2E0CF595-2F2A-922D-E050-DE2FC0CBC6FA}"/>
+              </a:ext>
+            </a:extLst>
+          </p:cNvPr>
+          <p:cNvSpPr>
+            <a:spLocks noGrp="1"/>
+          </p:cNvSpPr>
+          <p:nvPr>
+            <p:ph type="sldNum" sz="quarter" idx="12"/>
+          </p:nvPr>
+        </p:nvSpPr>
+        <p:spPr/>
+        <p:txBody>
+          <a:bodyPr/>
+          <a:lstStyle/>
+          <a:p>
+            <a:fld id="{5963BAFC-B953-4DB7-B4E9-09BC70913B53}" type="slidenum">
+              <a:rPr lang="en-US" smtClean="0"/>
+              <a:t>14</a:t>
+            </a:fld>
+            <a:endParaRPr lang="en-US"/>
+          </a:p>
+        </p:txBody>
+      </p:sp>
+      <p:pic>
+        <p:nvPicPr>
+          <p:cNvPr id="7" name="Picture 4" descr="Instituto Superior de Engenharia de Coimbra – Wikipédia, a enciclopédia  livre">
+            <a:extLst>
+              <a:ext uri="{FF2B5EF4-FFF2-40B4-BE49-F238E27FC236}">
+                <a16:creationId xmlns:a16="http://schemas.microsoft.com/office/drawing/2014/main" id="{6CA94F61-E5C2-9CE9-4857-EE3518335F83}"/>
+              </a:ext>
+            </a:extLst>
+          </p:cNvPr>
+          <p:cNvPicPr>
+            <a:picLocks noChangeAspect="1" noChangeArrowheads="1"/>
+          </p:cNvPicPr>
+          <p:nvPr/>
+        </p:nvPicPr>
+        <p:blipFill>
+          <a:blip r:embed="rId2">
+            <a:extLst>
+              <a:ext uri="{28A0092B-C50C-407E-A947-70E740481C1C}">
+                <a14:useLocalDpi xmlns:a14="http://schemas.microsoft.com/office/drawing/2010/main" val="0"/>
+              </a:ext>
+            </a:extLst>
+          </a:blip>
+          <a:srcRect/>
+          <a:stretch>
+            <a:fillRect/>
+          </a:stretch>
+        </p:blipFill>
+        <p:spPr bwMode="auto">
+          <a:xfrm>
+            <a:off x="147639" y="95250"/>
+            <a:ext cx="807830" cy="552450"/>
+          </a:xfrm>
+          <a:prstGeom prst="rect">
+            <a:avLst/>
+          </a:prstGeom>
+          <a:noFill/>
+          <a:extLst>
+            <a:ext uri="{909E8E84-426E-40DD-AFC4-6F175D3DCCD1}">
+              <a14:hiddenFill xmlns:a14="http://schemas.microsoft.com/office/drawing/2010/main">
+                <a:solidFill>
+                  <a:srgbClr val="FFFFFF"/>
+                </a:solidFill>
+              </a14:hiddenFill>
+            </a:ext>
+          </a:extLst>
+        </p:spPr>
+      </p:pic>
+      <p:pic>
+        <p:nvPicPr>
+          <p:cNvPr id="8" name="Picture 7" descr="A screenshot of a computer&#10;&#10;Description automatically generated">
+            <a:extLst>
+              <a:ext uri="{FF2B5EF4-FFF2-40B4-BE49-F238E27FC236}">
+                <a16:creationId xmlns:a16="http://schemas.microsoft.com/office/drawing/2014/main" id="{F8F081E4-4FF6-9057-0F5C-B9D2F0C4CCAE}"/>
+              </a:ext>
+            </a:extLst>
+          </p:cNvPr>
+          <p:cNvPicPr>
+            <a:picLocks noChangeAspect="1"/>
+          </p:cNvPicPr>
+          <p:nvPr/>
+        </p:nvPicPr>
+        <p:blipFill>
+          <a:blip r:embed="rId3">
+            <a:extLst>
+              <a:ext uri="{28A0092B-C50C-407E-A947-70E740481C1C}">
+                <a14:useLocalDpi xmlns:a14="http://schemas.microsoft.com/office/drawing/2010/main" val="0"/>
+              </a:ext>
+            </a:extLst>
+          </a:blip>
+          <a:stretch>
+            <a:fillRect/>
+          </a:stretch>
+        </p:blipFill>
+        <p:spPr>
+          <a:xfrm>
+            <a:off x="7507478" y="2217928"/>
+            <a:ext cx="3797300" cy="2413000"/>
+          </a:xfrm>
+          <a:prstGeom prst="rect">
+            <a:avLst/>
+          </a:prstGeom>
+        </p:spPr>
+      </p:pic>
+    </p:spTree>
+    <p:extLst>
+      <p:ext uri="{BB962C8B-B14F-4D97-AF65-F5344CB8AC3E}">
+        <p14:creationId xmlns:p14="http://schemas.microsoft.com/office/powerpoint/2010/main" val="1590554457"/>
+      </p:ext>
+    </p:extLst>
+  </p:cSld>
+  <p:clrMapOvr>
+    <a:masterClrMapping/>
+  </p:clrMapOvr>
+</p:sld>
+</file>
+
+<file path=ppt/slides/slide15.xml><?xml version="1.0" encoding="utf-8"?>
+<p:sld xmlns:a="http://schemas.openxmlformats.org/drawingml/2006/main" xmlns:r="http://schemas.openxmlformats.org/officeDocument/2006/relationships" xmlns:p="http://schemas.openxmlformats.org/presentationml/2006/main">
+  <p:cSld>
+    <p:spTree>
+      <p:nvGrpSpPr>
+        <p:cNvPr id="1" name=""/>
+        <p:cNvGrpSpPr/>
+        <p:nvPr/>
+      </p:nvGrpSpPr>
+      <p:grpSpPr>
+        <a:xfrm>
+          <a:off x="0" y="0"/>
+          <a:ext cx="0" cy="0"/>
+          <a:chOff x="0" y="0"/>
+          <a:chExt cx="0" cy="0"/>
+        </a:xfrm>
+      </p:grpSpPr>
+      <p:sp>
+        <p:nvSpPr>
+          <p:cNvPr id="2" name="Título 1">
+            <a:extLst>
+              <a:ext uri="{FF2B5EF4-FFF2-40B4-BE49-F238E27FC236}">
+                <a16:creationId xmlns:a16="http://schemas.microsoft.com/office/drawing/2014/main" id="{2E4EE14D-0891-BFCA-2650-801A853A4C60}"/>
+              </a:ext>
+            </a:extLst>
+          </p:cNvPr>
+          <p:cNvSpPr>
+            <a:spLocks noGrp="1"/>
+          </p:cNvSpPr>
+          <p:nvPr>
+            <p:ph type="title"/>
+          </p:nvPr>
+        </p:nvSpPr>
+        <p:spPr/>
+        <p:txBody>
+          <a:bodyPr/>
+          <a:lstStyle/>
+          <a:p>
+            <a:r>
+              <a:rPr lang="pt-PT" dirty="0"/>
+              <a:t>Manual de Utilizador</a:t>
+            </a:r>
+          </a:p>
+        </p:txBody>
+      </p:sp>
+      <p:sp>
+        <p:nvSpPr>
+          <p:cNvPr id="3" name="Marcador de Posição de Conteúdo 2">
+            <a:extLst>
+              <a:ext uri="{FF2B5EF4-FFF2-40B4-BE49-F238E27FC236}">
+                <a16:creationId xmlns:a16="http://schemas.microsoft.com/office/drawing/2014/main" id="{0712E27F-B3D9-03E4-86BB-4E8DF8714B10}"/>
+              </a:ext>
+            </a:extLst>
+          </p:cNvPr>
+          <p:cNvSpPr>
+            <a:spLocks noGrp="1"/>
+          </p:cNvSpPr>
+          <p:nvPr>
+            <p:ph idx="1"/>
+          </p:nvPr>
+        </p:nvSpPr>
+        <p:spPr/>
+        <p:txBody>
+          <a:bodyPr/>
+          <a:lstStyle/>
+          <a:p>
+            <a:r>
+              <a:rPr lang="pt-PT" dirty="0"/>
+              <a:t>No caso do utilizador escolher a opção </a:t>
+            </a:r>
+            <a:r>
+              <a:rPr lang="pt-PT" i="1" dirty="0"/>
+              <a:t>Login</a:t>
+            </a:r>
+            <a:r>
+              <a:rPr lang="pt-PT" dirty="0"/>
+              <a:t> são apresentadas as mensagens de e-mail e respetiva palavra-passe.</a:t>
+            </a:r>
+          </a:p>
+          <a:p>
+            <a:endParaRPr lang="pt-PT" dirty="0"/>
+          </a:p>
+          <a:p>
+            <a:endParaRPr lang="pt-PT" dirty="0"/>
+          </a:p>
+          <a:p>
+            <a:endParaRPr lang="pt-PT" dirty="0"/>
+          </a:p>
+          <a:p>
+            <a:endParaRPr lang="pt-PT" dirty="0"/>
+          </a:p>
+          <a:p>
+            <a:endParaRPr lang="pt-PT" dirty="0"/>
+          </a:p>
+          <a:p>
+            <a:endParaRPr lang="pt-PT" dirty="0"/>
+          </a:p>
+          <a:p>
+            <a:r>
+              <a:rPr lang="pt-PT" dirty="0"/>
+              <a:t>No caso do utilizador escolher a opção </a:t>
+            </a:r>
+            <a:r>
+              <a:rPr lang="pt-PT" i="1" dirty="0" err="1"/>
+              <a:t>Register</a:t>
+            </a:r>
+            <a:r>
+              <a:rPr lang="pt-PT" dirty="0"/>
+              <a:t> são apresentadas as mesmas mensagens anteriores mais as respetivas à criação de um novo utilizador: </a:t>
+            </a:r>
+            <a:r>
+              <a:rPr lang="pt-PT" b="1" dirty="0"/>
+              <a:t>Nome </a:t>
+            </a:r>
+            <a:r>
+              <a:rPr lang="pt-PT" dirty="0"/>
+              <a:t>e</a:t>
+            </a:r>
+            <a:r>
+              <a:rPr lang="pt-PT" b="1" dirty="0"/>
+              <a:t> NIF</a:t>
+            </a:r>
+            <a:r>
+              <a:rPr lang="pt-PT" dirty="0"/>
+              <a:t>. </a:t>
+            </a:r>
+          </a:p>
+        </p:txBody>
+      </p:sp>
+      <p:sp>
+        <p:nvSpPr>
+          <p:cNvPr id="4" name="Marcador de Posição do Rodapé 3">
+            <a:extLst>
+              <a:ext uri="{FF2B5EF4-FFF2-40B4-BE49-F238E27FC236}">
+                <a16:creationId xmlns:a16="http://schemas.microsoft.com/office/drawing/2014/main" id="{5B064309-7A1A-A1C4-1C58-334F05F008C1}"/>
+              </a:ext>
+            </a:extLst>
+          </p:cNvPr>
+          <p:cNvSpPr>
+            <a:spLocks noGrp="1"/>
+          </p:cNvSpPr>
+          <p:nvPr>
+            <p:ph type="ftr" sz="quarter" idx="11"/>
+          </p:nvPr>
+        </p:nvSpPr>
+        <p:spPr/>
+        <p:txBody>
+          <a:bodyPr/>
+          <a:lstStyle/>
+          <a:p>
+            <a:r>
+              <a:rPr lang="pt-BR"/>
+              <a:t>Programação Distribuida - Bruno 2019132612 | Filipa 2018011698 | Tiago 2020122664</a:t>
+            </a:r>
+            <a:endParaRPr lang="en-US"/>
+          </a:p>
+        </p:txBody>
+      </p:sp>
+      <p:sp>
+        <p:nvSpPr>
+          <p:cNvPr id="5" name="Marcador de Posição do Número do Diapositivo 4">
+            <a:extLst>
+              <a:ext uri="{FF2B5EF4-FFF2-40B4-BE49-F238E27FC236}">
+                <a16:creationId xmlns:a16="http://schemas.microsoft.com/office/drawing/2014/main" id="{2E0CF595-2F2A-922D-E050-DE2FC0CBC6FA}"/>
+              </a:ext>
+            </a:extLst>
+          </p:cNvPr>
+          <p:cNvSpPr>
+            <a:spLocks noGrp="1"/>
+          </p:cNvSpPr>
+          <p:nvPr>
+            <p:ph type="sldNum" sz="quarter" idx="12"/>
+          </p:nvPr>
+        </p:nvSpPr>
+        <p:spPr/>
+        <p:txBody>
+          <a:bodyPr/>
+          <a:lstStyle/>
+          <a:p>
+            <a:fld id="{5963BAFC-B953-4DB7-B4E9-09BC70913B53}" type="slidenum">
+              <a:rPr lang="en-US" smtClean="0"/>
+              <a:t>15</a:t>
+            </a:fld>
+            <a:endParaRPr lang="en-US"/>
+          </a:p>
+        </p:txBody>
+      </p:sp>
+      <p:pic>
+        <p:nvPicPr>
+          <p:cNvPr id="7" name="Picture 4" descr="Instituto Superior de Engenharia de Coimbra – Wikipédia, a enciclopédia  livre">
+            <a:extLst>
+              <a:ext uri="{FF2B5EF4-FFF2-40B4-BE49-F238E27FC236}">
+                <a16:creationId xmlns:a16="http://schemas.microsoft.com/office/drawing/2014/main" id="{6CA94F61-E5C2-9CE9-4857-EE3518335F83}"/>
+              </a:ext>
+            </a:extLst>
+          </p:cNvPr>
+          <p:cNvPicPr>
+            <a:picLocks noChangeAspect="1" noChangeArrowheads="1"/>
+          </p:cNvPicPr>
+          <p:nvPr/>
+        </p:nvPicPr>
+        <p:blipFill>
+          <a:blip r:embed="rId2">
+            <a:extLst>
+              <a:ext uri="{28A0092B-C50C-407E-A947-70E740481C1C}">
+                <a14:useLocalDpi xmlns:a14="http://schemas.microsoft.com/office/drawing/2010/main" val="0"/>
+              </a:ext>
+            </a:extLst>
+          </a:blip>
+          <a:srcRect/>
+          <a:stretch>
+            <a:fillRect/>
+          </a:stretch>
+        </p:blipFill>
+        <p:spPr bwMode="auto">
+          <a:xfrm>
+            <a:off x="147639" y="95250"/>
+            <a:ext cx="807830" cy="552450"/>
+          </a:xfrm>
+          <a:prstGeom prst="rect">
+            <a:avLst/>
+          </a:prstGeom>
+          <a:noFill/>
+          <a:extLst>
+            <a:ext uri="{909E8E84-426E-40DD-AFC4-6F175D3DCCD1}">
+              <a14:hiddenFill xmlns:a14="http://schemas.microsoft.com/office/drawing/2010/main">
+                <a:solidFill>
+                  <a:srgbClr val="FFFFFF"/>
+                </a:solidFill>
+              </a14:hiddenFill>
+            </a:ext>
+          </a:extLst>
+        </p:spPr>
+      </p:pic>
+      <p:pic>
+        <p:nvPicPr>
+          <p:cNvPr id="8" name="Picture 7" descr="A screen shot of a computer&#10;&#10;Description automatically generated">
+            <a:extLst>
+              <a:ext uri="{FF2B5EF4-FFF2-40B4-BE49-F238E27FC236}">
+                <a16:creationId xmlns:a16="http://schemas.microsoft.com/office/drawing/2014/main" id="{E774B2EF-67C6-10E9-3CA7-BC26145340EC}"/>
+              </a:ext>
+            </a:extLst>
+          </p:cNvPr>
+          <p:cNvPicPr>
+            <a:picLocks noChangeAspect="1"/>
+          </p:cNvPicPr>
+          <p:nvPr/>
+        </p:nvPicPr>
+        <p:blipFill>
+          <a:blip r:embed="rId3">
+            <a:extLst>
+              <a:ext uri="{28A0092B-C50C-407E-A947-70E740481C1C}">
+                <a14:useLocalDpi xmlns:a14="http://schemas.microsoft.com/office/drawing/2010/main" val="0"/>
+              </a:ext>
+            </a:extLst>
+          </a:blip>
+          <a:stretch>
+            <a:fillRect/>
+          </a:stretch>
+        </p:blipFill>
+        <p:spPr>
+          <a:xfrm>
+            <a:off x="4508016" y="2300138"/>
+            <a:ext cx="1816100" cy="1498600"/>
+          </a:xfrm>
+          <a:prstGeom prst="rect">
+            <a:avLst/>
+          </a:prstGeom>
+        </p:spPr>
+      </p:pic>
+      <p:pic>
+        <p:nvPicPr>
+          <p:cNvPr id="10" name="Picture 9" descr="A screenshot of a computer&#10;&#10;Description automatically generated">
+            <a:extLst>
+              <a:ext uri="{FF2B5EF4-FFF2-40B4-BE49-F238E27FC236}">
+                <a16:creationId xmlns:a16="http://schemas.microsoft.com/office/drawing/2014/main" id="{80416EEF-B6D5-BDB8-12BA-03AA3AEFC41C}"/>
+              </a:ext>
+            </a:extLst>
+          </p:cNvPr>
+          <p:cNvPicPr>
+            <a:picLocks noChangeAspect="1"/>
+          </p:cNvPicPr>
+          <p:nvPr/>
+        </p:nvPicPr>
+        <p:blipFill>
+          <a:blip r:embed="rId4">
+            <a:extLst>
+              <a:ext uri="{28A0092B-C50C-407E-A947-70E740481C1C}">
+                <a14:useLocalDpi xmlns:a14="http://schemas.microsoft.com/office/drawing/2010/main" val="0"/>
+              </a:ext>
+            </a:extLst>
+          </a:blip>
+          <a:stretch>
+            <a:fillRect/>
+          </a:stretch>
+        </p:blipFill>
+        <p:spPr>
+          <a:xfrm>
+            <a:off x="7330622" y="2300138"/>
+            <a:ext cx="3006451" cy="1498600"/>
+          </a:xfrm>
+          <a:prstGeom prst="rect">
+            <a:avLst/>
+          </a:prstGeom>
+        </p:spPr>
+      </p:pic>
+    </p:spTree>
+    <p:extLst>
+      <p:ext uri="{BB962C8B-B14F-4D97-AF65-F5344CB8AC3E}">
+        <p14:creationId xmlns:p14="http://schemas.microsoft.com/office/powerpoint/2010/main" val="1938816030"/>
+      </p:ext>
+    </p:extLst>
+  </p:cSld>
+  <p:clrMapOvr>
+    <a:masterClrMapping/>
+  </p:clrMapOvr>
+</p:sld>
+</file>
+
+<file path=ppt/slides/slide16.xml><?xml version="1.0" encoding="utf-8"?>
+<p:sld xmlns:a="http://schemas.openxmlformats.org/drawingml/2006/main" xmlns:r="http://schemas.openxmlformats.org/officeDocument/2006/relationships" xmlns:p="http://schemas.openxmlformats.org/presentationml/2006/main">
+  <p:cSld>
+    <p:spTree>
+      <p:nvGrpSpPr>
+        <p:cNvPr id="1" name=""/>
+        <p:cNvGrpSpPr/>
+        <p:nvPr/>
+      </p:nvGrpSpPr>
+      <p:grpSpPr>
+        <a:xfrm>
+          <a:off x="0" y="0"/>
+          <a:ext cx="0" cy="0"/>
+          <a:chOff x="0" y="0"/>
+          <a:chExt cx="0" cy="0"/>
+        </a:xfrm>
+      </p:grpSpPr>
+      <p:sp>
+        <p:nvSpPr>
+          <p:cNvPr id="2" name="Título 1">
+            <a:extLst>
+              <a:ext uri="{FF2B5EF4-FFF2-40B4-BE49-F238E27FC236}">
+                <a16:creationId xmlns:a16="http://schemas.microsoft.com/office/drawing/2014/main" id="{2E4EE14D-0891-BFCA-2650-801A853A4C60}"/>
+              </a:ext>
+            </a:extLst>
+          </p:cNvPr>
+          <p:cNvSpPr>
+            <a:spLocks noGrp="1"/>
+          </p:cNvSpPr>
+          <p:nvPr>
+            <p:ph type="title"/>
+          </p:nvPr>
+        </p:nvSpPr>
+        <p:spPr/>
+        <p:txBody>
+          <a:bodyPr/>
+          <a:lstStyle/>
+          <a:p>
+            <a:r>
+              <a:rPr lang="pt-PT" dirty="0"/>
+              <a:t>Manual de Utilizador</a:t>
+            </a:r>
+          </a:p>
+        </p:txBody>
+      </p:sp>
+      <p:sp>
+        <p:nvSpPr>
+          <p:cNvPr id="3" name="Marcador de Posição de Conteúdo 2">
+            <a:extLst>
+              <a:ext uri="{FF2B5EF4-FFF2-40B4-BE49-F238E27FC236}">
+                <a16:creationId xmlns:a16="http://schemas.microsoft.com/office/drawing/2014/main" id="{0712E27F-B3D9-03E4-86BB-4E8DF8714B10}"/>
+              </a:ext>
+            </a:extLst>
+          </p:cNvPr>
+          <p:cNvSpPr>
+            <a:spLocks noGrp="1"/>
+          </p:cNvSpPr>
+          <p:nvPr>
+            <p:ph idx="1"/>
+          </p:nvPr>
+        </p:nvSpPr>
+        <p:spPr>
+          <a:xfrm>
+            <a:off x="3869268" y="1416199"/>
+            <a:ext cx="3921420" cy="1050956"/>
+          </a:xfrm>
+        </p:spPr>
+        <p:txBody>
+          <a:bodyPr>
+            <a:normAutofit/>
+          </a:bodyPr>
+          <a:lstStyle/>
+          <a:p>
+            <a:r>
+              <a:rPr lang="pt-PT" sz="1600" dirty="0"/>
+              <a:t>Após um login bem sucedido, o utilizador poderá ser do tipo </a:t>
+            </a:r>
+            <a:r>
+              <a:rPr lang="pt-PT" sz="1600" i="1" dirty="0"/>
+              <a:t>User</a:t>
+            </a:r>
+            <a:r>
+              <a:rPr lang="pt-PT" sz="1600" dirty="0"/>
+              <a:t> ou </a:t>
+            </a:r>
+            <a:r>
+              <a:rPr lang="pt-PT" sz="1600" i="1" dirty="0" err="1"/>
+              <a:t>Admin</a:t>
+            </a:r>
+            <a:r>
+              <a:rPr lang="pt-PT" sz="1600" dirty="0"/>
+              <a:t>. </a:t>
+            </a:r>
+            <a:br>
+              <a:rPr lang="pt-PT" sz="1600" dirty="0"/>
+            </a:br>
+            <a:r>
+              <a:rPr lang="pt-PT" sz="1600" dirty="0"/>
+              <a:t>No caso de ser tipo User, o aspeto será o seguinte:</a:t>
+            </a:r>
+          </a:p>
+        </p:txBody>
+      </p:sp>
+      <p:sp>
+        <p:nvSpPr>
+          <p:cNvPr id="4" name="Marcador de Posição do Rodapé 3">
+            <a:extLst>
+              <a:ext uri="{FF2B5EF4-FFF2-40B4-BE49-F238E27FC236}">
+                <a16:creationId xmlns:a16="http://schemas.microsoft.com/office/drawing/2014/main" id="{5B064309-7A1A-A1C4-1C58-334F05F008C1}"/>
+              </a:ext>
+            </a:extLst>
+          </p:cNvPr>
+          <p:cNvSpPr>
+            <a:spLocks noGrp="1"/>
+          </p:cNvSpPr>
+          <p:nvPr>
+            <p:ph type="ftr" sz="quarter" idx="11"/>
+          </p:nvPr>
+        </p:nvSpPr>
+        <p:spPr/>
+        <p:txBody>
+          <a:bodyPr/>
+          <a:lstStyle/>
+          <a:p>
+            <a:r>
+              <a:rPr lang="pt-BR"/>
+              <a:t>Programação Distribuida - Bruno 2019132612 | Filipa 2018011698 | Tiago 2020122664</a:t>
+            </a:r>
+            <a:endParaRPr lang="en-US"/>
+          </a:p>
+        </p:txBody>
+      </p:sp>
+      <p:sp>
+        <p:nvSpPr>
+          <p:cNvPr id="5" name="Marcador de Posição do Número do Diapositivo 4">
+            <a:extLst>
+              <a:ext uri="{FF2B5EF4-FFF2-40B4-BE49-F238E27FC236}">
+                <a16:creationId xmlns:a16="http://schemas.microsoft.com/office/drawing/2014/main" id="{2E0CF595-2F2A-922D-E050-DE2FC0CBC6FA}"/>
+              </a:ext>
+            </a:extLst>
+          </p:cNvPr>
+          <p:cNvSpPr>
+            <a:spLocks noGrp="1"/>
+          </p:cNvSpPr>
+          <p:nvPr>
+            <p:ph type="sldNum" sz="quarter" idx="12"/>
+          </p:nvPr>
+        </p:nvSpPr>
+        <p:spPr/>
+        <p:txBody>
+          <a:bodyPr/>
+          <a:lstStyle/>
+          <a:p>
+            <a:fld id="{5963BAFC-B953-4DB7-B4E9-09BC70913B53}" type="slidenum">
+              <a:rPr lang="en-US" smtClean="0"/>
+              <a:t>16</a:t>
+            </a:fld>
+            <a:endParaRPr lang="en-US"/>
+          </a:p>
+        </p:txBody>
+      </p:sp>
+      <p:pic>
+        <p:nvPicPr>
+          <p:cNvPr id="7" name="Picture 4" descr="Instituto Superior de Engenharia de Coimbra – Wikipédia, a enciclopédia  livre">
+            <a:extLst>
+              <a:ext uri="{FF2B5EF4-FFF2-40B4-BE49-F238E27FC236}">
+                <a16:creationId xmlns:a16="http://schemas.microsoft.com/office/drawing/2014/main" id="{6CA94F61-E5C2-9CE9-4857-EE3518335F83}"/>
+              </a:ext>
+            </a:extLst>
+          </p:cNvPr>
+          <p:cNvPicPr>
+            <a:picLocks noChangeAspect="1" noChangeArrowheads="1"/>
+          </p:cNvPicPr>
+          <p:nvPr/>
+        </p:nvPicPr>
+        <p:blipFill>
+          <a:blip r:embed="rId2">
+            <a:extLst>
+              <a:ext uri="{28A0092B-C50C-407E-A947-70E740481C1C}">
+                <a14:useLocalDpi xmlns:a14="http://schemas.microsoft.com/office/drawing/2010/main" val="0"/>
+              </a:ext>
+            </a:extLst>
+          </a:blip>
+          <a:srcRect/>
+          <a:stretch>
+            <a:fillRect/>
+          </a:stretch>
+        </p:blipFill>
+        <p:spPr bwMode="auto">
+          <a:xfrm>
+            <a:off x="147639" y="95250"/>
+            <a:ext cx="807830" cy="552450"/>
+          </a:xfrm>
+          <a:prstGeom prst="rect">
+            <a:avLst/>
+          </a:prstGeom>
+          <a:noFill/>
+          <a:extLst>
+            <a:ext uri="{909E8E84-426E-40DD-AFC4-6F175D3DCCD1}">
+              <a14:hiddenFill xmlns:a14="http://schemas.microsoft.com/office/drawing/2010/main">
+                <a:solidFill>
+                  <a:srgbClr val="FFFFFF"/>
+                </a:solidFill>
+              </a14:hiddenFill>
+            </a:ext>
+          </a:extLst>
+        </p:spPr>
+      </p:pic>
+      <p:pic>
+        <p:nvPicPr>
+          <p:cNvPr id="8" name="Picture 7" descr="A screenshot of a computer program&#10;&#10;Description automatically generated">
+            <a:extLst>
+              <a:ext uri="{FF2B5EF4-FFF2-40B4-BE49-F238E27FC236}">
+                <a16:creationId xmlns:a16="http://schemas.microsoft.com/office/drawing/2014/main" id="{E74A9B18-EE6A-FA94-65B8-AB15AB41E7E1}"/>
+              </a:ext>
+            </a:extLst>
+          </p:cNvPr>
+          <p:cNvPicPr>
+            <a:picLocks noChangeAspect="1"/>
+          </p:cNvPicPr>
+          <p:nvPr/>
+        </p:nvPicPr>
+        <p:blipFill>
+          <a:blip r:embed="rId3">
+            <a:extLst>
+              <a:ext uri="{28A0092B-C50C-407E-A947-70E740481C1C}">
+                <a14:useLocalDpi xmlns:a14="http://schemas.microsoft.com/office/drawing/2010/main" val="0"/>
+              </a:ext>
+            </a:extLst>
+          </a:blip>
+          <a:stretch>
+            <a:fillRect/>
+          </a:stretch>
+        </p:blipFill>
+        <p:spPr>
+          <a:xfrm>
+            <a:off x="9301330" y="1340459"/>
+            <a:ext cx="1471273" cy="1202436"/>
+          </a:xfrm>
+          <a:prstGeom prst="rect">
+            <a:avLst/>
+          </a:prstGeom>
+        </p:spPr>
+      </p:pic>
+      <p:sp>
+        <p:nvSpPr>
+          <p:cNvPr id="9" name="Marcador de Posição de Conteúdo 2">
+            <a:extLst>
+              <a:ext uri="{FF2B5EF4-FFF2-40B4-BE49-F238E27FC236}">
+                <a16:creationId xmlns:a16="http://schemas.microsoft.com/office/drawing/2014/main" id="{925B2E17-D6B0-DEA4-B07C-CBFC4B2A488F}"/>
+              </a:ext>
+            </a:extLst>
+          </p:cNvPr>
+          <p:cNvSpPr txBox="1">
+            <a:spLocks/>
+          </p:cNvSpPr>
+          <p:nvPr/>
+        </p:nvSpPr>
+        <p:spPr>
+          <a:xfrm>
+            <a:off x="3869268" y="3187680"/>
+            <a:ext cx="3921420" cy="733231"/>
+          </a:xfrm>
+          <a:prstGeom prst="rect">
+            <a:avLst/>
+          </a:prstGeom>
+        </p:spPr>
+        <p:txBody>
+          <a:bodyPr vert="horz" lIns="91440" tIns="45720" rIns="91440" bIns="45720" rtlCol="0" anchor="ctr">
+            <a:normAutofit/>
+          </a:bodyPr>
+          <a:lstStyle>
+            <a:lvl1pPr marL="182880" indent="-182880" algn="l" defTabSz="914400" rtl="0" eaLnBrk="1" latinLnBrk="0" hangingPunct="1">
+              <a:lnSpc>
+                <a:spcPct val="90000"/>
+              </a:lnSpc>
+              <a:spcBef>
+                <a:spcPts val="1200"/>
+              </a:spcBef>
+              <a:buClr>
+                <a:schemeClr val="accent1"/>
+              </a:buClr>
+              <a:buFont typeface="Wingdings 2" pitchFamily="18" charset="2"/>
+              <a:buChar char=""/>
+              <a:defRPr sz="2000" kern="1200">
+                <a:solidFill>
+                  <a:schemeClr val="tx1">
+                    <a:lumMod val="65000"/>
+                    <a:lumOff val="35000"/>
+                  </a:schemeClr>
+                </a:solidFill>
+                <a:latin typeface="+mn-lt"/>
+                <a:ea typeface="+mn-ea"/>
+                <a:cs typeface="+mn-cs"/>
+              </a:defRPr>
+            </a:lvl1pPr>
+            <a:lvl2pPr marL="685800" indent="-182880" algn="l" defTabSz="914400" rtl="0" eaLnBrk="1" latinLnBrk="0" hangingPunct="1">
+              <a:lnSpc>
+                <a:spcPct val="90000"/>
+              </a:lnSpc>
+              <a:spcBef>
+                <a:spcPts val="250"/>
+              </a:spcBef>
+              <a:spcAft>
+                <a:spcPts val="250"/>
+              </a:spcAft>
+              <a:buClr>
+                <a:schemeClr val="accent1"/>
+              </a:buClr>
+              <a:buFont typeface="Wingdings 2" pitchFamily="18" charset="2"/>
+              <a:buChar char=""/>
+              <a:defRPr sz="1800" kern="1200">
+                <a:solidFill>
+                  <a:schemeClr val="tx1">
+                    <a:lumMod val="65000"/>
+                    <a:lumOff val="35000"/>
+                  </a:schemeClr>
+                </a:solidFill>
+                <a:latin typeface="+mn-lt"/>
+                <a:ea typeface="+mn-ea"/>
+                <a:cs typeface="+mn-cs"/>
+              </a:defRPr>
+            </a:lvl2pPr>
+            <a:lvl3pPr marL="1143000" indent="-182880" algn="l" defTabSz="914400" rtl="0" eaLnBrk="1" latinLnBrk="0" hangingPunct="1">
+              <a:lnSpc>
+                <a:spcPct val="90000"/>
+              </a:lnSpc>
+              <a:spcBef>
+                <a:spcPts val="250"/>
+              </a:spcBef>
+              <a:spcAft>
+                <a:spcPts val="250"/>
+              </a:spcAft>
+              <a:buClr>
+                <a:schemeClr val="accent1"/>
+              </a:buClr>
+              <a:buFont typeface="Wingdings 2" pitchFamily="18" charset="2"/>
+              <a:buChar char=""/>
+              <a:defRPr sz="1600" kern="1200">
+                <a:solidFill>
+                  <a:schemeClr val="tx1">
+                    <a:lumMod val="65000"/>
+                    <a:lumOff val="35000"/>
+                  </a:schemeClr>
+                </a:solidFill>
+                <a:latin typeface="+mn-lt"/>
+                <a:ea typeface="+mn-ea"/>
+                <a:cs typeface="+mn-cs"/>
+              </a:defRPr>
+            </a:lvl3pPr>
+            <a:lvl4pPr marL="1600200" indent="-182880" algn="l" defTabSz="914400" rtl="0" eaLnBrk="1" latinLnBrk="0" hangingPunct="1">
+              <a:lnSpc>
+                <a:spcPct val="90000"/>
+              </a:lnSpc>
+              <a:spcBef>
+                <a:spcPts val="250"/>
+              </a:spcBef>
+              <a:spcAft>
+                <a:spcPts val="250"/>
+              </a:spcAft>
+              <a:buClr>
+                <a:schemeClr val="accent1"/>
+              </a:buClr>
+              <a:buFont typeface="Wingdings 2" pitchFamily="18" charset="2"/>
+              <a:buChar char=""/>
+              <a:defRPr sz="1400" kern="1200">
+                <a:solidFill>
+                  <a:schemeClr val="tx1">
+                    <a:lumMod val="65000"/>
+                    <a:lumOff val="35000"/>
+                  </a:schemeClr>
+                </a:solidFill>
+                <a:latin typeface="+mn-lt"/>
+                <a:ea typeface="+mn-ea"/>
+                <a:cs typeface="+mn-cs"/>
+              </a:defRPr>
+            </a:lvl4pPr>
+            <a:lvl5pPr marL="2057400" indent="-182880" algn="l" defTabSz="914400" rtl="0" eaLnBrk="1" latinLnBrk="0" hangingPunct="1">
+              <a:lnSpc>
+                <a:spcPct val="90000"/>
+              </a:lnSpc>
+              <a:spcBef>
+                <a:spcPts val="250"/>
+              </a:spcBef>
+              <a:spcAft>
+                <a:spcPts val="250"/>
+              </a:spcAft>
+              <a:buClr>
+                <a:schemeClr val="accent1"/>
+              </a:buClr>
+              <a:buFont typeface="Wingdings 2" pitchFamily="18" charset="2"/>
+              <a:buChar char=""/>
+              <a:defRPr sz="1400" kern="1200">
+                <a:solidFill>
+                  <a:schemeClr val="tx1">
+                    <a:lumMod val="65000"/>
+                    <a:lumOff val="35000"/>
+                  </a:schemeClr>
+                </a:solidFill>
+                <a:latin typeface="+mn-lt"/>
+                <a:ea typeface="+mn-ea"/>
+                <a:cs typeface="+mn-cs"/>
+              </a:defRPr>
+            </a:lvl5pPr>
+            <a:lvl6pPr marL="2514600" indent="-228600" algn="l" defTabSz="914400" rtl="0" eaLnBrk="1" latinLnBrk="0" hangingPunct="1">
+              <a:lnSpc>
+                <a:spcPct val="90000"/>
+              </a:lnSpc>
+              <a:spcBef>
+                <a:spcPts val="250"/>
+              </a:spcBef>
+              <a:spcAft>
+                <a:spcPts val="250"/>
+              </a:spcAft>
+              <a:buClr>
+                <a:schemeClr val="accent1"/>
+              </a:buClr>
+              <a:buFont typeface="Wingdings 2" pitchFamily="18" charset="2"/>
+              <a:buChar char=""/>
+              <a:defRPr sz="1400" kern="1200">
+                <a:solidFill>
+                  <a:schemeClr val="tx1">
+                    <a:lumMod val="65000"/>
+                    <a:lumOff val="35000"/>
+                  </a:schemeClr>
+                </a:solidFill>
+                <a:latin typeface="+mn-lt"/>
+                <a:ea typeface="+mn-ea"/>
+                <a:cs typeface="+mn-cs"/>
+              </a:defRPr>
+            </a:lvl6pPr>
+            <a:lvl7pPr marL="2971800" indent="-228600" algn="l" defTabSz="914400" rtl="0" eaLnBrk="1" latinLnBrk="0" hangingPunct="1">
+              <a:lnSpc>
+                <a:spcPct val="90000"/>
+              </a:lnSpc>
+              <a:spcBef>
+                <a:spcPts val="250"/>
+              </a:spcBef>
+              <a:spcAft>
+                <a:spcPts val="250"/>
+              </a:spcAft>
+              <a:buClr>
+                <a:schemeClr val="accent1"/>
+              </a:buClr>
+              <a:buFont typeface="Wingdings 2" pitchFamily="18" charset="2"/>
+              <a:buChar char=""/>
+              <a:defRPr sz="1400" kern="1200">
+                <a:solidFill>
+                  <a:schemeClr val="tx1">
+                    <a:lumMod val="65000"/>
+                    <a:lumOff val="35000"/>
+                  </a:schemeClr>
+                </a:solidFill>
+                <a:latin typeface="+mn-lt"/>
+                <a:ea typeface="+mn-ea"/>
+                <a:cs typeface="+mn-cs"/>
+              </a:defRPr>
+            </a:lvl7pPr>
+            <a:lvl8pPr marL="3429000" indent="-228600" algn="l" defTabSz="914400" rtl="0" eaLnBrk="1" latinLnBrk="0" hangingPunct="1">
+              <a:lnSpc>
+                <a:spcPct val="90000"/>
+              </a:lnSpc>
+              <a:spcBef>
+                <a:spcPts val="250"/>
+              </a:spcBef>
+              <a:spcAft>
+                <a:spcPts val="250"/>
+              </a:spcAft>
+              <a:buClr>
+                <a:schemeClr val="accent1"/>
+              </a:buClr>
+              <a:buFont typeface="Wingdings 2" pitchFamily="18" charset="2"/>
+              <a:buChar char=""/>
+              <a:defRPr sz="1400" kern="1200">
+                <a:solidFill>
+                  <a:schemeClr val="tx1">
+                    <a:lumMod val="65000"/>
+                    <a:lumOff val="35000"/>
+                  </a:schemeClr>
+                </a:solidFill>
+                <a:latin typeface="+mn-lt"/>
+                <a:ea typeface="+mn-ea"/>
+                <a:cs typeface="+mn-cs"/>
+              </a:defRPr>
+            </a:lvl8pPr>
+            <a:lvl9pPr marL="3886200" indent="-228600" algn="l" defTabSz="914400" rtl="0" eaLnBrk="1" latinLnBrk="0" hangingPunct="1">
+              <a:lnSpc>
+                <a:spcPct val="90000"/>
+              </a:lnSpc>
+              <a:spcBef>
+                <a:spcPts val="250"/>
+              </a:spcBef>
+              <a:spcAft>
+                <a:spcPts val="250"/>
+              </a:spcAft>
+              <a:buClr>
+                <a:schemeClr val="accent1"/>
+              </a:buClr>
+              <a:buFont typeface="Wingdings 2" pitchFamily="18" charset="2"/>
+              <a:buChar char=""/>
+              <a:defRPr sz="1400" kern="1200">
+                <a:solidFill>
+                  <a:schemeClr val="tx1">
+                    <a:lumMod val="65000"/>
+                    <a:lumOff val="35000"/>
+                  </a:schemeClr>
+                </a:solidFill>
+                <a:latin typeface="+mn-lt"/>
+                <a:ea typeface="+mn-ea"/>
+                <a:cs typeface="+mn-cs"/>
+              </a:defRPr>
+            </a:lvl9pPr>
+          </a:lstStyle>
+          <a:p>
+            <a:r>
+              <a:rPr lang="pt-PT" sz="1600" dirty="0"/>
+              <a:t>1 – Editar Dados da Conta: O Utilizador poderá alterar os seus dados:</a:t>
+            </a:r>
+          </a:p>
+        </p:txBody>
+      </p:sp>
+      <p:pic>
+        <p:nvPicPr>
+          <p:cNvPr id="12" name="Picture 11" descr="A screenshot of a computer screen&#10;&#10;Description automatically generated">
+            <a:extLst>
+              <a:ext uri="{FF2B5EF4-FFF2-40B4-BE49-F238E27FC236}">
+                <a16:creationId xmlns:a16="http://schemas.microsoft.com/office/drawing/2014/main" id="{371D8643-8641-12D0-9F16-D8EBD6CA5E4C}"/>
+              </a:ext>
+            </a:extLst>
+          </p:cNvPr>
+          <p:cNvPicPr>
+            <a:picLocks noChangeAspect="1"/>
+          </p:cNvPicPr>
+          <p:nvPr/>
+        </p:nvPicPr>
+        <p:blipFill rotWithShape="1">
+          <a:blip r:embed="rId4">
+            <a:extLst>
+              <a:ext uri="{28A0092B-C50C-407E-A947-70E740481C1C}">
+                <a14:useLocalDpi xmlns:a14="http://schemas.microsoft.com/office/drawing/2010/main" val="0"/>
+              </a:ext>
+            </a:extLst>
+          </a:blip>
+          <a:srcRect l="5787" t="6640" r="5174" b="1053"/>
+          <a:stretch/>
+        </p:blipFill>
+        <p:spPr>
+          <a:xfrm>
+            <a:off x="8691015" y="2940282"/>
+            <a:ext cx="2090732" cy="1101335"/>
+          </a:xfrm>
+          <a:prstGeom prst="rect">
+            <a:avLst/>
+          </a:prstGeom>
+        </p:spPr>
+      </p:pic>
+      <p:sp>
+        <p:nvSpPr>
+          <p:cNvPr id="13" name="Marcador de Posição de Conteúdo 2">
+            <a:extLst>
+              <a:ext uri="{FF2B5EF4-FFF2-40B4-BE49-F238E27FC236}">
+                <a16:creationId xmlns:a16="http://schemas.microsoft.com/office/drawing/2014/main" id="{1B6A6328-8283-DB9D-6D38-C84E351B4D54}"/>
+              </a:ext>
+            </a:extLst>
+          </p:cNvPr>
+          <p:cNvSpPr txBox="1">
+            <a:spLocks/>
+          </p:cNvSpPr>
+          <p:nvPr/>
+        </p:nvSpPr>
+        <p:spPr>
+          <a:xfrm>
+            <a:off x="3869268" y="4409376"/>
+            <a:ext cx="3921420" cy="1104456"/>
+          </a:xfrm>
+          <a:prstGeom prst="rect">
+            <a:avLst/>
+          </a:prstGeom>
+        </p:spPr>
+        <p:txBody>
+          <a:bodyPr vert="horz" lIns="91440" tIns="45720" rIns="91440" bIns="45720" rtlCol="0" anchor="ctr">
+            <a:normAutofit/>
+          </a:bodyPr>
+          <a:lstStyle>
+            <a:lvl1pPr marL="182880" indent="-182880" algn="l" defTabSz="914400" rtl="0" eaLnBrk="1" latinLnBrk="0" hangingPunct="1">
+              <a:lnSpc>
+                <a:spcPct val="90000"/>
+              </a:lnSpc>
+              <a:spcBef>
+                <a:spcPts val="1200"/>
+              </a:spcBef>
+              <a:buClr>
+                <a:schemeClr val="accent1"/>
+              </a:buClr>
+              <a:buFont typeface="Wingdings 2" pitchFamily="18" charset="2"/>
+              <a:buChar char=""/>
+              <a:defRPr sz="2000" kern="1200">
+                <a:solidFill>
+                  <a:schemeClr val="tx1">
+                    <a:lumMod val="65000"/>
+                    <a:lumOff val="35000"/>
+                  </a:schemeClr>
+                </a:solidFill>
+                <a:latin typeface="+mn-lt"/>
+                <a:ea typeface="+mn-ea"/>
+                <a:cs typeface="+mn-cs"/>
+              </a:defRPr>
+            </a:lvl1pPr>
+            <a:lvl2pPr marL="685800" indent="-182880" algn="l" defTabSz="914400" rtl="0" eaLnBrk="1" latinLnBrk="0" hangingPunct="1">
+              <a:lnSpc>
+                <a:spcPct val="90000"/>
+              </a:lnSpc>
+              <a:spcBef>
+                <a:spcPts val="250"/>
+              </a:spcBef>
+              <a:spcAft>
+                <a:spcPts val="250"/>
+              </a:spcAft>
+              <a:buClr>
+                <a:schemeClr val="accent1"/>
+              </a:buClr>
+              <a:buFont typeface="Wingdings 2" pitchFamily="18" charset="2"/>
+              <a:buChar char=""/>
+              <a:defRPr sz="1800" kern="1200">
+                <a:solidFill>
+                  <a:schemeClr val="tx1">
+                    <a:lumMod val="65000"/>
+                    <a:lumOff val="35000"/>
+                  </a:schemeClr>
+                </a:solidFill>
+                <a:latin typeface="+mn-lt"/>
+                <a:ea typeface="+mn-ea"/>
+                <a:cs typeface="+mn-cs"/>
+              </a:defRPr>
+            </a:lvl2pPr>
+            <a:lvl3pPr marL="1143000" indent="-182880" algn="l" defTabSz="914400" rtl="0" eaLnBrk="1" latinLnBrk="0" hangingPunct="1">
+              <a:lnSpc>
+                <a:spcPct val="90000"/>
+              </a:lnSpc>
+              <a:spcBef>
+                <a:spcPts val="250"/>
+              </a:spcBef>
+              <a:spcAft>
+                <a:spcPts val="250"/>
+              </a:spcAft>
+              <a:buClr>
+                <a:schemeClr val="accent1"/>
+              </a:buClr>
+              <a:buFont typeface="Wingdings 2" pitchFamily="18" charset="2"/>
+              <a:buChar char=""/>
+              <a:defRPr sz="1600" kern="1200">
+                <a:solidFill>
+                  <a:schemeClr val="tx1">
+                    <a:lumMod val="65000"/>
+                    <a:lumOff val="35000"/>
+                  </a:schemeClr>
+                </a:solidFill>
+                <a:latin typeface="+mn-lt"/>
+                <a:ea typeface="+mn-ea"/>
+                <a:cs typeface="+mn-cs"/>
+              </a:defRPr>
+            </a:lvl3pPr>
+            <a:lvl4pPr marL="1600200" indent="-182880" algn="l" defTabSz="914400" rtl="0" eaLnBrk="1" latinLnBrk="0" hangingPunct="1">
+              <a:lnSpc>
+                <a:spcPct val="90000"/>
+              </a:lnSpc>
+              <a:spcBef>
+                <a:spcPts val="250"/>
+              </a:spcBef>
+              <a:spcAft>
+                <a:spcPts val="250"/>
+              </a:spcAft>
+              <a:buClr>
+                <a:schemeClr val="accent1"/>
+              </a:buClr>
+              <a:buFont typeface="Wingdings 2" pitchFamily="18" charset="2"/>
+              <a:buChar char=""/>
+              <a:defRPr sz="1400" kern="1200">
+                <a:solidFill>
+                  <a:schemeClr val="tx1">
+                    <a:lumMod val="65000"/>
+                    <a:lumOff val="35000"/>
+                  </a:schemeClr>
+                </a:solidFill>
+                <a:latin typeface="+mn-lt"/>
+                <a:ea typeface="+mn-ea"/>
+                <a:cs typeface="+mn-cs"/>
+              </a:defRPr>
+            </a:lvl4pPr>
+            <a:lvl5pPr marL="2057400" indent="-182880" algn="l" defTabSz="914400" rtl="0" eaLnBrk="1" latinLnBrk="0" hangingPunct="1">
+              <a:lnSpc>
+                <a:spcPct val="90000"/>
+              </a:lnSpc>
+              <a:spcBef>
+                <a:spcPts val="250"/>
+              </a:spcBef>
+              <a:spcAft>
+                <a:spcPts val="250"/>
+              </a:spcAft>
+              <a:buClr>
+                <a:schemeClr val="accent1"/>
+              </a:buClr>
+              <a:buFont typeface="Wingdings 2" pitchFamily="18" charset="2"/>
+              <a:buChar char=""/>
+              <a:defRPr sz="1400" kern="1200">
+                <a:solidFill>
+                  <a:schemeClr val="tx1">
+                    <a:lumMod val="65000"/>
+                    <a:lumOff val="35000"/>
+                  </a:schemeClr>
+                </a:solidFill>
+                <a:latin typeface="+mn-lt"/>
+                <a:ea typeface="+mn-ea"/>
+                <a:cs typeface="+mn-cs"/>
+              </a:defRPr>
+            </a:lvl5pPr>
+            <a:lvl6pPr marL="2514600" indent="-228600" algn="l" defTabSz="914400" rtl="0" eaLnBrk="1" latinLnBrk="0" hangingPunct="1">
+              <a:lnSpc>
+                <a:spcPct val="90000"/>
+              </a:lnSpc>
+              <a:spcBef>
+                <a:spcPts val="250"/>
+              </a:spcBef>
+              <a:spcAft>
+                <a:spcPts val="250"/>
+              </a:spcAft>
+              <a:buClr>
+                <a:schemeClr val="accent1"/>
+              </a:buClr>
+              <a:buFont typeface="Wingdings 2" pitchFamily="18" charset="2"/>
+              <a:buChar char=""/>
+              <a:defRPr sz="1400" kern="1200">
+                <a:solidFill>
+                  <a:schemeClr val="tx1">
+                    <a:lumMod val="65000"/>
+                    <a:lumOff val="35000"/>
+                  </a:schemeClr>
+                </a:solidFill>
+                <a:latin typeface="+mn-lt"/>
+                <a:ea typeface="+mn-ea"/>
+                <a:cs typeface="+mn-cs"/>
+              </a:defRPr>
+            </a:lvl6pPr>
+            <a:lvl7pPr marL="2971800" indent="-228600" algn="l" defTabSz="914400" rtl="0" eaLnBrk="1" latinLnBrk="0" hangingPunct="1">
+              <a:lnSpc>
+                <a:spcPct val="90000"/>
+              </a:lnSpc>
+              <a:spcBef>
+                <a:spcPts val="250"/>
+              </a:spcBef>
+              <a:spcAft>
+                <a:spcPts val="250"/>
+              </a:spcAft>
+              <a:buClr>
+                <a:schemeClr val="accent1"/>
+              </a:buClr>
+              <a:buFont typeface="Wingdings 2" pitchFamily="18" charset="2"/>
+              <a:buChar char=""/>
+              <a:defRPr sz="1400" kern="1200">
+                <a:solidFill>
+                  <a:schemeClr val="tx1">
+                    <a:lumMod val="65000"/>
+                    <a:lumOff val="35000"/>
+                  </a:schemeClr>
+                </a:solidFill>
+                <a:latin typeface="+mn-lt"/>
+                <a:ea typeface="+mn-ea"/>
+                <a:cs typeface="+mn-cs"/>
+              </a:defRPr>
+            </a:lvl7pPr>
+            <a:lvl8pPr marL="3429000" indent="-228600" algn="l" defTabSz="914400" rtl="0" eaLnBrk="1" latinLnBrk="0" hangingPunct="1">
+              <a:lnSpc>
+                <a:spcPct val="90000"/>
+              </a:lnSpc>
+              <a:spcBef>
+                <a:spcPts val="250"/>
+              </a:spcBef>
+              <a:spcAft>
+                <a:spcPts val="250"/>
+              </a:spcAft>
+              <a:buClr>
+                <a:schemeClr val="accent1"/>
+              </a:buClr>
+              <a:buFont typeface="Wingdings 2" pitchFamily="18" charset="2"/>
+              <a:buChar char=""/>
+              <a:defRPr sz="1400" kern="1200">
+                <a:solidFill>
+                  <a:schemeClr val="tx1">
+                    <a:lumMod val="65000"/>
+                    <a:lumOff val="35000"/>
+                  </a:schemeClr>
+                </a:solidFill>
+                <a:latin typeface="+mn-lt"/>
+                <a:ea typeface="+mn-ea"/>
+                <a:cs typeface="+mn-cs"/>
+              </a:defRPr>
+            </a:lvl8pPr>
+            <a:lvl9pPr marL="3886200" indent="-228600" algn="l" defTabSz="914400" rtl="0" eaLnBrk="1" latinLnBrk="0" hangingPunct="1">
+              <a:lnSpc>
+                <a:spcPct val="90000"/>
+              </a:lnSpc>
+              <a:spcBef>
+                <a:spcPts val="250"/>
+              </a:spcBef>
+              <a:spcAft>
+                <a:spcPts val="250"/>
+              </a:spcAft>
+              <a:buClr>
+                <a:schemeClr val="accent1"/>
+              </a:buClr>
+              <a:buFont typeface="Wingdings 2" pitchFamily="18" charset="2"/>
+              <a:buChar char=""/>
+              <a:defRPr sz="1400" kern="1200">
+                <a:solidFill>
+                  <a:schemeClr val="tx1">
+                    <a:lumMod val="65000"/>
+                    <a:lumOff val="35000"/>
+                  </a:schemeClr>
+                </a:solidFill>
+                <a:latin typeface="+mn-lt"/>
+                <a:ea typeface="+mn-ea"/>
+                <a:cs typeface="+mn-cs"/>
+              </a:defRPr>
+            </a:lvl9pPr>
+          </a:lstStyle>
+          <a:p>
+            <a:r>
+              <a:rPr lang="pt-PT" sz="1600" dirty="0"/>
+              <a:t>2 – Inserir Código de Validação de Presença - O Utilizador poderá inserir o código de validação de presença de um evento:</a:t>
+            </a:r>
+          </a:p>
+        </p:txBody>
+      </p:sp>
+      <p:pic>
+        <p:nvPicPr>
+          <p:cNvPr id="15" name="Picture 14" descr="A screenshot of a computer&#10;&#10;Description automatically generated">
+            <a:extLst>
+              <a:ext uri="{FF2B5EF4-FFF2-40B4-BE49-F238E27FC236}">
+                <a16:creationId xmlns:a16="http://schemas.microsoft.com/office/drawing/2014/main" id="{CFE3E2D0-0F19-C963-BA16-C763FD447CF3}"/>
+              </a:ext>
+            </a:extLst>
+          </p:cNvPr>
+          <p:cNvPicPr>
+            <a:picLocks noChangeAspect="1"/>
+          </p:cNvPicPr>
+          <p:nvPr/>
+        </p:nvPicPr>
+        <p:blipFill>
+          <a:blip r:embed="rId5">
+            <a:extLst>
+              <a:ext uri="{28A0092B-C50C-407E-A947-70E740481C1C}">
+                <a14:useLocalDpi xmlns:a14="http://schemas.microsoft.com/office/drawing/2010/main" val="0"/>
+              </a:ext>
+            </a:extLst>
+          </a:blip>
+          <a:stretch>
+            <a:fillRect/>
+          </a:stretch>
+        </p:blipFill>
+        <p:spPr>
+          <a:xfrm>
+            <a:off x="8898000" y="4439005"/>
+            <a:ext cx="1883747" cy="849906"/>
+          </a:xfrm>
+          <a:prstGeom prst="rect">
+            <a:avLst/>
+          </a:prstGeom>
+        </p:spPr>
+      </p:pic>
+    </p:spTree>
+    <p:extLst>
+      <p:ext uri="{BB962C8B-B14F-4D97-AF65-F5344CB8AC3E}">
+        <p14:creationId xmlns:p14="http://schemas.microsoft.com/office/powerpoint/2010/main" val="1199718069"/>
+      </p:ext>
+    </p:extLst>
+  </p:cSld>
+  <p:clrMapOvr>
+    <a:masterClrMapping/>
+  </p:clrMapOvr>
+</p:sld>
+</file>
+
+<file path=ppt/slides/slide17.xml><?xml version="1.0" encoding="utf-8"?>
+<p:sld xmlns:a="http://schemas.openxmlformats.org/drawingml/2006/main" xmlns:r="http://schemas.openxmlformats.org/officeDocument/2006/relationships" xmlns:p="http://schemas.openxmlformats.org/presentationml/2006/main">
+  <p:cSld>
+    <p:spTree>
+      <p:nvGrpSpPr>
+        <p:cNvPr id="1" name=""/>
+        <p:cNvGrpSpPr/>
+        <p:nvPr/>
+      </p:nvGrpSpPr>
+      <p:grpSpPr>
+        <a:xfrm>
+          <a:off x="0" y="0"/>
+          <a:ext cx="0" cy="0"/>
+          <a:chOff x="0" y="0"/>
+          <a:chExt cx="0" cy="0"/>
+        </a:xfrm>
+      </p:grpSpPr>
+      <p:sp>
+        <p:nvSpPr>
+          <p:cNvPr id="2" name="Título 1">
+            <a:extLst>
+              <a:ext uri="{FF2B5EF4-FFF2-40B4-BE49-F238E27FC236}">
+                <a16:creationId xmlns:a16="http://schemas.microsoft.com/office/drawing/2014/main" id="{2E4EE14D-0891-BFCA-2650-801A853A4C60}"/>
+              </a:ext>
+            </a:extLst>
+          </p:cNvPr>
+          <p:cNvSpPr>
+            <a:spLocks noGrp="1"/>
+          </p:cNvSpPr>
+          <p:nvPr>
+            <p:ph type="title"/>
+          </p:nvPr>
+        </p:nvSpPr>
+        <p:spPr/>
+        <p:txBody>
+          <a:bodyPr/>
+          <a:lstStyle/>
+          <a:p>
+            <a:r>
+              <a:rPr lang="pt-PT" dirty="0"/>
+              <a:t>Manual de Utilizador</a:t>
+            </a:r>
+          </a:p>
+        </p:txBody>
+      </p:sp>
+      <p:sp>
+        <p:nvSpPr>
+          <p:cNvPr id="4" name="Marcador de Posição do Rodapé 3">
+            <a:extLst>
+              <a:ext uri="{FF2B5EF4-FFF2-40B4-BE49-F238E27FC236}">
+                <a16:creationId xmlns:a16="http://schemas.microsoft.com/office/drawing/2014/main" id="{5B064309-7A1A-A1C4-1C58-334F05F008C1}"/>
+              </a:ext>
+            </a:extLst>
+          </p:cNvPr>
+          <p:cNvSpPr>
+            <a:spLocks noGrp="1"/>
+          </p:cNvSpPr>
+          <p:nvPr>
+            <p:ph type="ftr" sz="quarter" idx="11"/>
+          </p:nvPr>
+        </p:nvSpPr>
+        <p:spPr/>
+        <p:txBody>
+          <a:bodyPr/>
+          <a:lstStyle/>
+          <a:p>
+            <a:r>
+              <a:rPr lang="pt-BR"/>
+              <a:t>Programação Distribuida - Bruno 2019132612 | Filipa 2018011698 | Tiago 2020122664</a:t>
+            </a:r>
+            <a:endParaRPr lang="en-US"/>
+          </a:p>
+        </p:txBody>
+      </p:sp>
+      <p:sp>
+        <p:nvSpPr>
+          <p:cNvPr id="5" name="Marcador de Posição do Número do Diapositivo 4">
+            <a:extLst>
+              <a:ext uri="{FF2B5EF4-FFF2-40B4-BE49-F238E27FC236}">
+                <a16:creationId xmlns:a16="http://schemas.microsoft.com/office/drawing/2014/main" id="{2E0CF595-2F2A-922D-E050-DE2FC0CBC6FA}"/>
+              </a:ext>
+            </a:extLst>
+          </p:cNvPr>
+          <p:cNvSpPr>
+            <a:spLocks noGrp="1"/>
+          </p:cNvSpPr>
+          <p:nvPr>
+            <p:ph type="sldNum" sz="quarter" idx="12"/>
+          </p:nvPr>
+        </p:nvSpPr>
+        <p:spPr/>
+        <p:txBody>
+          <a:bodyPr/>
+          <a:lstStyle/>
+          <a:p>
+            <a:fld id="{5963BAFC-B953-4DB7-B4E9-09BC70913B53}" type="slidenum">
+              <a:rPr lang="en-US" smtClean="0"/>
+              <a:t>17</a:t>
+            </a:fld>
+            <a:endParaRPr lang="en-US"/>
+          </a:p>
+        </p:txBody>
+      </p:sp>
+      <p:pic>
+        <p:nvPicPr>
+          <p:cNvPr id="7" name="Picture 4" descr="Instituto Superior de Engenharia de Coimbra – Wikipédia, a enciclopédia  livre">
+            <a:extLst>
+              <a:ext uri="{FF2B5EF4-FFF2-40B4-BE49-F238E27FC236}">
+                <a16:creationId xmlns:a16="http://schemas.microsoft.com/office/drawing/2014/main" id="{6CA94F61-E5C2-9CE9-4857-EE3518335F83}"/>
+              </a:ext>
+            </a:extLst>
+          </p:cNvPr>
+          <p:cNvPicPr>
+            <a:picLocks noChangeAspect="1" noChangeArrowheads="1"/>
+          </p:cNvPicPr>
+          <p:nvPr/>
+        </p:nvPicPr>
+        <p:blipFill>
+          <a:blip r:embed="rId2">
+            <a:extLst>
+              <a:ext uri="{28A0092B-C50C-407E-A947-70E740481C1C}">
+                <a14:useLocalDpi xmlns:a14="http://schemas.microsoft.com/office/drawing/2010/main" val="0"/>
+              </a:ext>
+            </a:extLst>
+          </a:blip>
+          <a:srcRect/>
+          <a:stretch>
+            <a:fillRect/>
+          </a:stretch>
+        </p:blipFill>
+        <p:spPr bwMode="auto">
+          <a:xfrm>
+            <a:off x="147639" y="95250"/>
+            <a:ext cx="807830" cy="552450"/>
+          </a:xfrm>
+          <a:prstGeom prst="rect">
+            <a:avLst/>
+          </a:prstGeom>
+          <a:noFill/>
+          <a:extLst>
+            <a:ext uri="{909E8E84-426E-40DD-AFC4-6F175D3DCCD1}">
+              <a14:hiddenFill xmlns:a14="http://schemas.microsoft.com/office/drawing/2010/main">
+                <a:solidFill>
+                  <a:srgbClr val="FFFFFF"/>
+                </a:solidFill>
+              </a14:hiddenFill>
+            </a:ext>
+          </a:extLst>
+        </p:spPr>
+      </p:pic>
+      <p:sp>
+        <p:nvSpPr>
+          <p:cNvPr id="6" name="Marcador de Posição de Conteúdo 2">
+            <a:extLst>
+              <a:ext uri="{FF2B5EF4-FFF2-40B4-BE49-F238E27FC236}">
+                <a16:creationId xmlns:a16="http://schemas.microsoft.com/office/drawing/2014/main" id="{043E3FEF-F96C-F942-89C6-FEE70561A5C8}"/>
+              </a:ext>
+            </a:extLst>
+          </p:cNvPr>
+          <p:cNvSpPr>
+            <a:spLocks noGrp="1"/>
+          </p:cNvSpPr>
+          <p:nvPr>
+            <p:ph idx="1"/>
+          </p:nvPr>
+        </p:nvSpPr>
+        <p:spPr>
+          <a:xfrm>
+            <a:off x="3871884" y="993106"/>
+            <a:ext cx="7534853" cy="4601182"/>
+          </a:xfrm>
+        </p:spPr>
+        <p:txBody>
+          <a:bodyPr>
+            <a:normAutofit/>
+          </a:bodyPr>
+          <a:lstStyle/>
+          <a:p>
+            <a:r>
+              <a:rPr lang="pt-PT" sz="1600" dirty="0"/>
+              <a:t>3 – Ver Participações Anteriores - O Utilizador poderá ver as suas participações em eventos anteriores, filtrando por nome do evento, dia do evento ou um intervalo de dias:</a:t>
+            </a:r>
+          </a:p>
+          <a:p>
+            <a:endParaRPr lang="pt-PT" sz="1600" dirty="0"/>
+          </a:p>
+          <a:p>
+            <a:endParaRPr lang="pt-PT" sz="1600" dirty="0"/>
+          </a:p>
+          <a:p>
+            <a:endParaRPr lang="pt-PT" sz="1600" dirty="0"/>
+          </a:p>
+          <a:p>
+            <a:endParaRPr lang="pt-PT" sz="1600" dirty="0"/>
+          </a:p>
+          <a:p>
+            <a:endParaRPr lang="pt-PT" sz="1600" dirty="0"/>
+          </a:p>
+          <a:p>
+            <a:endParaRPr lang="pt-PT" sz="1600" dirty="0"/>
+          </a:p>
+          <a:p>
+            <a:endParaRPr lang="pt-PT" sz="1600" dirty="0"/>
+          </a:p>
+          <a:p>
+            <a:r>
+              <a:rPr lang="pt-PT" sz="1600" dirty="0"/>
+              <a:t>4 - Gerar CSV de Participações Anteriores - O Utilizador poderá gerar um ficheiro .CSV com o registo das suas presenças pedidas no comando anterior.</a:t>
+            </a:r>
+          </a:p>
+          <a:p>
+            <a:r>
+              <a:rPr lang="pt-PT" sz="1600" dirty="0"/>
+              <a:t>5 – </a:t>
+            </a:r>
+            <a:r>
+              <a:rPr lang="pt-PT" sz="1600" dirty="0" err="1"/>
+              <a:t>Logout</a:t>
+            </a:r>
+            <a:r>
+              <a:rPr lang="pt-PT" sz="1600" dirty="0"/>
+              <a:t> - termina sessão do utilizador </a:t>
+            </a:r>
+            <a:r>
+              <a:rPr lang="pt-PT" sz="1600" i="1" dirty="0"/>
+              <a:t>User</a:t>
+            </a:r>
+            <a:r>
+              <a:rPr lang="pt-PT" sz="1600" dirty="0"/>
+              <a:t>, voltando ao Painel de Login Inicial.</a:t>
+            </a:r>
+          </a:p>
+        </p:txBody>
+      </p:sp>
+      <p:pic>
+        <p:nvPicPr>
+          <p:cNvPr id="14" name="Picture 13" descr="A screenshot of a computer program&#10;&#10;Description automatically generated">
+            <a:extLst>
+              <a:ext uri="{FF2B5EF4-FFF2-40B4-BE49-F238E27FC236}">
+                <a16:creationId xmlns:a16="http://schemas.microsoft.com/office/drawing/2014/main" id="{1DDC968C-F86D-90FD-1D25-2049D67F85E0}"/>
+              </a:ext>
+            </a:extLst>
+          </p:cNvPr>
+          <p:cNvPicPr>
+            <a:picLocks noChangeAspect="1"/>
+          </p:cNvPicPr>
+          <p:nvPr/>
+        </p:nvPicPr>
+        <p:blipFill rotWithShape="1">
+          <a:blip r:embed="rId3">
+            <a:extLst>
+              <a:ext uri="{28A0092B-C50C-407E-A947-70E740481C1C}">
+                <a14:useLocalDpi xmlns:a14="http://schemas.microsoft.com/office/drawing/2010/main" val="0"/>
+              </a:ext>
+            </a:extLst>
+          </a:blip>
+          <a:srcRect l="2174" t="6640"/>
+          <a:stretch/>
+        </p:blipFill>
+        <p:spPr>
+          <a:xfrm>
+            <a:off x="6219645" y="2347095"/>
+            <a:ext cx="2839332" cy="1691497"/>
+          </a:xfrm>
+          <a:prstGeom prst="rect">
+            <a:avLst/>
+          </a:prstGeom>
+        </p:spPr>
+      </p:pic>
+    </p:spTree>
+    <p:extLst>
+      <p:ext uri="{BB962C8B-B14F-4D97-AF65-F5344CB8AC3E}">
+        <p14:creationId xmlns:p14="http://schemas.microsoft.com/office/powerpoint/2010/main" val="2899456316"/>
+      </p:ext>
+    </p:extLst>
+  </p:cSld>
+  <p:clrMapOvr>
+    <a:masterClrMapping/>
+  </p:clrMapOvr>
+</p:sld>
+</file>
+
+<file path=ppt/slides/slide18.xml><?xml version="1.0" encoding="utf-8"?>
+<p:sld xmlns:a="http://schemas.openxmlformats.org/drawingml/2006/main" xmlns:r="http://schemas.openxmlformats.org/officeDocument/2006/relationships" xmlns:p="http://schemas.openxmlformats.org/presentationml/2006/main">
+  <p:cSld>
+    <p:spTree>
+      <p:nvGrpSpPr>
+        <p:cNvPr id="1" name=""/>
+        <p:cNvGrpSpPr/>
+        <p:nvPr/>
+      </p:nvGrpSpPr>
+      <p:grpSpPr>
+        <a:xfrm>
+          <a:off x="0" y="0"/>
+          <a:ext cx="0" cy="0"/>
+          <a:chOff x="0" y="0"/>
+          <a:chExt cx="0" cy="0"/>
+        </a:xfrm>
+      </p:grpSpPr>
+      <p:sp>
+        <p:nvSpPr>
+          <p:cNvPr id="2" name="Título 1">
+            <a:extLst>
+              <a:ext uri="{FF2B5EF4-FFF2-40B4-BE49-F238E27FC236}">
+                <a16:creationId xmlns:a16="http://schemas.microsoft.com/office/drawing/2014/main" id="{2E4EE14D-0891-BFCA-2650-801A853A4C60}"/>
+              </a:ext>
+            </a:extLst>
+          </p:cNvPr>
+          <p:cNvSpPr>
+            <a:spLocks noGrp="1"/>
+          </p:cNvSpPr>
+          <p:nvPr>
+            <p:ph type="title"/>
+          </p:nvPr>
+        </p:nvSpPr>
+        <p:spPr/>
+        <p:txBody>
+          <a:bodyPr/>
+          <a:lstStyle/>
+          <a:p>
+            <a:r>
+              <a:rPr lang="pt-PT" dirty="0"/>
+              <a:t>Manual de Utilizador</a:t>
+            </a:r>
+          </a:p>
+        </p:txBody>
+      </p:sp>
+      <p:sp>
+        <p:nvSpPr>
+          <p:cNvPr id="3" name="Marcador de Posição de Conteúdo 2">
+            <a:extLst>
+              <a:ext uri="{FF2B5EF4-FFF2-40B4-BE49-F238E27FC236}">
+                <a16:creationId xmlns:a16="http://schemas.microsoft.com/office/drawing/2014/main" id="{0712E27F-B3D9-03E4-86BB-4E8DF8714B10}"/>
+              </a:ext>
+            </a:extLst>
+          </p:cNvPr>
+          <p:cNvSpPr>
+            <a:spLocks noGrp="1"/>
+          </p:cNvSpPr>
+          <p:nvPr>
+            <p:ph idx="1"/>
+          </p:nvPr>
+        </p:nvSpPr>
+        <p:spPr>
+          <a:xfrm>
+            <a:off x="3808883" y="933119"/>
+            <a:ext cx="7138038" cy="1050956"/>
+          </a:xfrm>
+        </p:spPr>
+        <p:txBody>
+          <a:bodyPr>
+            <a:normAutofit/>
+          </a:bodyPr>
+          <a:lstStyle/>
+          <a:p>
+            <a:r>
+              <a:rPr lang="pt-PT" sz="1600" dirty="0"/>
+              <a:t>No caso de ser do tipo </a:t>
+            </a:r>
+            <a:r>
+              <a:rPr lang="pt-PT" sz="1600" i="1" dirty="0" err="1"/>
+              <a:t>Admin</a:t>
+            </a:r>
+            <a:r>
+              <a:rPr lang="pt-PT" sz="1600" dirty="0"/>
+              <a:t>, o aspeto será o seguinte:</a:t>
+            </a:r>
+          </a:p>
+        </p:txBody>
+      </p:sp>
+      <p:sp>
+        <p:nvSpPr>
+          <p:cNvPr id="4" name="Marcador de Posição do Rodapé 3">
+            <a:extLst>
+              <a:ext uri="{FF2B5EF4-FFF2-40B4-BE49-F238E27FC236}">
+                <a16:creationId xmlns:a16="http://schemas.microsoft.com/office/drawing/2014/main" id="{5B064309-7A1A-A1C4-1C58-334F05F008C1}"/>
+              </a:ext>
+            </a:extLst>
+          </p:cNvPr>
+          <p:cNvSpPr>
+            <a:spLocks noGrp="1"/>
+          </p:cNvSpPr>
+          <p:nvPr>
+            <p:ph type="ftr" sz="quarter" idx="11"/>
+          </p:nvPr>
+        </p:nvSpPr>
+        <p:spPr/>
+        <p:txBody>
+          <a:bodyPr/>
+          <a:lstStyle/>
+          <a:p>
+            <a:r>
+              <a:rPr lang="pt-BR"/>
+              <a:t>Programação Distribuida - Bruno 2019132612 | Filipa 2018011698 | Tiago 2020122664</a:t>
+            </a:r>
+            <a:endParaRPr lang="en-US"/>
+          </a:p>
+        </p:txBody>
+      </p:sp>
+      <p:sp>
+        <p:nvSpPr>
+          <p:cNvPr id="5" name="Marcador de Posição do Número do Diapositivo 4">
+            <a:extLst>
+              <a:ext uri="{FF2B5EF4-FFF2-40B4-BE49-F238E27FC236}">
+                <a16:creationId xmlns:a16="http://schemas.microsoft.com/office/drawing/2014/main" id="{2E0CF595-2F2A-922D-E050-DE2FC0CBC6FA}"/>
+              </a:ext>
+            </a:extLst>
+          </p:cNvPr>
+          <p:cNvSpPr>
+            <a:spLocks noGrp="1"/>
+          </p:cNvSpPr>
+          <p:nvPr>
+            <p:ph type="sldNum" sz="quarter" idx="12"/>
+          </p:nvPr>
+        </p:nvSpPr>
+        <p:spPr/>
+        <p:txBody>
+          <a:bodyPr/>
+          <a:lstStyle/>
+          <a:p>
+            <a:fld id="{5963BAFC-B953-4DB7-B4E9-09BC70913B53}" type="slidenum">
+              <a:rPr lang="en-US" smtClean="0"/>
+              <a:t>18</a:t>
+            </a:fld>
+            <a:endParaRPr lang="en-US"/>
+          </a:p>
+        </p:txBody>
+      </p:sp>
+      <p:pic>
+        <p:nvPicPr>
+          <p:cNvPr id="7" name="Picture 4" descr="Instituto Superior de Engenharia de Coimbra – Wikipédia, a enciclopédia  livre">
+            <a:extLst>
+              <a:ext uri="{FF2B5EF4-FFF2-40B4-BE49-F238E27FC236}">
+                <a16:creationId xmlns:a16="http://schemas.microsoft.com/office/drawing/2014/main" id="{6CA94F61-E5C2-9CE9-4857-EE3518335F83}"/>
+              </a:ext>
+            </a:extLst>
+          </p:cNvPr>
+          <p:cNvPicPr>
+            <a:picLocks noChangeAspect="1" noChangeArrowheads="1"/>
+          </p:cNvPicPr>
+          <p:nvPr/>
+        </p:nvPicPr>
+        <p:blipFill>
+          <a:blip r:embed="rId2">
+            <a:extLst>
+              <a:ext uri="{28A0092B-C50C-407E-A947-70E740481C1C}">
+                <a14:useLocalDpi xmlns:a14="http://schemas.microsoft.com/office/drawing/2010/main" val="0"/>
+              </a:ext>
+            </a:extLst>
+          </a:blip>
+          <a:srcRect/>
+          <a:stretch>
+            <a:fillRect/>
+          </a:stretch>
+        </p:blipFill>
+        <p:spPr bwMode="auto">
+          <a:xfrm>
+            <a:off x="147639" y="95250"/>
+            <a:ext cx="807830" cy="552450"/>
+          </a:xfrm>
+          <a:prstGeom prst="rect">
+            <a:avLst/>
+          </a:prstGeom>
+          <a:noFill/>
+          <a:extLst>
+            <a:ext uri="{909E8E84-426E-40DD-AFC4-6F175D3DCCD1}">
+              <a14:hiddenFill xmlns:a14="http://schemas.microsoft.com/office/drawing/2010/main">
+                <a:solidFill>
+                  <a:srgbClr val="FFFFFF"/>
+                </a:solidFill>
+              </a14:hiddenFill>
+            </a:ext>
+          </a:extLst>
+        </p:spPr>
+      </p:pic>
+      <p:pic>
+        <p:nvPicPr>
+          <p:cNvPr id="10" name="Picture 9" descr="A screenshot of a computer program&#10;&#10;Description automatically generated">
+            <a:extLst>
+              <a:ext uri="{FF2B5EF4-FFF2-40B4-BE49-F238E27FC236}">
+                <a16:creationId xmlns:a16="http://schemas.microsoft.com/office/drawing/2014/main" id="{211C8FA4-DB7B-CBA6-94F3-682555772CD4}"/>
+              </a:ext>
+            </a:extLst>
+          </p:cNvPr>
+          <p:cNvPicPr>
+            <a:picLocks noChangeAspect="1"/>
+          </p:cNvPicPr>
+          <p:nvPr/>
+        </p:nvPicPr>
+        <p:blipFill rotWithShape="1">
+          <a:blip r:embed="rId3">
+            <a:extLst>
+              <a:ext uri="{28A0092B-C50C-407E-A947-70E740481C1C}">
+                <a14:useLocalDpi xmlns:a14="http://schemas.microsoft.com/office/drawing/2010/main" val="0"/>
+              </a:ext>
+            </a:extLst>
+          </a:blip>
+          <a:srcRect l="1072"/>
+          <a:stretch/>
+        </p:blipFill>
+        <p:spPr>
+          <a:xfrm>
+            <a:off x="5290040" y="1984075"/>
+            <a:ext cx="4175724" cy="3776659"/>
+          </a:xfrm>
+          <a:prstGeom prst="rect">
+            <a:avLst/>
+          </a:prstGeom>
+        </p:spPr>
+      </p:pic>
+    </p:spTree>
+    <p:extLst>
+      <p:ext uri="{BB962C8B-B14F-4D97-AF65-F5344CB8AC3E}">
+        <p14:creationId xmlns:p14="http://schemas.microsoft.com/office/powerpoint/2010/main" val="3578256881"/>
+      </p:ext>
+    </p:extLst>
+  </p:cSld>
+  <p:clrMapOvr>
+    <a:masterClrMapping/>
+  </p:clrMapOvr>
+</p:sld>
+</file>
+
+<file path=ppt/slides/slide19.xml><?xml version="1.0" encoding="utf-8"?>
+<p:sld xmlns:a="http://schemas.openxmlformats.org/drawingml/2006/main" xmlns:r="http://schemas.openxmlformats.org/officeDocument/2006/relationships" xmlns:p="http://schemas.openxmlformats.org/presentationml/2006/main">
+  <p:cSld>
+    <p:spTree>
+      <p:nvGrpSpPr>
+        <p:cNvPr id="1" name=""/>
+        <p:cNvGrpSpPr/>
+        <p:nvPr/>
+      </p:nvGrpSpPr>
+      <p:grpSpPr>
+        <a:xfrm>
+          <a:off x="0" y="0"/>
+          <a:ext cx="0" cy="0"/>
+          <a:chOff x="0" y="0"/>
+          <a:chExt cx="0" cy="0"/>
+        </a:xfrm>
+      </p:grpSpPr>
+      <p:sp>
+        <p:nvSpPr>
+          <p:cNvPr id="2" name="Título 1">
+            <a:extLst>
+              <a:ext uri="{FF2B5EF4-FFF2-40B4-BE49-F238E27FC236}">
+                <a16:creationId xmlns:a16="http://schemas.microsoft.com/office/drawing/2014/main" id="{2E4EE14D-0891-BFCA-2650-801A853A4C60}"/>
+              </a:ext>
+            </a:extLst>
+          </p:cNvPr>
+          <p:cNvSpPr>
+            <a:spLocks noGrp="1"/>
+          </p:cNvSpPr>
+          <p:nvPr>
+            <p:ph type="title"/>
+          </p:nvPr>
+        </p:nvSpPr>
+        <p:spPr/>
+        <p:txBody>
+          <a:bodyPr/>
+          <a:lstStyle/>
+          <a:p>
+            <a:r>
+              <a:rPr lang="pt-PT" dirty="0"/>
+              <a:t>Manual de Utilizador</a:t>
+            </a:r>
+          </a:p>
+        </p:txBody>
+      </p:sp>
+      <p:sp>
+        <p:nvSpPr>
+          <p:cNvPr id="3" name="Marcador de Posição de Conteúdo 2">
+            <a:extLst>
+              <a:ext uri="{FF2B5EF4-FFF2-40B4-BE49-F238E27FC236}">
+                <a16:creationId xmlns:a16="http://schemas.microsoft.com/office/drawing/2014/main" id="{0712E27F-B3D9-03E4-86BB-4E8DF8714B10}"/>
+              </a:ext>
+            </a:extLst>
+          </p:cNvPr>
+          <p:cNvSpPr>
+            <a:spLocks noGrp="1"/>
+          </p:cNvSpPr>
+          <p:nvPr>
+            <p:ph idx="1"/>
+          </p:nvPr>
+        </p:nvSpPr>
+        <p:spPr>
+          <a:xfrm>
+            <a:off x="3808883" y="647700"/>
+            <a:ext cx="7138038" cy="5708650"/>
+          </a:xfrm>
+        </p:spPr>
+        <p:txBody>
+          <a:bodyPr>
+            <a:normAutofit/>
+          </a:bodyPr>
+          <a:lstStyle/>
+          <a:p>
+            <a:r>
+              <a:rPr lang="pt-PT" sz="1600" dirty="0"/>
+              <a:t>No caso de ser um </a:t>
+            </a:r>
+            <a:r>
+              <a:rPr lang="pt-PT" sz="1600" i="1" dirty="0" err="1"/>
+              <a:t>Admin</a:t>
+            </a:r>
+            <a:r>
+              <a:rPr lang="pt-PT" sz="1600" dirty="0"/>
+              <a:t>, o utilizador poderá:</a:t>
+            </a:r>
+          </a:p>
+          <a:p>
+            <a:pPr lvl="1"/>
+            <a:r>
+              <a:rPr lang="pt-PT" sz="1400" dirty="0"/>
+              <a:t>1 - Criar Evento – tem que cumprir com os seguintes requisitos: Nome do Evento, Localização, Data, Hora de Inicio e de Fim.</a:t>
+            </a:r>
+          </a:p>
+          <a:p>
+            <a:pPr lvl="1"/>
+            <a:r>
+              <a:rPr lang="pt-PT" sz="1400" dirty="0"/>
+              <a:t>2 – Editar Evento – será inicialmente pedido o ID de evento a editar e, de seguida, será listado quais os campos possíveis a editar de um evento que ainda não tenha participantes.</a:t>
+            </a:r>
+          </a:p>
+          <a:p>
+            <a:pPr lvl="1"/>
+            <a:endParaRPr lang="pt-PT" sz="1400" dirty="0"/>
+          </a:p>
+          <a:p>
+            <a:pPr lvl="1"/>
+            <a:endParaRPr lang="pt-PT" sz="1400" dirty="0"/>
+          </a:p>
+          <a:p>
+            <a:pPr marL="502920" lvl="1" indent="0">
+              <a:buNone/>
+            </a:pPr>
+            <a:endParaRPr lang="pt-PT" sz="1400" dirty="0"/>
+          </a:p>
+          <a:p>
+            <a:pPr marL="502920" lvl="1" indent="0">
+              <a:buNone/>
+            </a:pPr>
+            <a:endParaRPr lang="pt-PT" sz="1400" dirty="0"/>
+          </a:p>
+          <a:p>
+            <a:pPr marL="502920" lvl="1" indent="0">
+              <a:buNone/>
+            </a:pPr>
+            <a:endParaRPr lang="pt-PT" sz="1400" dirty="0"/>
+          </a:p>
+          <a:p>
+            <a:pPr lvl="1"/>
+            <a:r>
+              <a:rPr lang="pt-PT" sz="1400" dirty="0"/>
+              <a:t>3 – Apagar Evento – apenas será pedido o ID do evento a apagar.</a:t>
+            </a:r>
+          </a:p>
+          <a:p>
+            <a:pPr lvl="1"/>
+            <a:r>
+              <a:rPr lang="pt-PT" sz="1400" dirty="0"/>
+              <a:t>4 – Verificar Evento – através de um dos seguintes filtros: nome do evento, dia do evento ou um intervalo de dias, apresenta os eventos existentes.</a:t>
+            </a:r>
+          </a:p>
+          <a:p>
+            <a:pPr lvl="1"/>
+            <a:endParaRPr lang="pt-PT" sz="1400" dirty="0"/>
+          </a:p>
+          <a:p>
+            <a:pPr lvl="1"/>
+            <a:endParaRPr lang="pt-PT" sz="1400" dirty="0"/>
+          </a:p>
+          <a:p>
+            <a:pPr lvl="1"/>
+            <a:endParaRPr lang="pt-PT" sz="1400" dirty="0"/>
+          </a:p>
+          <a:p>
+            <a:pPr lvl="1"/>
+            <a:endParaRPr lang="pt-PT" sz="1400" dirty="0"/>
+          </a:p>
+          <a:p>
+            <a:pPr lvl="1"/>
+            <a:endParaRPr lang="pt-PT" sz="1400" dirty="0"/>
+          </a:p>
+          <a:p>
+            <a:pPr marL="502920" lvl="1" indent="0">
+              <a:buNone/>
+            </a:pPr>
+            <a:endParaRPr lang="pt-PT" sz="1400" dirty="0"/>
+          </a:p>
+          <a:p>
+            <a:pPr lvl="1"/>
+            <a:r>
+              <a:rPr lang="pt-PT" sz="1400" dirty="0"/>
+              <a:t>5 – Gerar Código de Evento - será pedido o ID do evento a gerar código.</a:t>
+            </a:r>
+          </a:p>
+        </p:txBody>
+      </p:sp>
+      <p:sp>
+        <p:nvSpPr>
+          <p:cNvPr id="4" name="Marcador de Posição do Rodapé 3">
+            <a:extLst>
+              <a:ext uri="{FF2B5EF4-FFF2-40B4-BE49-F238E27FC236}">
+                <a16:creationId xmlns:a16="http://schemas.microsoft.com/office/drawing/2014/main" id="{5B064309-7A1A-A1C4-1C58-334F05F008C1}"/>
+              </a:ext>
+            </a:extLst>
+          </p:cNvPr>
+          <p:cNvSpPr>
+            <a:spLocks noGrp="1"/>
+          </p:cNvSpPr>
+          <p:nvPr>
+            <p:ph type="ftr" sz="quarter" idx="11"/>
+          </p:nvPr>
+        </p:nvSpPr>
+        <p:spPr/>
+        <p:txBody>
+          <a:bodyPr/>
+          <a:lstStyle/>
+          <a:p>
+            <a:r>
+              <a:rPr lang="pt-BR"/>
+              <a:t>Programação Distribuida - Bruno 2019132612 | Filipa 2018011698 | Tiago 2020122664</a:t>
+            </a:r>
+            <a:endParaRPr lang="en-US"/>
+          </a:p>
+        </p:txBody>
+      </p:sp>
+      <p:sp>
+        <p:nvSpPr>
+          <p:cNvPr id="5" name="Marcador de Posição do Número do Diapositivo 4">
+            <a:extLst>
+              <a:ext uri="{FF2B5EF4-FFF2-40B4-BE49-F238E27FC236}">
+                <a16:creationId xmlns:a16="http://schemas.microsoft.com/office/drawing/2014/main" id="{2E0CF595-2F2A-922D-E050-DE2FC0CBC6FA}"/>
+              </a:ext>
+            </a:extLst>
+          </p:cNvPr>
+          <p:cNvSpPr>
+            <a:spLocks noGrp="1"/>
+          </p:cNvSpPr>
+          <p:nvPr>
+            <p:ph type="sldNum" sz="quarter" idx="12"/>
+          </p:nvPr>
+        </p:nvSpPr>
+        <p:spPr/>
+        <p:txBody>
+          <a:bodyPr/>
+          <a:lstStyle/>
+          <a:p>
+            <a:fld id="{5963BAFC-B953-4DB7-B4E9-09BC70913B53}" type="slidenum">
+              <a:rPr lang="en-US" smtClean="0"/>
+              <a:t>19</a:t>
+            </a:fld>
+            <a:endParaRPr lang="en-US"/>
+          </a:p>
+        </p:txBody>
+      </p:sp>
+      <p:pic>
+        <p:nvPicPr>
+          <p:cNvPr id="7" name="Picture 4" descr="Instituto Superior de Engenharia de Coimbra – Wikipédia, a enciclopédia  livre">
+            <a:extLst>
+              <a:ext uri="{FF2B5EF4-FFF2-40B4-BE49-F238E27FC236}">
+                <a16:creationId xmlns:a16="http://schemas.microsoft.com/office/drawing/2014/main" id="{6CA94F61-E5C2-9CE9-4857-EE3518335F83}"/>
+              </a:ext>
+            </a:extLst>
+          </p:cNvPr>
+          <p:cNvPicPr>
+            <a:picLocks noChangeAspect="1" noChangeArrowheads="1"/>
+          </p:cNvPicPr>
+          <p:nvPr/>
+        </p:nvPicPr>
+        <p:blipFill>
+          <a:blip r:embed="rId2">
+            <a:extLst>
+              <a:ext uri="{28A0092B-C50C-407E-A947-70E740481C1C}">
+                <a14:useLocalDpi xmlns:a14="http://schemas.microsoft.com/office/drawing/2010/main" val="0"/>
+              </a:ext>
+            </a:extLst>
+          </a:blip>
+          <a:srcRect/>
+          <a:stretch>
+            <a:fillRect/>
+          </a:stretch>
+        </p:blipFill>
+        <p:spPr bwMode="auto">
+          <a:xfrm>
+            <a:off x="147639" y="95250"/>
+            <a:ext cx="807830" cy="552450"/>
+          </a:xfrm>
+          <a:prstGeom prst="rect">
+            <a:avLst/>
+          </a:prstGeom>
+          <a:noFill/>
+          <a:extLst>
+            <a:ext uri="{909E8E84-426E-40DD-AFC4-6F175D3DCCD1}">
+              <a14:hiddenFill xmlns:a14="http://schemas.microsoft.com/office/drawing/2010/main">
+                <a:solidFill>
+                  <a:srgbClr val="FFFFFF"/>
+                </a:solidFill>
+              </a14:hiddenFill>
+            </a:ext>
+          </a:extLst>
+        </p:spPr>
+      </p:pic>
+      <p:pic>
+        <p:nvPicPr>
+          <p:cNvPr id="8" name="Picture 7" descr="A screenshot of a computer&#10;&#10;Description automatically generated">
+            <a:extLst>
+              <a:ext uri="{FF2B5EF4-FFF2-40B4-BE49-F238E27FC236}">
+                <a16:creationId xmlns:a16="http://schemas.microsoft.com/office/drawing/2014/main" id="{1009BAC6-B505-2D33-E2CE-9104B1D24430}"/>
+              </a:ext>
+            </a:extLst>
+          </p:cNvPr>
+          <p:cNvPicPr>
+            <a:picLocks noChangeAspect="1"/>
+          </p:cNvPicPr>
+          <p:nvPr/>
+        </p:nvPicPr>
+        <p:blipFill rotWithShape="1">
+          <a:blip r:embed="rId3">
+            <a:extLst>
+              <a:ext uri="{28A0092B-C50C-407E-A947-70E740481C1C}">
+                <a14:useLocalDpi xmlns:a14="http://schemas.microsoft.com/office/drawing/2010/main" val="0"/>
+              </a:ext>
+            </a:extLst>
+          </a:blip>
+          <a:srcRect l="1754" t="4471" r="-1"/>
+          <a:stretch/>
+        </p:blipFill>
+        <p:spPr>
+          <a:xfrm>
+            <a:off x="4775415" y="2377440"/>
+            <a:ext cx="2012249" cy="906076"/>
+          </a:xfrm>
+          <a:prstGeom prst="rect">
+            <a:avLst/>
+          </a:prstGeom>
+        </p:spPr>
+      </p:pic>
+      <p:pic>
+        <p:nvPicPr>
+          <p:cNvPr id="11" name="Picture 10" descr="A screenshot of a computer&#10;&#10;Description automatically generated">
+            <a:extLst>
+              <a:ext uri="{FF2B5EF4-FFF2-40B4-BE49-F238E27FC236}">
+                <a16:creationId xmlns:a16="http://schemas.microsoft.com/office/drawing/2014/main" id="{9553A67A-011C-B06D-936E-A11A3ABA08D8}"/>
+              </a:ext>
+            </a:extLst>
+          </p:cNvPr>
+          <p:cNvPicPr>
+            <a:picLocks noChangeAspect="1"/>
+          </p:cNvPicPr>
+          <p:nvPr/>
+        </p:nvPicPr>
+        <p:blipFill rotWithShape="1">
+          <a:blip r:embed="rId4">
+            <a:extLst>
+              <a:ext uri="{28A0092B-C50C-407E-A947-70E740481C1C}">
+                <a14:useLocalDpi xmlns:a14="http://schemas.microsoft.com/office/drawing/2010/main" val="0"/>
+              </a:ext>
+            </a:extLst>
+          </a:blip>
+          <a:srcRect l="2000" t="4114"/>
+          <a:stretch/>
+        </p:blipFill>
+        <p:spPr>
+          <a:xfrm>
+            <a:off x="4775415" y="4382952"/>
+            <a:ext cx="2012249" cy="1107833"/>
+          </a:xfrm>
+          <a:prstGeom prst="rect">
+            <a:avLst/>
+          </a:prstGeom>
+        </p:spPr>
+      </p:pic>
+      <p:pic>
+        <p:nvPicPr>
+          <p:cNvPr id="15" name="Picture 14" descr="A screenshot of a computer program&#10;&#10;Description automatically generated">
+            <a:extLst>
+              <a:ext uri="{FF2B5EF4-FFF2-40B4-BE49-F238E27FC236}">
+                <a16:creationId xmlns:a16="http://schemas.microsoft.com/office/drawing/2014/main" id="{2CC65F80-DDD3-6F58-7DBA-DB147C11F170}"/>
+              </a:ext>
+            </a:extLst>
+          </p:cNvPr>
+          <p:cNvPicPr>
+            <a:picLocks noChangeAspect="1"/>
+          </p:cNvPicPr>
+          <p:nvPr/>
+        </p:nvPicPr>
+        <p:blipFill rotWithShape="1">
+          <a:blip r:embed="rId5">
+            <a:extLst>
+              <a:ext uri="{28A0092B-C50C-407E-A947-70E740481C1C}">
+                <a14:useLocalDpi xmlns:a14="http://schemas.microsoft.com/office/drawing/2010/main" val="0"/>
+              </a:ext>
+            </a:extLst>
+          </a:blip>
+          <a:srcRect l="1330" t="4182"/>
+          <a:stretch/>
+        </p:blipFill>
+        <p:spPr>
+          <a:xfrm>
+            <a:off x="8085532" y="2056625"/>
+            <a:ext cx="1918003" cy="1399807"/>
+          </a:xfrm>
+          <a:prstGeom prst="rect">
+            <a:avLst/>
+          </a:prstGeom>
+        </p:spPr>
+      </p:pic>
+      <p:pic>
+        <p:nvPicPr>
+          <p:cNvPr id="17" name="Picture 16">
+            <a:extLst>
+              <a:ext uri="{FF2B5EF4-FFF2-40B4-BE49-F238E27FC236}">
+                <a16:creationId xmlns:a16="http://schemas.microsoft.com/office/drawing/2014/main" id="{3F37F4B0-5839-0009-8848-CE6A9B5EE041}"/>
+              </a:ext>
+            </a:extLst>
+          </p:cNvPr>
+          <p:cNvPicPr>
+            <a:picLocks noChangeAspect="1"/>
+          </p:cNvPicPr>
+          <p:nvPr/>
+        </p:nvPicPr>
+        <p:blipFill>
+          <a:blip r:embed="rId6">
+            <a:extLst>
+              <a:ext uri="{28A0092B-C50C-407E-A947-70E740481C1C}">
+                <a14:useLocalDpi xmlns:a14="http://schemas.microsoft.com/office/drawing/2010/main" val="0"/>
+              </a:ext>
+            </a:extLst>
+          </a:blip>
+          <a:stretch>
+            <a:fillRect/>
+          </a:stretch>
+        </p:blipFill>
+        <p:spPr>
+          <a:xfrm>
+            <a:off x="4451169" y="5621868"/>
+            <a:ext cx="5853466" cy="167861"/>
+          </a:xfrm>
+          <a:prstGeom prst="rect">
+            <a:avLst/>
+          </a:prstGeom>
+        </p:spPr>
+      </p:pic>
+    </p:spTree>
+    <p:extLst>
+      <p:ext uri="{BB962C8B-B14F-4D97-AF65-F5344CB8AC3E}">
+        <p14:creationId xmlns:p14="http://schemas.microsoft.com/office/powerpoint/2010/main" val="2378333386"/>
+      </p:ext>
+    </p:extLst>
+  </p:cSld>
+  <p:clrMapOvr>
+    <a:masterClrMapping/>
+  </p:clrMapOvr>
+</p:sld>
+</file>
+
 <file path=ppt/slides/slide2.xml><?xml version="1.0" encoding="utf-8"?>
 <p:sld xmlns:a="http://schemas.openxmlformats.org/drawingml/2006/main" xmlns:r="http://schemas.openxmlformats.org/officeDocument/2006/relationships" xmlns:p="http://schemas.openxmlformats.org/presentationml/2006/main">
   <p:cSld>
@@ -4013,8 +7876,47 @@
           <a:lstStyle/>
           <a:p>
             <a:r>
+              <a:rPr lang="pt-PT" dirty="0" err="1"/>
+              <a:t>User</a:t>
+            </a:r>
+            <a:r>
               <a:rPr lang="pt-PT" dirty="0"/>
-              <a:t>Servidor Principal : Clientes e </a:t>
+              <a:t> ; </a:t>
+            </a:r>
+            <a:r>
+              <a:rPr lang="pt-PT" dirty="0" err="1"/>
+              <a:t>Event</a:t>
+            </a:r>
+            <a:endParaRPr lang="pt-PT" dirty="0"/>
+          </a:p>
+          <a:p>
+            <a:r>
+              <a:rPr lang="pt-PT" dirty="0" err="1"/>
+              <a:t>Observer</a:t>
+            </a:r>
+            <a:r>
+              <a:rPr lang="pt-PT" dirty="0"/>
+              <a:t> (Servidor Backup)</a:t>
+            </a:r>
+          </a:p>
+          <a:p>
+            <a:r>
+              <a:rPr lang="pt-PT" sz="2000" dirty="0"/>
+              <a:t>Servidor Principal </a:t>
+            </a:r>
+            <a:r>
+              <a:rPr lang="pt-PT" dirty="0"/>
+              <a:t>&lt;</a:t>
+            </a:r>
+            <a:r>
+              <a:rPr lang="pt-PT" sz="2000" dirty="0"/>
+              <a:t>–&gt; Cliente </a:t>
+            </a:r>
+          </a:p>
+          <a:p>
+            <a:r>
+              <a:rPr lang="pt-PT" dirty="0"/>
+              <a:t>Servidor Principal &lt;–&gt; </a:t>
             </a:r>
             <a:r>
               <a:rPr lang="pt-PT" dirty="0" err="1"/>
@@ -4025,11 +7927,17 @@
           <a:p>
             <a:r>
               <a:rPr lang="pt-PT" sz="2000" dirty="0"/>
-              <a:t>Servidor principal – Servidor Backup : </a:t>
+              <a:t>Cliente &lt;–&gt; Servidor Principal</a:t>
+            </a:r>
+          </a:p>
+          <a:p>
+            <a:r>
+              <a:rPr lang="pt-PT" sz="2000" dirty="0"/>
+              <a:t>Servidor Principal &lt;–&gt; Servidor Backup : </a:t>
             </a:r>
             <a:r>
               <a:rPr lang="pt-PT" sz="2000" dirty="0" err="1"/>
-              <a:t>Multicast</a:t>
+              <a:t>MultiCast</a:t>
             </a:r>
             <a:r>
               <a:rPr lang="en-US" dirty="0"/>
@@ -4043,7 +7951,7 @@
             </a:r>
             <a:r>
               <a:rPr lang="en-US" dirty="0"/>
-              <a:t> principal – </a:t>
+              <a:t> Principal &lt;–&gt; </a:t>
             </a:r>
             <a:r>
               <a:rPr lang="en-US" dirty="0" err="1"/>
@@ -4067,7 +7975,7 @@
           <a:p>
             <a:r>
               <a:rPr lang="pt-PT" noProof="1"/>
-              <a:t>Heartbeats</a:t>
+              <a:t>HeartBeats</a:t>
             </a:r>
           </a:p>
           <a:p>
@@ -4114,8 +8022,8 @@
           <a:lstStyle/>
           <a:p>
             <a:r>
-              <a:rPr lang="pt-BR"/>
-              <a:t>Programação Distribuida - Bruno 20... | Filipa 2018011698 | Tiago 20...</a:t>
+              <a:rPr lang="pt-BR" dirty="0"/>
+              <a:t>Programação Distribuida - Bruno 2019132612 | Filipa 2018011698 | Tiago 2020122664</a:t>
             </a:r>
             <a:endParaRPr lang="en-US" dirty="0"/>
           </a:p>
@@ -4152,10 +8060,10 @@
       </p:sp>
       <p:pic>
         <p:nvPicPr>
-          <p:cNvPr id="6" name="Picture 2" descr="Diário As Beiras – Instituto de Engenharia de Coimbra e Altice desenvolvem  projetos de investigação">
-            <a:extLst>
-              <a:ext uri="{FF2B5EF4-FFF2-40B4-BE49-F238E27FC236}">
-                <a16:creationId xmlns:a16="http://schemas.microsoft.com/office/drawing/2014/main" id="{44F9A915-8CA6-CBE8-63A2-09BB2ECDF46C}"/>
+          <p:cNvPr id="7" name="Picture 4" descr="Instituto Superior de Engenharia de Coimbra – Wikipédia, a enciclopédia  livre">
+            <a:extLst>
+              <a:ext uri="{FF2B5EF4-FFF2-40B4-BE49-F238E27FC236}">
+                <a16:creationId xmlns:a16="http://schemas.microsoft.com/office/drawing/2014/main" id="{FE5A1549-FCF4-86D8-DA6A-0DC63DECBAB3}"/>
               </a:ext>
             </a:extLst>
           </p:cNvPr>
@@ -4179,8 +8087,8 @@
         </p:blipFill>
         <p:spPr bwMode="auto">
           <a:xfrm>
-            <a:off x="70307" y="0"/>
-            <a:ext cx="1568970" cy="821094"/>
+            <a:off x="147639" y="95250"/>
+            <a:ext cx="807830" cy="552450"/>
           </a:xfrm>
           <a:prstGeom prst="rect">
             <a:avLst/>
@@ -4210,6 +8118,1121 @@
 </p:sld>
 </file>
 
+<file path=ppt/slides/slide20.xml><?xml version="1.0" encoding="utf-8"?>
+<p:sld xmlns:a="http://schemas.openxmlformats.org/drawingml/2006/main" xmlns:r="http://schemas.openxmlformats.org/officeDocument/2006/relationships" xmlns:p="http://schemas.openxmlformats.org/presentationml/2006/main">
+  <p:cSld>
+    <p:spTree>
+      <p:nvGrpSpPr>
+        <p:cNvPr id="1" name=""/>
+        <p:cNvGrpSpPr/>
+        <p:nvPr/>
+      </p:nvGrpSpPr>
+      <p:grpSpPr>
+        <a:xfrm>
+          <a:off x="0" y="0"/>
+          <a:ext cx="0" cy="0"/>
+          <a:chOff x="0" y="0"/>
+          <a:chExt cx="0" cy="0"/>
+        </a:xfrm>
+      </p:grpSpPr>
+      <p:sp>
+        <p:nvSpPr>
+          <p:cNvPr id="2" name="Título 1">
+            <a:extLst>
+              <a:ext uri="{FF2B5EF4-FFF2-40B4-BE49-F238E27FC236}">
+                <a16:creationId xmlns:a16="http://schemas.microsoft.com/office/drawing/2014/main" id="{2E4EE14D-0891-BFCA-2650-801A853A4C60}"/>
+              </a:ext>
+            </a:extLst>
+          </p:cNvPr>
+          <p:cNvSpPr>
+            <a:spLocks noGrp="1"/>
+          </p:cNvSpPr>
+          <p:nvPr>
+            <p:ph type="title"/>
+          </p:nvPr>
+        </p:nvSpPr>
+        <p:spPr/>
+        <p:txBody>
+          <a:bodyPr/>
+          <a:lstStyle/>
+          <a:p>
+            <a:r>
+              <a:rPr lang="pt-PT" dirty="0"/>
+              <a:t>Manual de Utilizador</a:t>
+            </a:r>
+          </a:p>
+        </p:txBody>
+      </p:sp>
+      <p:sp>
+        <p:nvSpPr>
+          <p:cNvPr id="4" name="Marcador de Posição do Rodapé 3">
+            <a:extLst>
+              <a:ext uri="{FF2B5EF4-FFF2-40B4-BE49-F238E27FC236}">
+                <a16:creationId xmlns:a16="http://schemas.microsoft.com/office/drawing/2014/main" id="{5B064309-7A1A-A1C4-1C58-334F05F008C1}"/>
+              </a:ext>
+            </a:extLst>
+          </p:cNvPr>
+          <p:cNvSpPr>
+            <a:spLocks noGrp="1"/>
+          </p:cNvSpPr>
+          <p:nvPr>
+            <p:ph type="ftr" sz="quarter" idx="11"/>
+          </p:nvPr>
+        </p:nvSpPr>
+        <p:spPr/>
+        <p:txBody>
+          <a:bodyPr/>
+          <a:lstStyle/>
+          <a:p>
+            <a:r>
+              <a:rPr lang="pt-BR"/>
+              <a:t>Programação Distribuida - Bruno 2019132612 | Filipa 2018011698 | Tiago 2020122664</a:t>
+            </a:r>
+            <a:endParaRPr lang="en-US"/>
+          </a:p>
+        </p:txBody>
+      </p:sp>
+      <p:sp>
+        <p:nvSpPr>
+          <p:cNvPr id="5" name="Marcador de Posição do Número do Diapositivo 4">
+            <a:extLst>
+              <a:ext uri="{FF2B5EF4-FFF2-40B4-BE49-F238E27FC236}">
+                <a16:creationId xmlns:a16="http://schemas.microsoft.com/office/drawing/2014/main" id="{2E0CF595-2F2A-922D-E050-DE2FC0CBC6FA}"/>
+              </a:ext>
+            </a:extLst>
+          </p:cNvPr>
+          <p:cNvSpPr>
+            <a:spLocks noGrp="1"/>
+          </p:cNvSpPr>
+          <p:nvPr>
+            <p:ph type="sldNum" sz="quarter" idx="12"/>
+          </p:nvPr>
+        </p:nvSpPr>
+        <p:spPr/>
+        <p:txBody>
+          <a:bodyPr/>
+          <a:lstStyle/>
+          <a:p>
+            <a:fld id="{5963BAFC-B953-4DB7-B4E9-09BC70913B53}" type="slidenum">
+              <a:rPr lang="en-US" smtClean="0"/>
+              <a:t>20</a:t>
+            </a:fld>
+            <a:endParaRPr lang="en-US"/>
+          </a:p>
+        </p:txBody>
+      </p:sp>
+      <p:pic>
+        <p:nvPicPr>
+          <p:cNvPr id="7" name="Picture 4" descr="Instituto Superior de Engenharia de Coimbra – Wikipédia, a enciclopédia  livre">
+            <a:extLst>
+              <a:ext uri="{FF2B5EF4-FFF2-40B4-BE49-F238E27FC236}">
+                <a16:creationId xmlns:a16="http://schemas.microsoft.com/office/drawing/2014/main" id="{6CA94F61-E5C2-9CE9-4857-EE3518335F83}"/>
+              </a:ext>
+            </a:extLst>
+          </p:cNvPr>
+          <p:cNvPicPr>
+            <a:picLocks noChangeAspect="1" noChangeArrowheads="1"/>
+          </p:cNvPicPr>
+          <p:nvPr/>
+        </p:nvPicPr>
+        <p:blipFill>
+          <a:blip r:embed="rId2">
+            <a:extLst>
+              <a:ext uri="{28A0092B-C50C-407E-A947-70E740481C1C}">
+                <a14:useLocalDpi xmlns:a14="http://schemas.microsoft.com/office/drawing/2010/main" val="0"/>
+              </a:ext>
+            </a:extLst>
+          </a:blip>
+          <a:srcRect/>
+          <a:stretch>
+            <a:fillRect/>
+          </a:stretch>
+        </p:blipFill>
+        <p:spPr bwMode="auto">
+          <a:xfrm>
+            <a:off x="147639" y="95250"/>
+            <a:ext cx="807830" cy="552450"/>
+          </a:xfrm>
+          <a:prstGeom prst="rect">
+            <a:avLst/>
+          </a:prstGeom>
+          <a:noFill/>
+          <a:extLst>
+            <a:ext uri="{909E8E84-426E-40DD-AFC4-6F175D3DCCD1}">
+              <a14:hiddenFill xmlns:a14="http://schemas.microsoft.com/office/drawing/2010/main">
+                <a:solidFill>
+                  <a:srgbClr val="FFFFFF"/>
+                </a:solidFill>
+              </a14:hiddenFill>
+            </a:ext>
+          </a:extLst>
+        </p:spPr>
+      </p:pic>
+      <p:sp>
+        <p:nvSpPr>
+          <p:cNvPr id="9" name="Marcador de Posição de Conteúdo 2">
+            <a:extLst>
+              <a:ext uri="{FF2B5EF4-FFF2-40B4-BE49-F238E27FC236}">
+                <a16:creationId xmlns:a16="http://schemas.microsoft.com/office/drawing/2014/main" id="{55D557FA-74DF-7E6B-CEBA-8A6077AABFA5}"/>
+              </a:ext>
+            </a:extLst>
+          </p:cNvPr>
+          <p:cNvSpPr>
+            <a:spLocks noGrp="1"/>
+          </p:cNvSpPr>
+          <p:nvPr>
+            <p:ph idx="1"/>
+          </p:nvPr>
+        </p:nvSpPr>
+        <p:spPr>
+          <a:xfrm>
+            <a:off x="3808883" y="647700"/>
+            <a:ext cx="7138038" cy="5433060"/>
+          </a:xfrm>
+        </p:spPr>
+        <p:txBody>
+          <a:bodyPr>
+            <a:normAutofit/>
+          </a:bodyPr>
+          <a:lstStyle/>
+          <a:p>
+            <a:pPr lvl="1"/>
+            <a:r>
+              <a:rPr lang="pt-PT" sz="1400" dirty="0"/>
+              <a:t>6 – Verificar Participantes – será inicialmente pedido o ID de evento a verificar e é devolvido uma lista dos participantes do respetivo evento.</a:t>
+            </a:r>
+          </a:p>
+          <a:p>
+            <a:pPr lvl="1"/>
+            <a:endParaRPr lang="pt-PT" sz="1400" dirty="0"/>
+          </a:p>
+          <a:p>
+            <a:pPr marL="502920" lvl="1" indent="0">
+              <a:buNone/>
+            </a:pPr>
+            <a:endParaRPr lang="pt-PT" sz="1400" dirty="0"/>
+          </a:p>
+          <a:p>
+            <a:pPr lvl="1"/>
+            <a:r>
+              <a:rPr lang="pt-PT" sz="1400" dirty="0"/>
+              <a:t>7 – Gerar CSV dos Participantes</a:t>
+            </a:r>
+          </a:p>
+          <a:p>
+            <a:pPr lvl="1"/>
+            <a:r>
+              <a:rPr lang="pt-PT" sz="1400" dirty="0"/>
+              <a:t>8 – Verificar Eventos p/ Participante – será inicialmente pedido o e-mail do utilizador e é devolvido uma lista dos eventos que o utilizador participou.</a:t>
+            </a:r>
+          </a:p>
+          <a:p>
+            <a:pPr lvl="1"/>
+            <a:endParaRPr lang="pt-PT" sz="1400" dirty="0"/>
+          </a:p>
+          <a:p>
+            <a:pPr marL="502920" lvl="1" indent="0">
+              <a:buNone/>
+            </a:pPr>
+            <a:endParaRPr lang="pt-PT" sz="1400" dirty="0"/>
+          </a:p>
+          <a:p>
+            <a:pPr lvl="1"/>
+            <a:r>
+              <a:rPr lang="pt-PT" sz="1400" dirty="0"/>
+              <a:t>9 – Gerar CSV dos Eventos p/ Participante</a:t>
+            </a:r>
+          </a:p>
+          <a:p>
+            <a:pPr lvl="1"/>
+            <a:r>
+              <a:rPr lang="pt-PT" sz="1400" dirty="0"/>
+              <a:t>10 – Remover participação de um Evento - será inicialmente pedido o ID de evento a remover participação e em seguida o e-mail do utilizador a remover. </a:t>
+            </a:r>
+          </a:p>
+          <a:p>
+            <a:pPr lvl="1"/>
+            <a:r>
+              <a:rPr lang="pt-PT" sz="1400" dirty="0"/>
+              <a:t>11 – Adicionar participação a um Evento – será inicialmente pedido o ID de evento a adicionar participação e em seguida o e-mail do utilizador a adicionar. </a:t>
+            </a:r>
+          </a:p>
+          <a:p>
+            <a:pPr lvl="1"/>
+            <a:endParaRPr lang="pt-PT" sz="1400" dirty="0"/>
+          </a:p>
+          <a:p>
+            <a:pPr marL="502920" lvl="1" indent="0">
+              <a:buNone/>
+            </a:pPr>
+            <a:endParaRPr lang="pt-PT" sz="1400" dirty="0"/>
+          </a:p>
+          <a:p>
+            <a:pPr marL="502920" lvl="1" indent="0">
+              <a:buNone/>
+            </a:pPr>
+            <a:endParaRPr lang="pt-PT" sz="1400" dirty="0"/>
+          </a:p>
+          <a:p>
+            <a:pPr lvl="1"/>
+            <a:r>
+              <a:rPr lang="pt-PT" sz="1400" dirty="0"/>
+              <a:t>12 – </a:t>
+            </a:r>
+            <a:r>
+              <a:rPr lang="pt-PT" sz="1400" dirty="0" err="1"/>
+              <a:t>Logout</a:t>
+            </a:r>
+            <a:r>
+              <a:rPr lang="pt-PT" sz="1400" dirty="0"/>
+              <a:t> – termina sessão do utilizador </a:t>
+            </a:r>
+            <a:r>
+              <a:rPr lang="pt-PT" sz="1400" i="1" dirty="0" err="1"/>
+              <a:t>Admin</a:t>
+            </a:r>
+            <a:r>
+              <a:rPr lang="pt-PT" sz="1400" dirty="0"/>
+              <a:t>, voltando ao Painel de Login Inicial.</a:t>
+            </a:r>
+          </a:p>
+        </p:txBody>
+      </p:sp>
+      <p:pic>
+        <p:nvPicPr>
+          <p:cNvPr id="12" name="Picture 11" descr="A black background with white text&#10;&#10;Description automatically generated">
+            <a:extLst>
+              <a:ext uri="{FF2B5EF4-FFF2-40B4-BE49-F238E27FC236}">
+                <a16:creationId xmlns:a16="http://schemas.microsoft.com/office/drawing/2014/main" id="{73DA3BC3-047C-65D7-C590-9B7E33E8A31E}"/>
+              </a:ext>
+            </a:extLst>
+          </p:cNvPr>
+          <p:cNvPicPr>
+            <a:picLocks noChangeAspect="1"/>
+          </p:cNvPicPr>
+          <p:nvPr/>
+        </p:nvPicPr>
+        <p:blipFill>
+          <a:blip r:embed="rId3">
+            <a:extLst>
+              <a:ext uri="{28A0092B-C50C-407E-A947-70E740481C1C}">
+                <a14:useLocalDpi xmlns:a14="http://schemas.microsoft.com/office/drawing/2010/main" val="0"/>
+              </a:ext>
+            </a:extLst>
+          </a:blip>
+          <a:stretch>
+            <a:fillRect/>
+          </a:stretch>
+        </p:blipFill>
+        <p:spPr>
+          <a:xfrm>
+            <a:off x="4614591" y="1643836"/>
+            <a:ext cx="4420870" cy="411786"/>
+          </a:xfrm>
+          <a:prstGeom prst="rect">
+            <a:avLst/>
+          </a:prstGeom>
+        </p:spPr>
+      </p:pic>
+      <p:pic>
+        <p:nvPicPr>
+          <p:cNvPr id="14" name="Picture 13">
+            <a:extLst>
+              <a:ext uri="{FF2B5EF4-FFF2-40B4-BE49-F238E27FC236}">
+                <a16:creationId xmlns:a16="http://schemas.microsoft.com/office/drawing/2014/main" id="{126089F4-E97C-D585-E1D6-89424D200AF1}"/>
+              </a:ext>
+            </a:extLst>
+          </p:cNvPr>
+          <p:cNvPicPr>
+            <a:picLocks noChangeAspect="1"/>
+          </p:cNvPicPr>
+          <p:nvPr/>
+        </p:nvPicPr>
+        <p:blipFill>
+          <a:blip r:embed="rId4">
+            <a:extLst>
+              <a:ext uri="{28A0092B-C50C-407E-A947-70E740481C1C}">
+                <a14:useLocalDpi xmlns:a14="http://schemas.microsoft.com/office/drawing/2010/main" val="0"/>
+              </a:ext>
+            </a:extLst>
+          </a:blip>
+          <a:stretch>
+            <a:fillRect/>
+          </a:stretch>
+        </p:blipFill>
+        <p:spPr>
+          <a:xfrm>
+            <a:off x="4620411" y="2961426"/>
+            <a:ext cx="5212080" cy="238212"/>
+          </a:xfrm>
+          <a:prstGeom prst="rect">
+            <a:avLst/>
+          </a:prstGeom>
+        </p:spPr>
+      </p:pic>
+      <p:pic>
+        <p:nvPicPr>
+          <p:cNvPr id="16" name="Picture 15" descr="A screenshot of a computer error&#10;&#10;Description automatically generated">
+            <a:extLst>
+              <a:ext uri="{FF2B5EF4-FFF2-40B4-BE49-F238E27FC236}">
+                <a16:creationId xmlns:a16="http://schemas.microsoft.com/office/drawing/2014/main" id="{F747C013-D53E-34E8-3AA8-1C470B2C7E03}"/>
+              </a:ext>
+            </a:extLst>
+          </p:cNvPr>
+          <p:cNvPicPr>
+            <a:picLocks noChangeAspect="1"/>
+          </p:cNvPicPr>
+          <p:nvPr/>
+        </p:nvPicPr>
+        <p:blipFill rotWithShape="1">
+          <a:blip r:embed="rId5">
+            <a:extLst>
+              <a:ext uri="{28A0092B-C50C-407E-A947-70E740481C1C}">
+                <a14:useLocalDpi xmlns:a14="http://schemas.microsoft.com/office/drawing/2010/main" val="0"/>
+              </a:ext>
+            </a:extLst>
+          </a:blip>
+          <a:srcRect l="4018" t="4182"/>
+          <a:stretch/>
+        </p:blipFill>
+        <p:spPr>
+          <a:xfrm>
+            <a:off x="4614591" y="4602990"/>
+            <a:ext cx="1315753" cy="675172"/>
+          </a:xfrm>
+          <a:prstGeom prst="rect">
+            <a:avLst/>
+          </a:prstGeom>
+        </p:spPr>
+      </p:pic>
+    </p:spTree>
+    <p:extLst>
+      <p:ext uri="{BB962C8B-B14F-4D97-AF65-F5344CB8AC3E}">
+        <p14:creationId xmlns:p14="http://schemas.microsoft.com/office/powerpoint/2010/main" val="296605154"/>
+      </p:ext>
+    </p:extLst>
+  </p:cSld>
+  <p:clrMapOvr>
+    <a:masterClrMapping/>
+  </p:clrMapOvr>
+</p:sld>
+</file>
+
+<file path=ppt/slides/slide21.xml><?xml version="1.0" encoding="utf-8"?>
+<p:sld xmlns:a="http://schemas.openxmlformats.org/drawingml/2006/main" xmlns:r="http://schemas.openxmlformats.org/officeDocument/2006/relationships" xmlns:p="http://schemas.openxmlformats.org/presentationml/2006/main">
+  <p:cSld>
+    <p:spTree>
+      <p:nvGrpSpPr>
+        <p:cNvPr id="1" name=""/>
+        <p:cNvGrpSpPr/>
+        <p:nvPr/>
+      </p:nvGrpSpPr>
+      <p:grpSpPr>
+        <a:xfrm>
+          <a:off x="0" y="0"/>
+          <a:ext cx="0" cy="0"/>
+          <a:chOff x="0" y="0"/>
+          <a:chExt cx="0" cy="0"/>
+        </a:xfrm>
+      </p:grpSpPr>
+      <p:sp>
+        <p:nvSpPr>
+          <p:cNvPr id="2" name="Título 1">
+            <a:extLst>
+              <a:ext uri="{FF2B5EF4-FFF2-40B4-BE49-F238E27FC236}">
+                <a16:creationId xmlns:a16="http://schemas.microsoft.com/office/drawing/2014/main" id="{2E4EE14D-0891-BFCA-2650-801A853A4C60}"/>
+              </a:ext>
+            </a:extLst>
+          </p:cNvPr>
+          <p:cNvSpPr>
+            <a:spLocks noGrp="1"/>
+          </p:cNvSpPr>
+          <p:nvPr>
+            <p:ph type="title"/>
+          </p:nvPr>
+        </p:nvSpPr>
+        <p:spPr/>
+        <p:txBody>
+          <a:bodyPr>
+            <a:normAutofit/>
+          </a:bodyPr>
+          <a:lstStyle/>
+          <a:p>
+            <a:r>
+              <a:rPr lang="pt-PT" sz="3200" dirty="0"/>
+              <a:t>Vistas</a:t>
+            </a:r>
+            <a:br>
+              <a:rPr lang="pt-PT" sz="3200" dirty="0"/>
+            </a:br>
+            <a:r>
+              <a:rPr lang="pt-PT" sz="3200" dirty="0"/>
+              <a:t>Não</a:t>
+            </a:r>
+            <a:br>
+              <a:rPr lang="pt-PT" sz="3200" dirty="0"/>
+            </a:br>
+            <a:r>
+              <a:rPr lang="pt-PT" sz="3200" dirty="0"/>
+              <a:t>Implementadas</a:t>
+            </a:r>
+          </a:p>
+        </p:txBody>
+      </p:sp>
+      <p:sp>
+        <p:nvSpPr>
+          <p:cNvPr id="4" name="Marcador de Posição do Rodapé 3">
+            <a:extLst>
+              <a:ext uri="{FF2B5EF4-FFF2-40B4-BE49-F238E27FC236}">
+                <a16:creationId xmlns:a16="http://schemas.microsoft.com/office/drawing/2014/main" id="{5B064309-7A1A-A1C4-1C58-334F05F008C1}"/>
+              </a:ext>
+            </a:extLst>
+          </p:cNvPr>
+          <p:cNvSpPr>
+            <a:spLocks noGrp="1"/>
+          </p:cNvSpPr>
+          <p:nvPr>
+            <p:ph type="ftr" sz="quarter" idx="11"/>
+          </p:nvPr>
+        </p:nvSpPr>
+        <p:spPr/>
+        <p:txBody>
+          <a:bodyPr/>
+          <a:lstStyle/>
+          <a:p>
+            <a:r>
+              <a:rPr lang="pt-BR"/>
+              <a:t>Programação Distribuida - Bruno 2019132612 | Filipa 2018011698 | Tiago 2020122664</a:t>
+            </a:r>
+            <a:endParaRPr lang="en-US"/>
+          </a:p>
+        </p:txBody>
+      </p:sp>
+      <p:sp>
+        <p:nvSpPr>
+          <p:cNvPr id="5" name="Marcador de Posição do Número do Diapositivo 4">
+            <a:extLst>
+              <a:ext uri="{FF2B5EF4-FFF2-40B4-BE49-F238E27FC236}">
+                <a16:creationId xmlns:a16="http://schemas.microsoft.com/office/drawing/2014/main" id="{2E0CF595-2F2A-922D-E050-DE2FC0CBC6FA}"/>
+              </a:ext>
+            </a:extLst>
+          </p:cNvPr>
+          <p:cNvSpPr>
+            <a:spLocks noGrp="1"/>
+          </p:cNvSpPr>
+          <p:nvPr>
+            <p:ph type="sldNum" sz="quarter" idx="12"/>
+          </p:nvPr>
+        </p:nvSpPr>
+        <p:spPr/>
+        <p:txBody>
+          <a:bodyPr/>
+          <a:lstStyle/>
+          <a:p>
+            <a:fld id="{5963BAFC-B953-4DB7-B4E9-09BC70913B53}" type="slidenum">
+              <a:rPr lang="en-US" smtClean="0"/>
+              <a:t>21</a:t>
+            </a:fld>
+            <a:endParaRPr lang="en-US"/>
+          </a:p>
+        </p:txBody>
+      </p:sp>
+      <p:pic>
+        <p:nvPicPr>
+          <p:cNvPr id="7" name="Picture 4" descr="Instituto Superior de Engenharia de Coimbra – Wikipédia, a enciclopédia  livre">
+            <a:extLst>
+              <a:ext uri="{FF2B5EF4-FFF2-40B4-BE49-F238E27FC236}">
+                <a16:creationId xmlns:a16="http://schemas.microsoft.com/office/drawing/2014/main" id="{6CA94F61-E5C2-9CE9-4857-EE3518335F83}"/>
+              </a:ext>
+            </a:extLst>
+          </p:cNvPr>
+          <p:cNvPicPr>
+            <a:picLocks noChangeAspect="1" noChangeArrowheads="1"/>
+          </p:cNvPicPr>
+          <p:nvPr/>
+        </p:nvPicPr>
+        <p:blipFill>
+          <a:blip r:embed="rId2">
+            <a:extLst>
+              <a:ext uri="{28A0092B-C50C-407E-A947-70E740481C1C}">
+                <a14:useLocalDpi xmlns:a14="http://schemas.microsoft.com/office/drawing/2010/main" val="0"/>
+              </a:ext>
+            </a:extLst>
+          </a:blip>
+          <a:srcRect/>
+          <a:stretch>
+            <a:fillRect/>
+          </a:stretch>
+        </p:blipFill>
+        <p:spPr bwMode="auto">
+          <a:xfrm>
+            <a:off x="147639" y="95250"/>
+            <a:ext cx="807830" cy="552450"/>
+          </a:xfrm>
+          <a:prstGeom prst="rect">
+            <a:avLst/>
+          </a:prstGeom>
+          <a:noFill/>
+          <a:extLst>
+            <a:ext uri="{909E8E84-426E-40DD-AFC4-6F175D3DCCD1}">
+              <a14:hiddenFill xmlns:a14="http://schemas.microsoft.com/office/drawing/2010/main">
+                <a:solidFill>
+                  <a:srgbClr val="FFFFFF"/>
+                </a:solidFill>
+              </a14:hiddenFill>
+            </a:ext>
+          </a:extLst>
+        </p:spPr>
+      </p:pic>
+      <p:pic>
+        <p:nvPicPr>
+          <p:cNvPr id="10" name="Picture 9" descr="A screenshot of a login and sign up form&#10;&#10;Description automatically generated">
+            <a:extLst>
+              <a:ext uri="{FF2B5EF4-FFF2-40B4-BE49-F238E27FC236}">
+                <a16:creationId xmlns:a16="http://schemas.microsoft.com/office/drawing/2014/main" id="{B256E14B-0E67-6D0F-81A8-9E89F96C1DCE}"/>
+              </a:ext>
+            </a:extLst>
+          </p:cNvPr>
+          <p:cNvPicPr>
+            <a:picLocks noChangeAspect="1"/>
+          </p:cNvPicPr>
+          <p:nvPr/>
+        </p:nvPicPr>
+        <p:blipFill rotWithShape="1">
+          <a:blip r:embed="rId3">
+            <a:extLst>
+              <a:ext uri="{28A0092B-C50C-407E-A947-70E740481C1C}">
+                <a14:useLocalDpi xmlns:a14="http://schemas.microsoft.com/office/drawing/2010/main" val="0"/>
+              </a:ext>
+            </a:extLst>
+          </a:blip>
+          <a:srcRect l="2977" t="7056" r="2868" b="6474"/>
+          <a:stretch/>
+        </p:blipFill>
+        <p:spPr>
+          <a:xfrm>
+            <a:off x="4374447" y="647702"/>
+            <a:ext cx="1896313" cy="1261621"/>
+          </a:xfrm>
+          <a:prstGeom prst="rect">
+            <a:avLst/>
+          </a:prstGeom>
+        </p:spPr>
+      </p:pic>
+      <p:pic>
+        <p:nvPicPr>
+          <p:cNvPr id="13" name="Picture 12" descr="A screenshot of a login form&#10;&#10;Description automatically generated">
+            <a:extLst>
+              <a:ext uri="{FF2B5EF4-FFF2-40B4-BE49-F238E27FC236}">
+                <a16:creationId xmlns:a16="http://schemas.microsoft.com/office/drawing/2014/main" id="{971F5932-C96A-754F-98F7-8FED2D0C0251}"/>
+              </a:ext>
+            </a:extLst>
+          </p:cNvPr>
+          <p:cNvPicPr>
+            <a:picLocks noChangeAspect="1"/>
+          </p:cNvPicPr>
+          <p:nvPr/>
+        </p:nvPicPr>
+        <p:blipFill rotWithShape="1">
+          <a:blip r:embed="rId4">
+            <a:extLst>
+              <a:ext uri="{28A0092B-C50C-407E-A947-70E740481C1C}">
+                <a14:useLocalDpi xmlns:a14="http://schemas.microsoft.com/office/drawing/2010/main" val="0"/>
+              </a:ext>
+            </a:extLst>
+          </a:blip>
+          <a:srcRect l="3919" t="5538" r="4288" b="2810"/>
+          <a:stretch/>
+        </p:blipFill>
+        <p:spPr>
+          <a:xfrm>
+            <a:off x="6472196" y="647701"/>
+            <a:ext cx="1875207" cy="1261621"/>
+          </a:xfrm>
+          <a:prstGeom prst="rect">
+            <a:avLst/>
+          </a:prstGeom>
+        </p:spPr>
+      </p:pic>
+      <p:pic>
+        <p:nvPicPr>
+          <p:cNvPr id="17" name="Picture 16" descr="A screenshot of a computer&#10;&#10;Description automatically generated">
+            <a:extLst>
+              <a:ext uri="{FF2B5EF4-FFF2-40B4-BE49-F238E27FC236}">
+                <a16:creationId xmlns:a16="http://schemas.microsoft.com/office/drawing/2014/main" id="{C2320466-6AA8-A0BB-C944-B4DF581131CD}"/>
+              </a:ext>
+            </a:extLst>
+          </p:cNvPr>
+          <p:cNvPicPr>
+            <a:picLocks noChangeAspect="1"/>
+          </p:cNvPicPr>
+          <p:nvPr/>
+        </p:nvPicPr>
+        <p:blipFill rotWithShape="1">
+          <a:blip r:embed="rId5">
+            <a:extLst>
+              <a:ext uri="{28A0092B-C50C-407E-A947-70E740481C1C}">
+                <a14:useLocalDpi xmlns:a14="http://schemas.microsoft.com/office/drawing/2010/main" val="0"/>
+              </a:ext>
+            </a:extLst>
+          </a:blip>
+          <a:srcRect l="1877" t="4596" r="2500" b="6932"/>
+          <a:stretch/>
+        </p:blipFill>
+        <p:spPr>
+          <a:xfrm>
+            <a:off x="8548839" y="647700"/>
+            <a:ext cx="1920027" cy="1261621"/>
+          </a:xfrm>
+          <a:prstGeom prst="rect">
+            <a:avLst/>
+          </a:prstGeom>
+        </p:spPr>
+      </p:pic>
+      <p:pic>
+        <p:nvPicPr>
+          <p:cNvPr id="19" name="Picture 18" descr="A screenshot of a computer&#10;&#10;Description automatically generated">
+            <a:extLst>
+              <a:ext uri="{FF2B5EF4-FFF2-40B4-BE49-F238E27FC236}">
+                <a16:creationId xmlns:a16="http://schemas.microsoft.com/office/drawing/2014/main" id="{F541A060-A33B-1B5D-DCE2-2AB6764A4672}"/>
+              </a:ext>
+            </a:extLst>
+          </p:cNvPr>
+          <p:cNvPicPr>
+            <a:picLocks noChangeAspect="1"/>
+          </p:cNvPicPr>
+          <p:nvPr/>
+        </p:nvPicPr>
+        <p:blipFill rotWithShape="1">
+          <a:blip r:embed="rId6">
+            <a:extLst>
+              <a:ext uri="{28A0092B-C50C-407E-A947-70E740481C1C}">
+                <a14:useLocalDpi xmlns:a14="http://schemas.microsoft.com/office/drawing/2010/main" val="0"/>
+              </a:ext>
+            </a:extLst>
+          </a:blip>
+          <a:srcRect l="2043" t="4453" r="2609" b="5609"/>
+          <a:stretch/>
+        </p:blipFill>
+        <p:spPr>
+          <a:xfrm>
+            <a:off x="4374447" y="2046933"/>
+            <a:ext cx="1887016" cy="1261621"/>
+          </a:xfrm>
+          <a:prstGeom prst="rect">
+            <a:avLst/>
+          </a:prstGeom>
+        </p:spPr>
+      </p:pic>
+      <p:pic>
+        <p:nvPicPr>
+          <p:cNvPr id="21" name="Picture 20" descr="A screenshot of a computer&#10;&#10;Description automatically generated">
+            <a:extLst>
+              <a:ext uri="{FF2B5EF4-FFF2-40B4-BE49-F238E27FC236}">
+                <a16:creationId xmlns:a16="http://schemas.microsoft.com/office/drawing/2014/main" id="{6EC8E611-B647-610F-BC6C-F1F497223234}"/>
+              </a:ext>
+            </a:extLst>
+          </p:cNvPr>
+          <p:cNvPicPr>
+            <a:picLocks noChangeAspect="1"/>
+          </p:cNvPicPr>
+          <p:nvPr/>
+        </p:nvPicPr>
+        <p:blipFill rotWithShape="1">
+          <a:blip r:embed="rId7">
+            <a:extLst>
+              <a:ext uri="{28A0092B-C50C-407E-A947-70E740481C1C}">
+                <a14:useLocalDpi xmlns:a14="http://schemas.microsoft.com/office/drawing/2010/main" val="0"/>
+              </a:ext>
+            </a:extLst>
+          </a:blip>
+          <a:srcRect l="2727" t="2015" r="1530" b="6520"/>
+          <a:stretch/>
+        </p:blipFill>
+        <p:spPr>
+          <a:xfrm>
+            <a:off x="6472196" y="2026084"/>
+            <a:ext cx="1920027" cy="1282470"/>
+          </a:xfrm>
+          <a:prstGeom prst="rect">
+            <a:avLst/>
+          </a:prstGeom>
+        </p:spPr>
+      </p:pic>
+      <p:pic>
+        <p:nvPicPr>
+          <p:cNvPr id="23" name="Picture 22" descr="A screenshot of a computer&#10;&#10;Description automatically generated">
+            <a:extLst>
+              <a:ext uri="{FF2B5EF4-FFF2-40B4-BE49-F238E27FC236}">
+                <a16:creationId xmlns:a16="http://schemas.microsoft.com/office/drawing/2014/main" id="{A0B60D41-8916-A77D-9B9A-AEB0FEDD33DA}"/>
+              </a:ext>
+            </a:extLst>
+          </p:cNvPr>
+          <p:cNvPicPr>
+            <a:picLocks noChangeAspect="1"/>
+          </p:cNvPicPr>
+          <p:nvPr/>
+        </p:nvPicPr>
+        <p:blipFill rotWithShape="1">
+          <a:blip r:embed="rId8">
+            <a:extLst>
+              <a:ext uri="{28A0092B-C50C-407E-A947-70E740481C1C}">
+                <a14:useLocalDpi xmlns:a14="http://schemas.microsoft.com/office/drawing/2010/main" val="0"/>
+              </a:ext>
+            </a:extLst>
+          </a:blip>
+          <a:srcRect l="1742" t="2342" r="2417" b="5423"/>
+          <a:stretch/>
+        </p:blipFill>
+        <p:spPr>
+          <a:xfrm>
+            <a:off x="8548839" y="2026085"/>
+            <a:ext cx="1920027" cy="1305000"/>
+          </a:xfrm>
+          <a:prstGeom prst="rect">
+            <a:avLst/>
+          </a:prstGeom>
+        </p:spPr>
+      </p:pic>
+      <p:pic>
+        <p:nvPicPr>
+          <p:cNvPr id="25" name="Picture 24" descr="A screenshot of a computer&#10;&#10;Description automatically generated">
+            <a:extLst>
+              <a:ext uri="{FF2B5EF4-FFF2-40B4-BE49-F238E27FC236}">
+                <a16:creationId xmlns:a16="http://schemas.microsoft.com/office/drawing/2014/main" id="{CC414385-0D5D-2D4A-66E9-00FD25124B33}"/>
+              </a:ext>
+            </a:extLst>
+          </p:cNvPr>
+          <p:cNvPicPr>
+            <a:picLocks noChangeAspect="1"/>
+          </p:cNvPicPr>
+          <p:nvPr/>
+        </p:nvPicPr>
+        <p:blipFill rotWithShape="1">
+          <a:blip r:embed="rId9">
+            <a:extLst>
+              <a:ext uri="{28A0092B-C50C-407E-A947-70E740481C1C}">
+                <a14:useLocalDpi xmlns:a14="http://schemas.microsoft.com/office/drawing/2010/main" val="0"/>
+              </a:ext>
+            </a:extLst>
+          </a:blip>
+          <a:srcRect l="1307" t="2333" r="2265" b="2285"/>
+          <a:stretch/>
+        </p:blipFill>
+        <p:spPr>
+          <a:xfrm>
+            <a:off x="4374446" y="3436893"/>
+            <a:ext cx="1896313" cy="1269787"/>
+          </a:xfrm>
+          <a:prstGeom prst="rect">
+            <a:avLst/>
+          </a:prstGeom>
+        </p:spPr>
+      </p:pic>
+      <p:pic>
+        <p:nvPicPr>
+          <p:cNvPr id="27" name="Picture 26" descr="A screenshot of a computer&#10;&#10;Description automatically generated">
+            <a:extLst>
+              <a:ext uri="{FF2B5EF4-FFF2-40B4-BE49-F238E27FC236}">
+                <a16:creationId xmlns:a16="http://schemas.microsoft.com/office/drawing/2014/main" id="{AD7B2029-3A6B-8925-55E9-4823F0271D41}"/>
+              </a:ext>
+            </a:extLst>
+          </p:cNvPr>
+          <p:cNvPicPr>
+            <a:picLocks noChangeAspect="1"/>
+          </p:cNvPicPr>
+          <p:nvPr/>
+        </p:nvPicPr>
+        <p:blipFill rotWithShape="1">
+          <a:blip r:embed="rId10">
+            <a:extLst>
+              <a:ext uri="{28A0092B-C50C-407E-A947-70E740481C1C}">
+                <a14:useLocalDpi xmlns:a14="http://schemas.microsoft.com/office/drawing/2010/main" val="0"/>
+              </a:ext>
+            </a:extLst>
+          </a:blip>
+          <a:srcRect l="4687" t="9389" r="3384" b="6098"/>
+          <a:stretch/>
+        </p:blipFill>
+        <p:spPr>
+          <a:xfrm>
+            <a:off x="6472197" y="3436893"/>
+            <a:ext cx="1930416" cy="1282470"/>
+          </a:xfrm>
+          <a:prstGeom prst="rect">
+            <a:avLst/>
+          </a:prstGeom>
+        </p:spPr>
+      </p:pic>
+      <p:pic>
+        <p:nvPicPr>
+          <p:cNvPr id="31" name="Picture 30" descr="A screenshot of a computer&#10;&#10;Description automatically generated">
+            <a:extLst>
+              <a:ext uri="{FF2B5EF4-FFF2-40B4-BE49-F238E27FC236}">
+                <a16:creationId xmlns:a16="http://schemas.microsoft.com/office/drawing/2014/main" id="{D2F9E89D-F331-7D7E-8517-9C58C4F1C36E}"/>
+              </a:ext>
+            </a:extLst>
+          </p:cNvPr>
+          <p:cNvPicPr>
+            <a:picLocks noChangeAspect="1"/>
+          </p:cNvPicPr>
+          <p:nvPr/>
+        </p:nvPicPr>
+        <p:blipFill rotWithShape="1">
+          <a:blip r:embed="rId11">
+            <a:extLst>
+              <a:ext uri="{28A0092B-C50C-407E-A947-70E740481C1C}">
+                <a14:useLocalDpi xmlns:a14="http://schemas.microsoft.com/office/drawing/2010/main" val="0"/>
+              </a:ext>
+            </a:extLst>
+          </a:blip>
+          <a:srcRect l="3401" t="6394" r="4807" b="6059"/>
+          <a:stretch/>
+        </p:blipFill>
+        <p:spPr>
+          <a:xfrm>
+            <a:off x="8548839" y="3430678"/>
+            <a:ext cx="1925139" cy="1282470"/>
+          </a:xfrm>
+          <a:prstGeom prst="rect">
+            <a:avLst/>
+          </a:prstGeom>
+        </p:spPr>
+      </p:pic>
+      <p:pic>
+        <p:nvPicPr>
+          <p:cNvPr id="33" name="Picture 32" descr="A screenshot of a computer screen&#10;&#10;Description automatically generated">
+            <a:extLst>
+              <a:ext uri="{FF2B5EF4-FFF2-40B4-BE49-F238E27FC236}">
+                <a16:creationId xmlns:a16="http://schemas.microsoft.com/office/drawing/2014/main" id="{32CDEFF0-1B23-E8C4-192A-17C27849258D}"/>
+              </a:ext>
+            </a:extLst>
+          </p:cNvPr>
+          <p:cNvPicPr>
+            <a:picLocks noChangeAspect="1"/>
+          </p:cNvPicPr>
+          <p:nvPr/>
+        </p:nvPicPr>
+        <p:blipFill rotWithShape="1">
+          <a:blip r:embed="rId12">
+            <a:extLst>
+              <a:ext uri="{28A0092B-C50C-407E-A947-70E740481C1C}">
+                <a14:useLocalDpi xmlns:a14="http://schemas.microsoft.com/office/drawing/2010/main" val="0"/>
+              </a:ext>
+            </a:extLst>
+          </a:blip>
+          <a:srcRect l="2195" t="4401" r="2458" b="6882"/>
+          <a:stretch/>
+        </p:blipFill>
+        <p:spPr>
+          <a:xfrm>
+            <a:off x="6467084" y="4847702"/>
+            <a:ext cx="1930249" cy="1269788"/>
+          </a:xfrm>
+          <a:prstGeom prst="rect">
+            <a:avLst/>
+          </a:prstGeom>
+        </p:spPr>
+      </p:pic>
+    </p:spTree>
+    <p:extLst>
+      <p:ext uri="{BB962C8B-B14F-4D97-AF65-F5344CB8AC3E}">
+        <p14:creationId xmlns:p14="http://schemas.microsoft.com/office/powerpoint/2010/main" val="4267464630"/>
+      </p:ext>
+    </p:extLst>
+  </p:cSld>
+  <p:clrMapOvr>
+    <a:masterClrMapping/>
+  </p:clrMapOvr>
+</p:sld>
+</file>
+
+<file path=ppt/slides/slide22.xml><?xml version="1.0" encoding="utf-8"?>
+<p:sld xmlns:a="http://schemas.openxmlformats.org/drawingml/2006/main" xmlns:r="http://schemas.openxmlformats.org/officeDocument/2006/relationships" xmlns:p="http://schemas.openxmlformats.org/presentationml/2006/main">
+  <p:cSld>
+    <p:bg>
+      <p:bgPr>
+        <a:solidFill>
+          <a:schemeClr val="bg1"/>
+        </a:solidFill>
+        <a:effectLst/>
+      </p:bgPr>
+    </p:bg>
+    <p:spTree>
+      <p:nvGrpSpPr>
+        <p:cNvPr id="1" name=""/>
+        <p:cNvGrpSpPr/>
+        <p:nvPr/>
+      </p:nvGrpSpPr>
+      <p:grpSpPr>
+        <a:xfrm>
+          <a:off x="0" y="0"/>
+          <a:ext cx="0" cy="0"/>
+          <a:chOff x="0" y="0"/>
+          <a:chExt cx="0" cy="0"/>
+        </a:xfrm>
+      </p:grpSpPr>
+      <p:pic>
+        <p:nvPicPr>
+          <p:cNvPr id="3074" name="Picture 2" descr="The End! - One Smile, One Life">
+            <a:extLst>
+              <a:ext uri="{FF2B5EF4-FFF2-40B4-BE49-F238E27FC236}">
+                <a16:creationId xmlns:a16="http://schemas.microsoft.com/office/drawing/2014/main" id="{F884A5AB-86D5-936C-8E45-A4896565326B}"/>
+              </a:ext>
+            </a:extLst>
+          </p:cNvPr>
+          <p:cNvPicPr>
+            <a:picLocks noGrp="1" noChangeAspect="1" noChangeArrowheads="1"/>
+          </p:cNvPicPr>
+          <p:nvPr>
+            <p:ph idx="1"/>
+          </p:nvPr>
+        </p:nvPicPr>
+        <p:blipFill rotWithShape="1">
+          <a:blip r:embed="rId2">
+            <a:extLst>
+              <a:ext uri="{28A0092B-C50C-407E-A947-70E740481C1C}">
+                <a14:useLocalDpi xmlns:a14="http://schemas.microsoft.com/office/drawing/2010/main" val="0"/>
+              </a:ext>
+            </a:extLst>
+          </a:blip>
+          <a:srcRect/>
+          <a:stretch/>
+        </p:blipFill>
+        <p:spPr bwMode="auto">
+          <a:xfrm>
+            <a:off x="20" y="10"/>
+            <a:ext cx="12191980" cy="6857990"/>
+          </a:xfrm>
+          <a:prstGeom prst="rect">
+            <a:avLst/>
+          </a:prstGeom>
+          <a:noFill/>
+          <a:extLst>
+            <a:ext uri="{909E8E84-426E-40DD-AFC4-6F175D3DCCD1}">
+              <a14:hiddenFill xmlns:a14="http://schemas.microsoft.com/office/drawing/2010/main">
+                <a:solidFill>
+                  <a:srgbClr val="FFFFFF"/>
+                </a:solidFill>
+              </a14:hiddenFill>
+            </a:ext>
+          </a:extLst>
+        </p:spPr>
+      </p:pic>
+      <p:sp>
+        <p:nvSpPr>
+          <p:cNvPr id="4" name="Marcador de Posição do Rodapé 3">
+            <a:extLst>
+              <a:ext uri="{FF2B5EF4-FFF2-40B4-BE49-F238E27FC236}">
+                <a16:creationId xmlns:a16="http://schemas.microsoft.com/office/drawing/2014/main" id="{99FFC7DE-918C-35ED-33B7-AD5F340549DF}"/>
+              </a:ext>
+            </a:extLst>
+          </p:cNvPr>
+          <p:cNvSpPr>
+            <a:spLocks noGrp="1"/>
+          </p:cNvSpPr>
+          <p:nvPr>
+            <p:ph type="ftr" sz="quarter" idx="11"/>
+          </p:nvPr>
+        </p:nvSpPr>
+        <p:spPr>
+          <a:xfrm>
+            <a:off x="3869268" y="6356350"/>
+            <a:ext cx="5911517" cy="365125"/>
+          </a:xfrm>
+        </p:spPr>
+        <p:txBody>
+          <a:bodyPr vert="horz" lIns="91440" tIns="45720" rIns="91440" bIns="45720" rtlCol="0" anchor="ctr">
+            <a:normAutofit/>
+          </a:bodyPr>
+          <a:lstStyle/>
+          <a:p>
+            <a:pPr>
+              <a:spcAft>
+                <a:spcPts val="600"/>
+              </a:spcAft>
+            </a:pPr>
+            <a:r>
+              <a:rPr lang="en-US" kern="1200">
+                <a:solidFill>
+                  <a:srgbClr val="FFFFFF"/>
+                </a:solidFill>
+                <a:latin typeface="+mn-lt"/>
+                <a:ea typeface="+mn-ea"/>
+                <a:cs typeface="+mn-cs"/>
+              </a:rPr>
+              <a:t>Programação Distribuida - Bruno 2019132612 | Filipa 2018011698 | Tiago 2020122664</a:t>
+            </a:r>
+          </a:p>
+        </p:txBody>
+      </p:sp>
+      <p:sp>
+        <p:nvSpPr>
+          <p:cNvPr id="5" name="Marcador de Posição do Número do Diapositivo 4">
+            <a:extLst>
+              <a:ext uri="{FF2B5EF4-FFF2-40B4-BE49-F238E27FC236}">
+                <a16:creationId xmlns:a16="http://schemas.microsoft.com/office/drawing/2014/main" id="{8A0012D6-2068-056E-A72E-9D6FB977A463}"/>
+              </a:ext>
+            </a:extLst>
+          </p:cNvPr>
+          <p:cNvSpPr>
+            <a:spLocks noGrp="1"/>
+          </p:cNvSpPr>
+          <p:nvPr>
+            <p:ph type="sldNum" sz="quarter" idx="12"/>
+          </p:nvPr>
+        </p:nvSpPr>
+        <p:spPr>
+          <a:xfrm>
+            <a:off x="10634135" y="6356350"/>
+            <a:ext cx="1530927" cy="365125"/>
+          </a:xfrm>
+        </p:spPr>
+        <p:txBody>
+          <a:bodyPr vert="horz" lIns="91440" tIns="45720" rIns="91440" bIns="45720" rtlCol="0" anchor="ctr">
+            <a:normAutofit/>
+          </a:bodyPr>
+          <a:lstStyle/>
+          <a:p>
+            <a:pPr>
+              <a:spcAft>
+                <a:spcPts val="600"/>
+              </a:spcAft>
+            </a:pPr>
+            <a:fld id="{5963BAFC-B953-4DB7-B4E9-09BC70913B53}" type="slidenum">
+              <a:rPr lang="en-US">
+                <a:solidFill>
+                  <a:srgbClr val="FFFFFF"/>
+                </a:solidFill>
+              </a:rPr>
+              <a:pPr>
+                <a:spcAft>
+                  <a:spcPts val="600"/>
+                </a:spcAft>
+              </a:pPr>
+              <a:t>22</a:t>
+            </a:fld>
+            <a:endParaRPr lang="en-US">
+              <a:solidFill>
+                <a:srgbClr val="FFFFFF"/>
+              </a:solidFill>
+            </a:endParaRPr>
+          </a:p>
+        </p:txBody>
+      </p:sp>
+    </p:spTree>
+    <p:extLst>
+      <p:ext uri="{BB962C8B-B14F-4D97-AF65-F5344CB8AC3E}">
+        <p14:creationId xmlns:p14="http://schemas.microsoft.com/office/powerpoint/2010/main" val="867091442"/>
+      </p:ext>
+    </p:extLst>
+  </p:cSld>
+  <p:clrMapOvr>
+    <a:masterClrMapping/>
+  </p:clrMapOvr>
+</p:sld>
+</file>
+
 <file path=ppt/slides/slide3.xml><?xml version="1.0" encoding="utf-8"?>
 <p:sld xmlns:a="http://schemas.openxmlformats.org/drawingml/2006/main" xmlns:r="http://schemas.openxmlformats.org/officeDocument/2006/relationships" xmlns:p="http://schemas.openxmlformats.org/presentationml/2006/main">
   <p:cSld>
@@ -4232,6 +9255,484 @@
           <p:cNvPr id="2" name="Título 1">
             <a:extLst>
               <a:ext uri="{FF2B5EF4-FFF2-40B4-BE49-F238E27FC236}">
+                <a16:creationId xmlns:a16="http://schemas.microsoft.com/office/drawing/2014/main" id="{CB948FFA-DA7A-CD28-8D97-9BC5F5844ACA}"/>
+              </a:ext>
+            </a:extLst>
+          </p:cNvPr>
+          <p:cNvSpPr>
+            <a:spLocks noGrp="1"/>
+          </p:cNvSpPr>
+          <p:nvPr>
+            <p:ph type="title"/>
+          </p:nvPr>
+        </p:nvSpPr>
+        <p:spPr/>
+        <p:txBody>
+          <a:bodyPr/>
+          <a:lstStyle/>
+          <a:p>
+            <a:r>
+              <a:rPr lang="pt-PT" dirty="0" err="1"/>
+              <a:t>User</a:t>
+            </a:r>
+            <a:br>
+              <a:rPr lang="pt-PT" dirty="0"/>
+            </a:br>
+            <a:r>
+              <a:rPr lang="pt-PT" dirty="0" err="1"/>
+              <a:t>Event</a:t>
+            </a:r>
+            <a:endParaRPr lang="pt-PT" dirty="0"/>
+          </a:p>
+        </p:txBody>
+      </p:sp>
+      <p:sp>
+        <p:nvSpPr>
+          <p:cNvPr id="3" name="Marcador de Posição de Conteúdo 2">
+            <a:extLst>
+              <a:ext uri="{FF2B5EF4-FFF2-40B4-BE49-F238E27FC236}">
+                <a16:creationId xmlns:a16="http://schemas.microsoft.com/office/drawing/2014/main" id="{FC5C7F5B-DBA5-E6D6-B0FD-085771B64BF7}"/>
+              </a:ext>
+            </a:extLst>
+          </p:cNvPr>
+          <p:cNvSpPr>
+            <a:spLocks noGrp="1"/>
+          </p:cNvSpPr>
+          <p:nvPr>
+            <p:ph idx="1"/>
+          </p:nvPr>
+        </p:nvSpPr>
+        <p:spPr/>
+        <p:txBody>
+          <a:bodyPr/>
+          <a:lstStyle/>
+          <a:p>
+            <a:pPr algn="just"/>
+            <a:r>
+              <a:rPr lang="pt-PT" dirty="0"/>
+              <a:t>Foram criadas estas duas classes para estruturar o tipo de dados do Evento e do </a:t>
+            </a:r>
+            <a:r>
+              <a:rPr lang="pt-PT" dirty="0" err="1"/>
+              <a:t>User</a:t>
+            </a:r>
+            <a:r>
+              <a:rPr lang="pt-PT" dirty="0"/>
+              <a:t>.</a:t>
+            </a:r>
+          </a:p>
+        </p:txBody>
+      </p:sp>
+      <p:sp>
+        <p:nvSpPr>
+          <p:cNvPr id="4" name="Marcador de Posição do Rodapé 3">
+            <a:extLst>
+              <a:ext uri="{FF2B5EF4-FFF2-40B4-BE49-F238E27FC236}">
+                <a16:creationId xmlns:a16="http://schemas.microsoft.com/office/drawing/2014/main" id="{550DCED0-3584-4784-FFB1-AD6E53B19EC7}"/>
+              </a:ext>
+            </a:extLst>
+          </p:cNvPr>
+          <p:cNvSpPr>
+            <a:spLocks noGrp="1"/>
+          </p:cNvSpPr>
+          <p:nvPr>
+            <p:ph type="ftr" sz="quarter" idx="11"/>
+          </p:nvPr>
+        </p:nvSpPr>
+        <p:spPr/>
+        <p:txBody>
+          <a:bodyPr/>
+          <a:lstStyle/>
+          <a:p>
+            <a:r>
+              <a:rPr lang="pt-BR"/>
+              <a:t>Programação Distribuida - Bruno 2019132612 | Filipa 2018011698 | Tiago 2020122664</a:t>
+            </a:r>
+            <a:endParaRPr lang="en-US" dirty="0"/>
+          </a:p>
+        </p:txBody>
+      </p:sp>
+      <p:sp>
+        <p:nvSpPr>
+          <p:cNvPr id="5" name="Marcador de Posição do Número do Diapositivo 4">
+            <a:extLst>
+              <a:ext uri="{FF2B5EF4-FFF2-40B4-BE49-F238E27FC236}">
+                <a16:creationId xmlns:a16="http://schemas.microsoft.com/office/drawing/2014/main" id="{342F506B-637F-B3EE-AF2B-F30CF29A4B5F}"/>
+              </a:ext>
+            </a:extLst>
+          </p:cNvPr>
+          <p:cNvSpPr>
+            <a:spLocks noGrp="1"/>
+          </p:cNvSpPr>
+          <p:nvPr>
+            <p:ph type="sldNum" sz="quarter" idx="12"/>
+          </p:nvPr>
+        </p:nvSpPr>
+        <p:spPr/>
+        <p:txBody>
+          <a:bodyPr/>
+          <a:lstStyle/>
+          <a:p>
+            <a:fld id="{5963BAFC-B953-4DB7-B4E9-09BC70913B53}" type="slidenum">
+              <a:rPr lang="en-US" smtClean="0"/>
+              <a:t>3</a:t>
+            </a:fld>
+            <a:endParaRPr lang="en-US"/>
+          </a:p>
+        </p:txBody>
+      </p:sp>
+      <p:pic>
+        <p:nvPicPr>
+          <p:cNvPr id="6" name="Picture 4" descr="Instituto Superior de Engenharia de Coimbra – Wikipédia, a enciclopédia  livre">
+            <a:extLst>
+              <a:ext uri="{FF2B5EF4-FFF2-40B4-BE49-F238E27FC236}">
+                <a16:creationId xmlns:a16="http://schemas.microsoft.com/office/drawing/2014/main" id="{367E23A9-75F1-7473-DBC5-1305B59C1D0F}"/>
+              </a:ext>
+            </a:extLst>
+          </p:cNvPr>
+          <p:cNvPicPr>
+            <a:picLocks noChangeAspect="1" noChangeArrowheads="1"/>
+          </p:cNvPicPr>
+          <p:nvPr/>
+        </p:nvPicPr>
+        <p:blipFill>
+          <a:blip r:embed="rId2">
+            <a:extLst>
+              <a:ext uri="{28A0092B-C50C-407E-A947-70E740481C1C}">
+                <a14:useLocalDpi xmlns:a14="http://schemas.microsoft.com/office/drawing/2010/main" val="0"/>
+              </a:ext>
+            </a:extLst>
+          </a:blip>
+          <a:srcRect/>
+          <a:stretch>
+            <a:fillRect/>
+          </a:stretch>
+        </p:blipFill>
+        <p:spPr bwMode="auto">
+          <a:xfrm>
+            <a:off x="147639" y="95250"/>
+            <a:ext cx="807830" cy="552450"/>
+          </a:xfrm>
+          <a:prstGeom prst="rect">
+            <a:avLst/>
+          </a:prstGeom>
+          <a:noFill/>
+          <a:extLst>
+            <a:ext uri="{909E8E84-426E-40DD-AFC4-6F175D3DCCD1}">
+              <a14:hiddenFill xmlns:a14="http://schemas.microsoft.com/office/drawing/2010/main">
+                <a:solidFill>
+                  <a:srgbClr val="FFFFFF"/>
+                </a:solidFill>
+              </a14:hiddenFill>
+            </a:ext>
+          </a:extLst>
+        </p:spPr>
+      </p:pic>
+    </p:spTree>
+    <p:extLst>
+      <p:ext uri="{BB962C8B-B14F-4D97-AF65-F5344CB8AC3E}">
+        <p14:creationId xmlns:p14="http://schemas.microsoft.com/office/powerpoint/2010/main" val="1537646461"/>
+      </p:ext>
+    </p:extLst>
+  </p:cSld>
+  <p:clrMapOvr>
+    <a:masterClrMapping/>
+  </p:clrMapOvr>
+</p:sld>
+</file>
+
+<file path=ppt/slides/slide4.xml><?xml version="1.0" encoding="utf-8"?>
+<p:sld xmlns:a="http://schemas.openxmlformats.org/drawingml/2006/main" xmlns:r="http://schemas.openxmlformats.org/officeDocument/2006/relationships" xmlns:p="http://schemas.openxmlformats.org/presentationml/2006/main">
+  <p:cSld>
+    <p:spTree>
+      <p:nvGrpSpPr>
+        <p:cNvPr id="1" name=""/>
+        <p:cNvGrpSpPr/>
+        <p:nvPr/>
+      </p:nvGrpSpPr>
+      <p:grpSpPr>
+        <a:xfrm>
+          <a:off x="0" y="0"/>
+          <a:ext cx="0" cy="0"/>
+          <a:chOff x="0" y="0"/>
+          <a:chExt cx="0" cy="0"/>
+        </a:xfrm>
+      </p:grpSpPr>
+      <p:sp>
+        <p:nvSpPr>
+          <p:cNvPr id="2" name="Título 1">
+            <a:extLst>
+              <a:ext uri="{FF2B5EF4-FFF2-40B4-BE49-F238E27FC236}">
+                <a16:creationId xmlns:a16="http://schemas.microsoft.com/office/drawing/2014/main" id="{CB052DD7-1D08-BEBE-59DA-7B640A740957}"/>
+              </a:ext>
+            </a:extLst>
+          </p:cNvPr>
+          <p:cNvSpPr>
+            <a:spLocks noGrp="1"/>
+          </p:cNvSpPr>
+          <p:nvPr>
+            <p:ph type="title"/>
+          </p:nvPr>
+        </p:nvSpPr>
+        <p:spPr/>
+        <p:txBody>
+          <a:bodyPr/>
+          <a:lstStyle/>
+          <a:p>
+            <a:r>
+              <a:rPr lang="pt-PT" dirty="0" err="1"/>
+              <a:t>Observer</a:t>
+            </a:r>
+            <a:endParaRPr lang="pt-PT" dirty="0"/>
+          </a:p>
+        </p:txBody>
+      </p:sp>
+      <p:sp>
+        <p:nvSpPr>
+          <p:cNvPr id="3" name="Marcador de Posição de Conteúdo 2">
+            <a:extLst>
+              <a:ext uri="{FF2B5EF4-FFF2-40B4-BE49-F238E27FC236}">
+                <a16:creationId xmlns:a16="http://schemas.microsoft.com/office/drawing/2014/main" id="{7CAC4DCD-15DB-22A4-691B-3B6CC0BE7372}"/>
+              </a:ext>
+            </a:extLst>
+          </p:cNvPr>
+          <p:cNvSpPr>
+            <a:spLocks noGrp="1"/>
+          </p:cNvSpPr>
+          <p:nvPr>
+            <p:ph idx="1"/>
+          </p:nvPr>
+        </p:nvSpPr>
+        <p:spPr/>
+        <p:txBody>
+          <a:bodyPr/>
+          <a:lstStyle/>
+          <a:p>
+            <a:pPr algn="just"/>
+            <a:r>
+              <a:rPr lang="pt-PT" dirty="0"/>
+              <a:t>A classe </a:t>
+            </a:r>
+            <a:r>
+              <a:rPr lang="pt-PT" dirty="0" err="1"/>
+              <a:t>Observer</a:t>
+            </a:r>
+            <a:r>
+              <a:rPr lang="pt-PT" dirty="0"/>
+              <a:t> representa os Servidores de Backup. </a:t>
+            </a:r>
+          </a:p>
+          <a:p>
+            <a:pPr algn="just"/>
+            <a:r>
+              <a:rPr lang="pt-PT" dirty="0"/>
+              <a:t>Conecta-se ao Serviço RMI criado pelo Servidor. </a:t>
+            </a:r>
+          </a:p>
+          <a:p>
+            <a:pPr algn="just"/>
+            <a:r>
+              <a:rPr lang="pt-PT" dirty="0"/>
+              <a:t>Faz cópia do ficheiro da base de dados na fase de arranque via RMI.</a:t>
+            </a:r>
+          </a:p>
+          <a:p>
+            <a:pPr algn="just"/>
+            <a:r>
+              <a:rPr lang="pt-BR" dirty="0"/>
+              <a:t>Servidor possui diversas funções “notify…” para notificar os backupServers a fazerem a mesma alteração nas suas BD locais. Esta alteração irá percorrer a lista de Observers.</a:t>
+            </a:r>
+            <a:endParaRPr lang="pt-PT" dirty="0"/>
+          </a:p>
+          <a:p>
+            <a:pPr algn="just"/>
+            <a:r>
+              <a:rPr lang="pt-PT" dirty="0"/>
+              <a:t>Criámos um </a:t>
+            </a:r>
+            <a:r>
+              <a:rPr lang="pt-PT" dirty="0" err="1"/>
+              <a:t>HeartbeatHandler</a:t>
+            </a:r>
+            <a:r>
+              <a:rPr lang="pt-PT" dirty="0"/>
+              <a:t> (</a:t>
+            </a:r>
+            <a:r>
+              <a:rPr lang="pt-PT" dirty="0" err="1"/>
+              <a:t>Thread</a:t>
+            </a:r>
+            <a:r>
+              <a:rPr lang="pt-PT" dirty="0"/>
+              <a:t>) sempre que associamos um </a:t>
+            </a:r>
+            <a:r>
+              <a:rPr lang="pt-PT" dirty="0" err="1"/>
+              <a:t>Observer</a:t>
+            </a:r>
+            <a:r>
+              <a:rPr lang="pt-PT" dirty="0"/>
+              <a:t> à lista de </a:t>
+            </a:r>
+            <a:r>
+              <a:rPr lang="pt-PT" dirty="0" err="1"/>
+              <a:t>Observers</a:t>
+            </a:r>
+            <a:r>
+              <a:rPr lang="pt-PT" dirty="0"/>
+              <a:t>, variável </a:t>
+            </a:r>
+            <a:r>
+              <a:rPr lang="pt-PT" i="1" dirty="0" err="1"/>
+              <a:t>backupServidores</a:t>
+            </a:r>
+            <a:r>
+              <a:rPr lang="pt-PT" dirty="0"/>
+              <a:t> na classe Servidor.</a:t>
+            </a:r>
+          </a:p>
+        </p:txBody>
+      </p:sp>
+      <p:sp>
+        <p:nvSpPr>
+          <p:cNvPr id="4" name="Marcador de Posição do Rodapé 3">
+            <a:extLst>
+              <a:ext uri="{FF2B5EF4-FFF2-40B4-BE49-F238E27FC236}">
+                <a16:creationId xmlns:a16="http://schemas.microsoft.com/office/drawing/2014/main" id="{3E0ABF76-D773-CFF7-EF3E-024ED3C6E5C4}"/>
+              </a:ext>
+            </a:extLst>
+          </p:cNvPr>
+          <p:cNvSpPr>
+            <a:spLocks noGrp="1"/>
+          </p:cNvSpPr>
+          <p:nvPr>
+            <p:ph type="ftr" sz="quarter" idx="11"/>
+          </p:nvPr>
+        </p:nvSpPr>
+        <p:spPr/>
+        <p:txBody>
+          <a:bodyPr/>
+          <a:lstStyle/>
+          <a:p>
+            <a:r>
+              <a:rPr lang="pt-BR"/>
+              <a:t>Programação Distribuida - Bruno 2019132612 | Filipa 2018011698 | Tiago 2020122664</a:t>
+            </a:r>
+            <a:endParaRPr lang="en-US"/>
+          </a:p>
+        </p:txBody>
+      </p:sp>
+      <p:sp>
+        <p:nvSpPr>
+          <p:cNvPr id="5" name="Marcador de Posição do Número do Diapositivo 4">
+            <a:extLst>
+              <a:ext uri="{FF2B5EF4-FFF2-40B4-BE49-F238E27FC236}">
+                <a16:creationId xmlns:a16="http://schemas.microsoft.com/office/drawing/2014/main" id="{12B95757-2B8E-32DC-AF3B-024710B0D549}"/>
+              </a:ext>
+            </a:extLst>
+          </p:cNvPr>
+          <p:cNvSpPr>
+            <a:spLocks noGrp="1"/>
+          </p:cNvSpPr>
+          <p:nvPr>
+            <p:ph type="sldNum" sz="quarter" idx="12"/>
+          </p:nvPr>
+        </p:nvSpPr>
+        <p:spPr/>
+        <p:txBody>
+          <a:bodyPr/>
+          <a:lstStyle/>
+          <a:p>
+            <a:fld id="{5963BAFC-B953-4DB7-B4E9-09BC70913B53}" type="slidenum">
+              <a:rPr lang="en-US" smtClean="0"/>
+              <a:t>4</a:t>
+            </a:fld>
+            <a:endParaRPr lang="en-US"/>
+          </a:p>
+        </p:txBody>
+      </p:sp>
+      <p:pic>
+        <p:nvPicPr>
+          <p:cNvPr id="6" name="Picture 4" descr="Instituto Superior de Engenharia de Coimbra – Wikipédia, a enciclopédia  livre">
+            <a:extLst>
+              <a:ext uri="{FF2B5EF4-FFF2-40B4-BE49-F238E27FC236}">
+                <a16:creationId xmlns:a16="http://schemas.microsoft.com/office/drawing/2014/main" id="{D7E36445-447A-177E-BA44-EA84A354BD86}"/>
+              </a:ext>
+            </a:extLst>
+          </p:cNvPr>
+          <p:cNvPicPr>
+            <a:picLocks noChangeAspect="1" noChangeArrowheads="1"/>
+          </p:cNvPicPr>
+          <p:nvPr/>
+        </p:nvPicPr>
+        <p:blipFill>
+          <a:blip r:embed="rId2">
+            <a:extLst>
+              <a:ext uri="{28A0092B-C50C-407E-A947-70E740481C1C}">
+                <a14:useLocalDpi xmlns:a14="http://schemas.microsoft.com/office/drawing/2010/main" val="0"/>
+              </a:ext>
+            </a:extLst>
+          </a:blip>
+          <a:srcRect/>
+          <a:stretch>
+            <a:fillRect/>
+          </a:stretch>
+        </p:blipFill>
+        <p:spPr bwMode="auto">
+          <a:xfrm>
+            <a:off x="147639" y="95250"/>
+            <a:ext cx="807830" cy="552450"/>
+          </a:xfrm>
+          <a:prstGeom prst="rect">
+            <a:avLst/>
+          </a:prstGeom>
+          <a:noFill/>
+          <a:extLst>
+            <a:ext uri="{909E8E84-426E-40DD-AFC4-6F175D3DCCD1}">
+              <a14:hiddenFill xmlns:a14="http://schemas.microsoft.com/office/drawing/2010/main">
+                <a:solidFill>
+                  <a:srgbClr val="FFFFFF"/>
+                </a:solidFill>
+              </a14:hiddenFill>
+            </a:ext>
+          </a:extLst>
+        </p:spPr>
+      </p:pic>
+    </p:spTree>
+    <p:extLst>
+      <p:ext uri="{BB962C8B-B14F-4D97-AF65-F5344CB8AC3E}">
+        <p14:creationId xmlns:p14="http://schemas.microsoft.com/office/powerpoint/2010/main" val="816803712"/>
+      </p:ext>
+    </p:extLst>
+  </p:cSld>
+  <p:clrMapOvr>
+    <a:masterClrMapping/>
+  </p:clrMapOvr>
+</p:sld>
+</file>
+
+<file path=ppt/slides/slide5.xml><?xml version="1.0" encoding="utf-8"?>
+<p:sld xmlns:a="http://schemas.openxmlformats.org/drawingml/2006/main" xmlns:r="http://schemas.openxmlformats.org/officeDocument/2006/relationships" xmlns:p="http://schemas.openxmlformats.org/presentationml/2006/main">
+  <p:cSld>
+    <p:spTree>
+      <p:nvGrpSpPr>
+        <p:cNvPr id="1" name=""/>
+        <p:cNvGrpSpPr/>
+        <p:nvPr/>
+      </p:nvGrpSpPr>
+      <p:grpSpPr>
+        <a:xfrm>
+          <a:off x="0" y="0"/>
+          <a:ext cx="0" cy="0"/>
+          <a:chOff x="0" y="0"/>
+          <a:chExt cx="0" cy="0"/>
+        </a:xfrm>
+      </p:grpSpPr>
+      <p:sp>
+        <p:nvSpPr>
+          <p:cNvPr id="2" name="Título 1">
+            <a:extLst>
+              <a:ext uri="{FF2B5EF4-FFF2-40B4-BE49-F238E27FC236}">
                 <a16:creationId xmlns:a16="http://schemas.microsoft.com/office/drawing/2014/main" id="{F05EC0CC-73AE-BF97-F4E5-B5F8A2AB7D14}"/>
               </a:ext>
             </a:extLst>
@@ -4243,7 +9744,12 @@
             <p:ph type="title"/>
           </p:nvPr>
         </p:nvSpPr>
-        <p:spPr/>
+        <p:spPr>
+          <a:xfrm>
+            <a:off x="252919" y="1128408"/>
+            <a:ext cx="2947482" cy="4601183"/>
+          </a:xfrm>
+        </p:spPr>
         <p:txBody>
           <a:bodyPr>
             <a:normAutofit/>
@@ -4252,13 +9758,15 @@
           <a:p>
             <a:r>
               <a:rPr lang="pt-PT" sz="2800" dirty="0"/>
-              <a:t>Servidor Principal: Clientes e </a:t>
-            </a:r>
-            <a:r>
-              <a:rPr lang="pt-PT" sz="2800" dirty="0" err="1"/>
-              <a:t>SQLite</a:t>
-            </a:r>
-            <a:endParaRPr lang="pt-PT" sz="2800" dirty="0"/>
+              <a:t>Servidor Principal &lt;-&gt;</a:t>
+            </a:r>
+            <a:br>
+              <a:rPr lang="pt-PT" sz="2800" dirty="0"/>
+            </a:br>
+            <a:r>
+              <a:rPr lang="pt-PT" sz="2800" dirty="0"/>
+              <a:t>Cliente</a:t>
+            </a:r>
           </a:p>
         </p:txBody>
       </p:sp>
@@ -4291,7 +9799,7 @@
         </p:blipFill>
         <p:spPr>
           <a:xfrm>
-            <a:off x="5783344" y="3147794"/>
+            <a:off x="5783344" y="3167329"/>
             <a:ext cx="3810164" cy="2364516"/>
           </a:xfrm>
         </p:spPr>
@@ -4319,7 +9827,7 @@
           <a:p>
             <a:r>
               <a:rPr lang="pt-BR"/>
-              <a:t>Programação Distribuida - Bruno 20... | Filipa 2018011698 | Tiago 20...</a:t>
+              <a:t>Programação Distribuida - Bruno 2019132612 | Filipa 2018011698 | Tiago 2020122664</a:t>
             </a:r>
             <a:endParaRPr lang="en-US"/>
           </a:p>
@@ -4348,7 +9856,7 @@
           <a:p>
             <a:fld id="{5963BAFC-B953-4DB7-B4E9-09BC70913B53}" type="slidenum">
               <a:rPr lang="en-US" smtClean="0"/>
-              <a:t>3</a:t>
+              <a:t>5</a:t>
             </a:fld>
             <a:endParaRPr lang="en-US"/>
           </a:p>
@@ -4368,8 +9876,8 @@
         </p:nvSpPr>
         <p:spPr>
           <a:xfrm>
-            <a:off x="3769569" y="879159"/>
-            <a:ext cx="7837714" cy="1200329"/>
+            <a:off x="3769569" y="1634939"/>
+            <a:ext cx="7837714" cy="707886"/>
           </a:xfrm>
           <a:prstGeom prst="rect">
             <a:avLst/>
@@ -4382,39 +9890,24 @@
           </a:bodyPr>
           <a:lstStyle/>
           <a:p>
-            <a:pPr marL="285750" indent="-285750">
+            <a:pPr marL="285750" indent="-285750" algn="just">
+              <a:buClr>
+                <a:srgbClr val="C00000"/>
+              </a:buClr>
               <a:buFont typeface="Arial" panose="020B0604020202020204" pitchFamily="34" charset="0"/>
               <a:buChar char="•"/>
             </a:pPr>
             <a:r>
-              <a:rPr lang="pt-PT" dirty="0"/>
-              <a:t>Esta ligação é feita através do Protocolo TCP, onde o servidor fica à espera de uma nova conexão pela parte de um, ou mais, clientes.</a:t>
-            </a:r>
-          </a:p>
-          <a:p>
-            <a:pPr marL="285750" indent="-285750">
-              <a:buFont typeface="Arial" panose="020B0604020202020204" pitchFamily="34" charset="0"/>
-              <a:buChar char="•"/>
-            </a:pPr>
-            <a:r>
-              <a:rPr lang="pt-PT" dirty="0"/>
-              <a:t>O servidor tem uma ligação também à base de dados </a:t>
-            </a:r>
-            <a:r>
-              <a:rPr lang="pt-PT" dirty="0" err="1"/>
-              <a:t>SQLite</a:t>
-            </a:r>
-            <a:r>
-              <a:rPr lang="pt-PT" dirty="0"/>
-              <a:t>, onde serão armazenados toda a informação necessária:</a:t>
-            </a:r>
-            <a:r>
-              <a:rPr lang="pt-PT" dirty="0">
-                <a:highlight>
-                  <a:srgbClr val="FFFF00"/>
-                </a:highlight>
+              <a:rPr lang="pt-PT" sz="2000" dirty="0">
+                <a:solidFill>
+                  <a:schemeClr val="tx1">
+                    <a:lumMod val="65000"/>
+                    <a:lumOff val="35000"/>
+                  </a:schemeClr>
+                </a:solidFill>
+                <a:latin typeface="Corbel (corpo)"/>
               </a:rPr>
-              <a:t> …</a:t>
+              <a:t>Esta ligação é feita através do Protocolo TCP onde o servidor fica à espera de uma nova conexão por parte de um ou mais clientes.</a:t>
             </a:r>
           </a:p>
         </p:txBody>
@@ -4450,6 +9943,53 @@
           <a:xfrm>
             <a:off x="70307" y="0"/>
             <a:ext cx="1568970" cy="821094"/>
+          </a:xfrm>
+          <a:prstGeom prst="rect">
+            <a:avLst/>
+          </a:prstGeom>
+          <a:noFill/>
+          <a:extLst>
+            <a:ext uri="{909E8E84-426E-40DD-AFC4-6F175D3DCCD1}">
+              <a14:hiddenFill xmlns:a14="http://schemas.microsoft.com/office/drawing/2010/main">
+                <a:solidFill>
+                  <a:srgbClr val="FFFFFF"/>
+                </a:solidFill>
+              </a14:hiddenFill>
+            </a:ext>
+          </a:extLst>
+        </p:spPr>
+      </p:pic>
+      <p:pic>
+        <p:nvPicPr>
+          <p:cNvPr id="3" name="Picture 4" descr="Instituto Superior de Engenharia de Coimbra – Wikipédia, a enciclopédia  livre">
+            <a:extLst>
+              <a:ext uri="{FF2B5EF4-FFF2-40B4-BE49-F238E27FC236}">
+                <a16:creationId xmlns:a16="http://schemas.microsoft.com/office/drawing/2014/main" id="{49E9D69A-4554-1350-3DEE-E7446654D727}"/>
+              </a:ext>
+            </a:extLst>
+          </p:cNvPr>
+          <p:cNvPicPr>
+            <a:picLocks noChangeAspect="1" noChangeArrowheads="1"/>
+          </p:cNvPicPr>
+          <p:nvPr/>
+        </p:nvPicPr>
+        <p:blipFill>
+          <a:blip r:embed="rId4">
+            <a:extLst>
+              <a:ext uri="{28A0092B-C50C-407E-A947-70E740481C1C}">
+                <a14:useLocalDpi xmlns:a14="http://schemas.microsoft.com/office/drawing/2010/main" val="0"/>
+              </a:ext>
+            </a:extLst>
+          </a:blip>
+          <a:srcRect/>
+          <a:stretch>
+            <a:fillRect/>
+          </a:stretch>
+        </p:blipFill>
+        <p:spPr bwMode="auto">
+          <a:xfrm>
+            <a:off x="147639" y="95250"/>
+            <a:ext cx="807830" cy="552450"/>
           </a:xfrm>
           <a:prstGeom prst="rect">
             <a:avLst/>
@@ -4479,7 +10019,7 @@
 </p:sld>
 </file>
 
-<file path=ppt/slides/slide4.xml><?xml version="1.0" encoding="utf-8"?>
+<file path=ppt/slides/slide6.xml><?xml version="1.0" encoding="utf-8"?>
 <p:sld xmlns:a="http://schemas.openxmlformats.org/drawingml/2006/main" xmlns:r="http://schemas.openxmlformats.org/officeDocument/2006/relationships" xmlns:p="http://schemas.openxmlformats.org/presentationml/2006/main">
   <p:cSld>
     <p:spTree>
@@ -4501,7 +10041,7 @@
           <p:cNvPr id="2" name="Título 1">
             <a:extLst>
               <a:ext uri="{FF2B5EF4-FFF2-40B4-BE49-F238E27FC236}">
-                <a16:creationId xmlns:a16="http://schemas.microsoft.com/office/drawing/2014/main" id="{941BC24F-E4F0-B570-4943-E2E1895FE3BC}"/>
+                <a16:creationId xmlns:a16="http://schemas.microsoft.com/office/drawing/2014/main" id="{970C6751-6B36-FC04-6FFA-05F9F1195458}"/>
               </a:ext>
             </a:extLst>
           </p:cNvPr>
@@ -4520,32 +10060,40 @@
           <a:lstStyle/>
           <a:p>
             <a:r>
-              <a:rPr lang="pt-PT" sz="2000" dirty="0"/>
-              <a:t>Servidor principal – Servidor Backup : </a:t>
-            </a:r>
-            <a:r>
-              <a:rPr lang="pt-PT" sz="2000" dirty="0" err="1"/>
-              <a:t>Multicast</a:t>
-            </a:r>
-            <a:endParaRPr lang="pt-PT" sz="2000" dirty="0"/>
+              <a:rPr lang="pt-PT" sz="2800" dirty="0"/>
+              <a:t>Servidor Principal </a:t>
+            </a:r>
+            <a:br>
+              <a:rPr lang="pt-PT" sz="2800" dirty="0"/>
+            </a:br>
+            <a:r>
+              <a:rPr lang="pt-PT" sz="2800" dirty="0"/>
+              <a:t>&lt;-&gt;</a:t>
+            </a:r>
+            <a:br>
+              <a:rPr lang="pt-PT" sz="2800" dirty="0"/>
+            </a:br>
+            <a:r>
+              <a:rPr lang="pt-PT" sz="2800" dirty="0" err="1"/>
+              <a:t>SQLite</a:t>
+            </a:r>
+            <a:endParaRPr lang="pt-PT" sz="2800" dirty="0"/>
           </a:p>
         </p:txBody>
       </p:sp>
       <p:pic>
         <p:nvPicPr>
-          <p:cNvPr id="7" name="Marcador de Posição de Conteúdo 6" descr="Uma imagem com captura de ecrã, diagrama, file, Tipo de letra&#10;&#10;Descrição gerada automaticamente">
-            <a:extLst>
-              <a:ext uri="{FF2B5EF4-FFF2-40B4-BE49-F238E27FC236}">
-                <a16:creationId xmlns:a16="http://schemas.microsoft.com/office/drawing/2014/main" id="{BF18FBF8-B9BB-0CFA-2CA0-7E8F1D71FAB0}"/>
+          <p:cNvPr id="1026" name="Picture 2">
+            <a:extLst>
+              <a:ext uri="{FF2B5EF4-FFF2-40B4-BE49-F238E27FC236}">
+                <a16:creationId xmlns:a16="http://schemas.microsoft.com/office/drawing/2014/main" id="{205EF584-89F9-682C-1BA8-9AB7134B798D}"/>
               </a:ext>
             </a:extLst>
           </p:cNvPr>
           <p:cNvPicPr>
-            <a:picLocks noGrp="1" noChangeAspect="1"/>
+            <a:picLocks noChangeAspect="1" noChangeArrowheads="1"/>
           </p:cNvPicPr>
-          <p:nvPr>
-            <p:ph idx="1"/>
-          </p:nvPr>
+          <p:nvPr/>
         </p:nvPicPr>
         <p:blipFill rotWithShape="1">
           <a:blip r:embed="rId2">
@@ -4555,22 +10103,81 @@
               </a:ext>
             </a:extLst>
           </a:blip>
-          <a:srcRect l="6135" t="15985" r="19589" b="22281"/>
+          <a:srcRect r="25850"/>
           <a:stretch/>
         </p:blipFill>
+        <p:spPr bwMode="auto">
+          <a:xfrm>
+            <a:off x="8350783" y="750430"/>
+            <a:ext cx="3067772" cy="2673998"/>
+          </a:xfrm>
+          <a:prstGeom prst="rect">
+            <a:avLst/>
+          </a:prstGeom>
+          <a:noFill/>
+          <a:extLst>
+            <a:ext uri="{909E8E84-426E-40DD-AFC4-6F175D3DCCD1}">
+              <a14:hiddenFill xmlns:a14="http://schemas.microsoft.com/office/drawing/2010/main">
+                <a:solidFill>
+                  <a:srgbClr val="FFFFFF"/>
+                </a:solidFill>
+              </a14:hiddenFill>
+            </a:ext>
+          </a:extLst>
+        </p:spPr>
+      </p:pic>
+      <p:sp>
+        <p:nvSpPr>
+          <p:cNvPr id="3" name="Marcador de Posição de Conteúdo 2">
+            <a:extLst>
+              <a:ext uri="{FF2B5EF4-FFF2-40B4-BE49-F238E27FC236}">
+                <a16:creationId xmlns:a16="http://schemas.microsoft.com/office/drawing/2014/main" id="{0AD1629F-BADD-C488-650A-AFB014123342}"/>
+              </a:ext>
+            </a:extLst>
+          </p:cNvPr>
+          <p:cNvSpPr>
+            <a:spLocks noGrp="1"/>
+          </p:cNvSpPr>
+          <p:nvPr>
+            <p:ph idx="1"/>
+          </p:nvPr>
+        </p:nvSpPr>
         <p:spPr>
           <a:xfrm>
-            <a:off x="3869268" y="4500118"/>
-            <a:ext cx="3840480" cy="1856232"/>
+            <a:off x="3766320" y="3424428"/>
+            <a:ext cx="7427382" cy="2106730"/>
           </a:xfrm>
         </p:spPr>
-      </p:pic>
+        <p:txBody>
+          <a:bodyPr>
+            <a:normAutofit/>
+          </a:bodyPr>
+          <a:lstStyle/>
+          <a:p>
+            <a:pPr marL="0" algn="just">
+              <a:lnSpc>
+                <a:spcPct val="100000"/>
+              </a:lnSpc>
+              <a:spcBef>
+                <a:spcPts val="0"/>
+              </a:spcBef>
+            </a:pPr>
+            <a:r>
+              <a:rPr lang="pt-PT" dirty="0"/>
+              <a:t>Sempre que o Servidor Principal executa um ação CRUD na sua base de dados, e partindo do principio que a versão é a mesma, os servidores backup executam as mesmas funções atualizando cada uma das suas base de dados Réplicas.</a:t>
+            </a:r>
+          </a:p>
+          <a:p>
+            <a:endParaRPr lang="pt-PT" dirty="0"/>
+          </a:p>
+        </p:txBody>
+      </p:sp>
       <p:sp>
         <p:nvSpPr>
           <p:cNvPr id="4" name="Marcador de Posição do Rodapé 3">
             <a:extLst>
               <a:ext uri="{FF2B5EF4-FFF2-40B4-BE49-F238E27FC236}">
-                <a16:creationId xmlns:a16="http://schemas.microsoft.com/office/drawing/2014/main" id="{E49E58DE-18A3-BA6E-FE32-7FDD1CC30FC7}"/>
+                <a16:creationId xmlns:a16="http://schemas.microsoft.com/office/drawing/2014/main" id="{0C15914B-E623-C80D-CF11-2DAD5060642B}"/>
               </a:ext>
             </a:extLst>
           </p:cNvPr>
@@ -4588,9 +10195,9 @@
           <a:p>
             <a:r>
               <a:rPr lang="pt-BR"/>
-              <a:t>Programação Distribuida - Bruno 20... | Filipa 2018011698 | Tiago 20...</a:t>
-            </a:r>
-            <a:endParaRPr lang="en-US"/>
+              <a:t>Programação Distribuida - Bruno 2019132612 | Filipa 2018011698 | Tiago 2020122664</a:t>
+            </a:r>
+            <a:endParaRPr lang="en-US" dirty="0"/>
           </a:p>
         </p:txBody>
       </p:sp>
@@ -4599,7 +10206,7 @@
           <p:cNvPr id="5" name="Marcador de Posição do Número do Diapositivo 4">
             <a:extLst>
               <a:ext uri="{FF2B5EF4-FFF2-40B4-BE49-F238E27FC236}">
-                <a16:creationId xmlns:a16="http://schemas.microsoft.com/office/drawing/2014/main" id="{3414FCCC-3272-7324-20DC-93941C2A389C}"/>
+                <a16:creationId xmlns:a16="http://schemas.microsoft.com/office/drawing/2014/main" id="{ACA173DD-1A8D-C376-B248-83CBFE075B5A}"/>
               </a:ext>
             </a:extLst>
           </p:cNvPr>
@@ -4617,7 +10224,7 @@
           <a:p>
             <a:fld id="{5963BAFC-B953-4DB7-B4E9-09BC70913B53}" type="slidenum">
               <a:rPr lang="en-US" smtClean="0"/>
-              <a:t>4</a:t>
+              <a:t>6</a:t>
             </a:fld>
             <a:endParaRPr lang="en-US"/>
           </a:p>
@@ -4625,10 +10232,10 @@
       </p:sp>
       <p:pic>
         <p:nvPicPr>
-          <p:cNvPr id="9" name="Picture 2" descr="Diário As Beiras – Instituto de Engenharia de Coimbra e Altice desenvolvem  projetos de investigação">
-            <a:extLst>
-              <a:ext uri="{FF2B5EF4-FFF2-40B4-BE49-F238E27FC236}">
-                <a16:creationId xmlns:a16="http://schemas.microsoft.com/office/drawing/2014/main" id="{E906848E-3FB2-6A96-AA2F-5E9243F62355}"/>
+          <p:cNvPr id="6" name="Picture 4" descr="Instituto Superior de Engenharia de Coimbra – Wikipédia, a enciclopédia  livre">
+            <a:extLst>
+              <a:ext uri="{FF2B5EF4-FFF2-40B4-BE49-F238E27FC236}">
+                <a16:creationId xmlns:a16="http://schemas.microsoft.com/office/drawing/2014/main" id="{9DBE1076-1BD6-5B02-0261-75B5180730CA}"/>
               </a:ext>
             </a:extLst>
           </p:cNvPr>
@@ -4652,8 +10259,998 @@
         </p:blipFill>
         <p:spPr bwMode="auto">
           <a:xfrm>
-            <a:off x="70307" y="0"/>
-            <a:ext cx="1568970" cy="821094"/>
+            <a:off x="147639" y="95250"/>
+            <a:ext cx="807830" cy="552450"/>
+          </a:xfrm>
+          <a:prstGeom prst="rect">
+            <a:avLst/>
+          </a:prstGeom>
+          <a:noFill/>
+          <a:extLst>
+            <a:ext uri="{909E8E84-426E-40DD-AFC4-6F175D3DCCD1}">
+              <a14:hiddenFill xmlns:a14="http://schemas.microsoft.com/office/drawing/2010/main">
+                <a:solidFill>
+                  <a:srgbClr val="FFFFFF"/>
+                </a:solidFill>
+              </a14:hiddenFill>
+            </a:ext>
+          </a:extLst>
+        </p:spPr>
+      </p:pic>
+      <p:sp>
+        <p:nvSpPr>
+          <p:cNvPr id="8" name="CaixaDeTexto 7">
+            <a:extLst>
+              <a:ext uri="{FF2B5EF4-FFF2-40B4-BE49-F238E27FC236}">
+                <a16:creationId xmlns:a16="http://schemas.microsoft.com/office/drawing/2014/main" id="{7F34A904-A34A-FFE0-A68D-41046D395679}"/>
+              </a:ext>
+            </a:extLst>
+          </p:cNvPr>
+          <p:cNvSpPr txBox="1"/>
+          <p:nvPr/>
+        </p:nvSpPr>
+        <p:spPr>
+          <a:xfrm>
+            <a:off x="3766320" y="1123837"/>
+            <a:ext cx="4444308" cy="2831544"/>
+          </a:xfrm>
+          <a:prstGeom prst="rect">
+            <a:avLst/>
+          </a:prstGeom>
+          <a:noFill/>
+        </p:spPr>
+        <p:txBody>
+          <a:bodyPr wrap="square" rtlCol="0">
+            <a:spAutoFit/>
+          </a:bodyPr>
+          <a:lstStyle/>
+          <a:p>
+            <a:pPr indent="-182880" algn="just" defTabSz="914400">
+              <a:buClr>
+                <a:schemeClr val="accent1"/>
+              </a:buClr>
+              <a:buFont typeface="Wingdings 2" pitchFamily="18" charset="2"/>
+              <a:buChar char=""/>
+            </a:pPr>
+            <a:r>
+              <a:rPr lang="pt-PT" sz="2000" dirty="0">
+                <a:solidFill>
+                  <a:schemeClr val="tx1">
+                    <a:lumMod val="65000"/>
+                    <a:lumOff val="35000"/>
+                  </a:schemeClr>
+                </a:solidFill>
+              </a:rPr>
+              <a:t>Data – Classe para acesso à Base de Dados</a:t>
+            </a:r>
+          </a:p>
+          <a:p>
+            <a:pPr indent="-182880" algn="just" defTabSz="914400">
+              <a:buClr>
+                <a:schemeClr val="accent1"/>
+              </a:buClr>
+              <a:buFont typeface="Wingdings 2" pitchFamily="18" charset="2"/>
+              <a:buChar char=""/>
+            </a:pPr>
+            <a:r>
+              <a:rPr lang="pt-PT" sz="2000" dirty="0" err="1">
+                <a:solidFill>
+                  <a:schemeClr val="tx1">
+                    <a:lumMod val="65000"/>
+                    <a:lumOff val="35000"/>
+                  </a:schemeClr>
+                </a:solidFill>
+              </a:rPr>
+              <a:t>Stmt</a:t>
+            </a:r>
+            <a:r>
+              <a:rPr lang="pt-PT" sz="2000" dirty="0">
+                <a:solidFill>
+                  <a:schemeClr val="tx1">
+                    <a:lumMod val="65000"/>
+                    <a:lumOff val="35000"/>
+                  </a:schemeClr>
+                </a:solidFill>
+              </a:rPr>
+              <a:t> – </a:t>
+            </a:r>
+            <a:r>
+              <a:rPr lang="pt-PT" sz="2000" dirty="0" err="1">
+                <a:solidFill>
+                  <a:schemeClr val="tx1">
+                    <a:lumMod val="65000"/>
+                    <a:lumOff val="35000"/>
+                  </a:schemeClr>
+                </a:solidFill>
+              </a:rPr>
+              <a:t>Statement</a:t>
+            </a:r>
+            <a:r>
+              <a:rPr lang="pt-PT" sz="2000" dirty="0">
+                <a:solidFill>
+                  <a:schemeClr val="tx1">
+                    <a:lumMod val="65000"/>
+                    <a:lumOff val="35000"/>
+                  </a:schemeClr>
+                </a:solidFill>
+              </a:rPr>
+              <a:t> é o protocolo usado pelo JDBC para fazer </a:t>
+            </a:r>
+            <a:r>
+              <a:rPr lang="pt-PT" sz="2000" dirty="0" err="1">
+                <a:solidFill>
+                  <a:schemeClr val="tx1">
+                    <a:lumMod val="65000"/>
+                    <a:lumOff val="35000"/>
+                  </a:schemeClr>
+                </a:solidFill>
+              </a:rPr>
+              <a:t>queries</a:t>
+            </a:r>
+            <a:r>
+              <a:rPr lang="pt-PT" sz="2000" dirty="0">
+                <a:solidFill>
+                  <a:schemeClr val="tx1">
+                    <a:lumMod val="65000"/>
+                    <a:lumOff val="35000"/>
+                  </a:schemeClr>
+                </a:solidFill>
+              </a:rPr>
+              <a:t> à base de dados. </a:t>
+            </a:r>
+          </a:p>
+          <a:p>
+            <a:pPr indent="-182880" algn="just" defTabSz="914400">
+              <a:buClr>
+                <a:schemeClr val="accent1"/>
+              </a:buClr>
+              <a:buFont typeface="Wingdings 2" pitchFamily="18" charset="2"/>
+              <a:buChar char=""/>
+            </a:pPr>
+            <a:r>
+              <a:rPr lang="pt-PT" sz="2000" dirty="0" err="1">
+                <a:solidFill>
+                  <a:schemeClr val="tx1">
+                    <a:lumMod val="65000"/>
+                    <a:lumOff val="35000"/>
+                  </a:schemeClr>
+                </a:solidFill>
+              </a:rPr>
+              <a:t>Reentrantlock</a:t>
+            </a:r>
+            <a:r>
+              <a:rPr lang="pt-PT" sz="2000" dirty="0">
+                <a:solidFill>
+                  <a:schemeClr val="tx1">
+                    <a:lumMod val="65000"/>
+                    <a:lumOff val="35000"/>
+                  </a:schemeClr>
+                </a:solidFill>
+              </a:rPr>
+              <a:t> – Garante que o servidor fique bloqueado no acesso à base de dados, semelhante a um </a:t>
+            </a:r>
+            <a:r>
+              <a:rPr lang="pt-PT" sz="2000" dirty="0" err="1">
+                <a:solidFill>
+                  <a:schemeClr val="tx1">
+                    <a:lumMod val="65000"/>
+                    <a:lumOff val="35000"/>
+                  </a:schemeClr>
+                </a:solidFill>
+              </a:rPr>
+              <a:t>Mutex</a:t>
+            </a:r>
+            <a:r>
+              <a:rPr lang="pt-PT" sz="2000" dirty="0">
+                <a:solidFill>
+                  <a:schemeClr val="tx1">
+                    <a:lumMod val="65000"/>
+                    <a:lumOff val="35000"/>
+                  </a:schemeClr>
+                </a:solidFill>
+              </a:rPr>
+              <a:t>.</a:t>
+            </a:r>
+          </a:p>
+          <a:p>
+            <a:endParaRPr lang="pt-PT" dirty="0"/>
+          </a:p>
+        </p:txBody>
+      </p:sp>
+    </p:spTree>
+    <p:extLst>
+      <p:ext uri="{BB962C8B-B14F-4D97-AF65-F5344CB8AC3E}">
+        <p14:creationId xmlns:p14="http://schemas.microsoft.com/office/powerpoint/2010/main" val="3900492251"/>
+      </p:ext>
+    </p:extLst>
+  </p:cSld>
+  <p:clrMapOvr>
+    <a:masterClrMapping/>
+  </p:clrMapOvr>
+</p:sld>
+</file>
+
+<file path=ppt/slides/slide7.xml><?xml version="1.0" encoding="utf-8"?>
+<p:sld xmlns:a="http://schemas.openxmlformats.org/drawingml/2006/main" xmlns:r="http://schemas.openxmlformats.org/officeDocument/2006/relationships" xmlns:p="http://schemas.openxmlformats.org/presentationml/2006/main">
+  <p:cSld>
+    <p:spTree>
+      <p:nvGrpSpPr>
+        <p:cNvPr id="1" name=""/>
+        <p:cNvGrpSpPr/>
+        <p:nvPr/>
+      </p:nvGrpSpPr>
+      <p:grpSpPr>
+        <a:xfrm>
+          <a:off x="0" y="0"/>
+          <a:ext cx="0" cy="0"/>
+          <a:chOff x="0" y="0"/>
+          <a:chExt cx="0" cy="0"/>
+        </a:xfrm>
+      </p:grpSpPr>
+      <p:sp>
+        <p:nvSpPr>
+          <p:cNvPr id="2" name="Título 1">
+            <a:extLst>
+              <a:ext uri="{FF2B5EF4-FFF2-40B4-BE49-F238E27FC236}">
+                <a16:creationId xmlns:a16="http://schemas.microsoft.com/office/drawing/2014/main" id="{1C28B396-1227-8AB7-FE85-F12D6EFDC8BE}"/>
+              </a:ext>
+            </a:extLst>
+          </p:cNvPr>
+          <p:cNvSpPr>
+            <a:spLocks noGrp="1"/>
+          </p:cNvSpPr>
+          <p:nvPr>
+            <p:ph type="title"/>
+          </p:nvPr>
+        </p:nvSpPr>
+        <p:spPr/>
+        <p:txBody>
+          <a:bodyPr>
+            <a:normAutofit/>
+          </a:bodyPr>
+          <a:lstStyle/>
+          <a:p>
+            <a:r>
+              <a:rPr lang="pt-PT" sz="3200" dirty="0"/>
+              <a:t>Cliente</a:t>
+            </a:r>
+          </a:p>
+        </p:txBody>
+      </p:sp>
+      <p:sp>
+        <p:nvSpPr>
+          <p:cNvPr id="3" name="Marcador de Posição de Conteúdo 2">
+            <a:extLst>
+              <a:ext uri="{FF2B5EF4-FFF2-40B4-BE49-F238E27FC236}">
+                <a16:creationId xmlns:a16="http://schemas.microsoft.com/office/drawing/2014/main" id="{F50BC7BF-0283-8A89-101F-0117F7A1868F}"/>
+              </a:ext>
+            </a:extLst>
+          </p:cNvPr>
+          <p:cNvSpPr>
+            <a:spLocks noGrp="1"/>
+          </p:cNvSpPr>
+          <p:nvPr>
+            <p:ph idx="1"/>
+          </p:nvPr>
+        </p:nvSpPr>
+        <p:spPr/>
+        <p:txBody>
+          <a:bodyPr/>
+          <a:lstStyle/>
+          <a:p>
+            <a:pPr marL="285750" indent="-285750" algn="just">
+              <a:buFont typeface="Arial" panose="020B0604020202020204" pitchFamily="34" charset="0"/>
+              <a:buChar char="•"/>
+            </a:pPr>
+            <a:endParaRPr lang="pt-PT" dirty="0"/>
+          </a:p>
+          <a:p>
+            <a:pPr marL="285750" indent="-285750" algn="just">
+              <a:buFont typeface="Arial" panose="020B0604020202020204" pitchFamily="34" charset="0"/>
+              <a:buChar char="•"/>
+            </a:pPr>
+            <a:r>
+              <a:rPr lang="pt-PT" dirty="0"/>
+              <a:t>No programa Cliente existem duas </a:t>
+            </a:r>
+            <a:r>
+              <a:rPr lang="pt-PT" dirty="0" err="1"/>
+              <a:t>threads</a:t>
+            </a:r>
+            <a:r>
+              <a:rPr lang="pt-PT" dirty="0"/>
+              <a:t>, uma de receção de pedidos, outra de envio (</a:t>
+            </a:r>
+            <a:r>
+              <a:rPr lang="pt-PT" dirty="0" err="1"/>
+              <a:t>pout</a:t>
+            </a:r>
+            <a:r>
+              <a:rPr lang="pt-PT" dirty="0"/>
+              <a:t> – </a:t>
+            </a:r>
+            <a:r>
+              <a:rPr lang="pt-PT" dirty="0" err="1"/>
+              <a:t>PrintStream</a:t>
+            </a:r>
+            <a:r>
+              <a:rPr lang="pt-PT" dirty="0"/>
+              <a:t>).</a:t>
+            </a:r>
+          </a:p>
+          <a:p>
+            <a:pPr marL="285750" indent="-285750" algn="just">
+              <a:buFont typeface="Arial" panose="020B0604020202020204" pitchFamily="34" charset="0"/>
+              <a:buChar char="•"/>
+            </a:pPr>
+            <a:endParaRPr lang="pt-PT" dirty="0"/>
+          </a:p>
+          <a:p>
+            <a:endParaRPr lang="pt-PT" dirty="0"/>
+          </a:p>
+        </p:txBody>
+      </p:sp>
+      <p:sp>
+        <p:nvSpPr>
+          <p:cNvPr id="4" name="Marcador de Posição do Rodapé 3">
+            <a:extLst>
+              <a:ext uri="{FF2B5EF4-FFF2-40B4-BE49-F238E27FC236}">
+                <a16:creationId xmlns:a16="http://schemas.microsoft.com/office/drawing/2014/main" id="{DDFBF8FF-F5E6-8F52-57F8-F77187E9C270}"/>
+              </a:ext>
+            </a:extLst>
+          </p:cNvPr>
+          <p:cNvSpPr>
+            <a:spLocks noGrp="1"/>
+          </p:cNvSpPr>
+          <p:nvPr>
+            <p:ph type="ftr" sz="quarter" idx="11"/>
+          </p:nvPr>
+        </p:nvSpPr>
+        <p:spPr/>
+        <p:txBody>
+          <a:bodyPr/>
+          <a:lstStyle/>
+          <a:p>
+            <a:r>
+              <a:rPr lang="pt-BR"/>
+              <a:t>Programação Distribuida - Bruno 2019132612 | Filipa 2018011698 | Tiago 2020122664</a:t>
+            </a:r>
+            <a:endParaRPr lang="en-US"/>
+          </a:p>
+        </p:txBody>
+      </p:sp>
+      <p:sp>
+        <p:nvSpPr>
+          <p:cNvPr id="5" name="Marcador de Posição do Número do Diapositivo 4">
+            <a:extLst>
+              <a:ext uri="{FF2B5EF4-FFF2-40B4-BE49-F238E27FC236}">
+                <a16:creationId xmlns:a16="http://schemas.microsoft.com/office/drawing/2014/main" id="{5EA1D426-9F6B-7D40-C05F-A6FA7E943AA1}"/>
+              </a:ext>
+            </a:extLst>
+          </p:cNvPr>
+          <p:cNvSpPr>
+            <a:spLocks noGrp="1"/>
+          </p:cNvSpPr>
+          <p:nvPr>
+            <p:ph type="sldNum" sz="quarter" idx="12"/>
+          </p:nvPr>
+        </p:nvSpPr>
+        <p:spPr/>
+        <p:txBody>
+          <a:bodyPr/>
+          <a:lstStyle/>
+          <a:p>
+            <a:fld id="{5963BAFC-B953-4DB7-B4E9-09BC70913B53}" type="slidenum">
+              <a:rPr lang="en-US" smtClean="0"/>
+              <a:t>7</a:t>
+            </a:fld>
+            <a:endParaRPr lang="en-US"/>
+          </a:p>
+        </p:txBody>
+      </p:sp>
+      <p:pic>
+        <p:nvPicPr>
+          <p:cNvPr id="6" name="Picture 4" descr="Instituto Superior de Engenharia de Coimbra – Wikipédia, a enciclopédia  livre">
+            <a:extLst>
+              <a:ext uri="{FF2B5EF4-FFF2-40B4-BE49-F238E27FC236}">
+                <a16:creationId xmlns:a16="http://schemas.microsoft.com/office/drawing/2014/main" id="{73366F6A-8F41-2A12-CFFD-6623854C2B3E}"/>
+              </a:ext>
+            </a:extLst>
+          </p:cNvPr>
+          <p:cNvPicPr>
+            <a:picLocks noChangeAspect="1" noChangeArrowheads="1"/>
+          </p:cNvPicPr>
+          <p:nvPr/>
+        </p:nvPicPr>
+        <p:blipFill>
+          <a:blip r:embed="rId2">
+            <a:extLst>
+              <a:ext uri="{28A0092B-C50C-407E-A947-70E740481C1C}">
+                <a14:useLocalDpi xmlns:a14="http://schemas.microsoft.com/office/drawing/2010/main" val="0"/>
+              </a:ext>
+            </a:extLst>
+          </a:blip>
+          <a:srcRect/>
+          <a:stretch>
+            <a:fillRect/>
+          </a:stretch>
+        </p:blipFill>
+        <p:spPr bwMode="auto">
+          <a:xfrm>
+            <a:off x="147639" y="95250"/>
+            <a:ext cx="807830" cy="552450"/>
+          </a:xfrm>
+          <a:prstGeom prst="rect">
+            <a:avLst/>
+          </a:prstGeom>
+          <a:noFill/>
+          <a:extLst>
+            <a:ext uri="{909E8E84-426E-40DD-AFC4-6F175D3DCCD1}">
+              <a14:hiddenFill xmlns:a14="http://schemas.microsoft.com/office/drawing/2010/main">
+                <a:solidFill>
+                  <a:srgbClr val="FFFFFF"/>
+                </a:solidFill>
+              </a14:hiddenFill>
+            </a:ext>
+          </a:extLst>
+        </p:spPr>
+      </p:pic>
+    </p:spTree>
+    <p:extLst>
+      <p:ext uri="{BB962C8B-B14F-4D97-AF65-F5344CB8AC3E}">
+        <p14:creationId xmlns:p14="http://schemas.microsoft.com/office/powerpoint/2010/main" val="2938914742"/>
+      </p:ext>
+    </p:extLst>
+  </p:cSld>
+  <p:clrMapOvr>
+    <a:masterClrMapping/>
+  </p:clrMapOvr>
+</p:sld>
+</file>
+
+<file path=ppt/slides/slide8.xml><?xml version="1.0" encoding="utf-8"?>
+<p:sld xmlns:a="http://schemas.openxmlformats.org/drawingml/2006/main" xmlns:r="http://schemas.openxmlformats.org/officeDocument/2006/relationships" xmlns:p="http://schemas.openxmlformats.org/presentationml/2006/main">
+  <p:cSld>
+    <p:spTree>
+      <p:nvGrpSpPr>
+        <p:cNvPr id="1" name=""/>
+        <p:cNvGrpSpPr/>
+        <p:nvPr/>
+      </p:nvGrpSpPr>
+      <p:grpSpPr>
+        <a:xfrm>
+          <a:off x="0" y="0"/>
+          <a:ext cx="0" cy="0"/>
+          <a:chOff x="0" y="0"/>
+          <a:chExt cx="0" cy="0"/>
+        </a:xfrm>
+      </p:grpSpPr>
+      <p:sp>
+        <p:nvSpPr>
+          <p:cNvPr id="2" name="Título 1">
+            <a:extLst>
+              <a:ext uri="{FF2B5EF4-FFF2-40B4-BE49-F238E27FC236}">
+                <a16:creationId xmlns:a16="http://schemas.microsoft.com/office/drawing/2014/main" id="{34A972BF-D66D-0A30-AA63-6CEE779477A8}"/>
+              </a:ext>
+            </a:extLst>
+          </p:cNvPr>
+          <p:cNvSpPr>
+            <a:spLocks noGrp="1"/>
+          </p:cNvSpPr>
+          <p:nvPr>
+            <p:ph type="title"/>
+          </p:nvPr>
+        </p:nvSpPr>
+        <p:spPr/>
+        <p:txBody>
+          <a:bodyPr/>
+          <a:lstStyle/>
+          <a:p>
+            <a:r>
+              <a:rPr lang="pt-PT" dirty="0" err="1"/>
+              <a:t>Heartbeats</a:t>
+            </a:r>
+            <a:endParaRPr lang="pt-PT" dirty="0"/>
+          </a:p>
+        </p:txBody>
+      </p:sp>
+      <p:sp>
+        <p:nvSpPr>
+          <p:cNvPr id="3" name="Marcador de Posição de Conteúdo 2">
+            <a:extLst>
+              <a:ext uri="{FF2B5EF4-FFF2-40B4-BE49-F238E27FC236}">
+                <a16:creationId xmlns:a16="http://schemas.microsoft.com/office/drawing/2014/main" id="{3545D63E-0DEF-1D7E-738B-61790ACE5806}"/>
+              </a:ext>
+            </a:extLst>
+          </p:cNvPr>
+          <p:cNvSpPr>
+            <a:spLocks noGrp="1"/>
+          </p:cNvSpPr>
+          <p:nvPr>
+            <p:ph idx="1"/>
+          </p:nvPr>
+        </p:nvSpPr>
+        <p:spPr/>
+        <p:txBody>
+          <a:bodyPr/>
+          <a:lstStyle/>
+          <a:p>
+            <a:r>
+              <a:rPr lang="pt-PT" dirty="0"/>
+              <a:t>Um servidor envia aos Servidores de Backup, a cada 10 segundos, um </a:t>
+            </a:r>
+            <a:r>
+              <a:rPr lang="pt-PT" dirty="0" err="1"/>
+              <a:t>heartbeat</a:t>
+            </a:r>
+            <a:r>
+              <a:rPr lang="pt-PT" dirty="0"/>
+              <a:t>, que inclui a informação seguinte: porto de escuta do </a:t>
+            </a:r>
+            <a:r>
+              <a:rPr lang="pt-PT" dirty="0" err="1"/>
+              <a:t>registry</a:t>
+            </a:r>
+            <a:r>
+              <a:rPr lang="pt-PT" dirty="0"/>
+              <a:t>, nome do registo do seu serviço RMI no </a:t>
+            </a:r>
+            <a:r>
+              <a:rPr lang="pt-PT" dirty="0" err="1"/>
+              <a:t>registry</a:t>
+            </a:r>
+            <a:r>
+              <a:rPr lang="pt-PT" dirty="0"/>
+              <a:t> local e número de versão da base dados local. </a:t>
+            </a:r>
+          </a:p>
+          <a:p>
+            <a:r>
+              <a:rPr lang="pt-PT" dirty="0"/>
+              <a:t>Aquando de novas atualizações, é também enviado um </a:t>
+            </a:r>
+            <a:r>
+              <a:rPr lang="pt-PT" dirty="0" err="1"/>
+              <a:t>Heartbeat</a:t>
+            </a:r>
+            <a:r>
+              <a:rPr lang="pt-PT" dirty="0"/>
+              <a:t> com esta informação. </a:t>
+            </a:r>
+          </a:p>
+          <a:p>
+            <a:pPr marL="0" indent="0">
+              <a:buNone/>
+            </a:pPr>
+            <a:endParaRPr lang="pt-PT" dirty="0"/>
+          </a:p>
+        </p:txBody>
+      </p:sp>
+      <p:sp>
+        <p:nvSpPr>
+          <p:cNvPr id="4" name="Marcador de Posição do Rodapé 3">
+            <a:extLst>
+              <a:ext uri="{FF2B5EF4-FFF2-40B4-BE49-F238E27FC236}">
+                <a16:creationId xmlns:a16="http://schemas.microsoft.com/office/drawing/2014/main" id="{8450C2A6-D2AC-9FC6-982A-A66507BE3EE1}"/>
+              </a:ext>
+            </a:extLst>
+          </p:cNvPr>
+          <p:cNvSpPr>
+            <a:spLocks noGrp="1"/>
+          </p:cNvSpPr>
+          <p:nvPr>
+            <p:ph type="ftr" sz="quarter" idx="11"/>
+          </p:nvPr>
+        </p:nvSpPr>
+        <p:spPr/>
+        <p:txBody>
+          <a:bodyPr/>
+          <a:lstStyle/>
+          <a:p>
+            <a:r>
+              <a:rPr lang="pt-BR"/>
+              <a:t>Programação Distribuida - Bruno 2019132612 | Filipa 2018011698 | Tiago 2020122664</a:t>
+            </a:r>
+            <a:endParaRPr lang="en-US"/>
+          </a:p>
+        </p:txBody>
+      </p:sp>
+      <p:sp>
+        <p:nvSpPr>
+          <p:cNvPr id="5" name="Marcador de Posição do Número do Diapositivo 4">
+            <a:extLst>
+              <a:ext uri="{FF2B5EF4-FFF2-40B4-BE49-F238E27FC236}">
+                <a16:creationId xmlns:a16="http://schemas.microsoft.com/office/drawing/2014/main" id="{F11B3757-7396-6EB1-1ECE-738EE64D60B0}"/>
+              </a:ext>
+            </a:extLst>
+          </p:cNvPr>
+          <p:cNvSpPr>
+            <a:spLocks noGrp="1"/>
+          </p:cNvSpPr>
+          <p:nvPr>
+            <p:ph type="sldNum" sz="quarter" idx="12"/>
+          </p:nvPr>
+        </p:nvSpPr>
+        <p:spPr/>
+        <p:txBody>
+          <a:bodyPr/>
+          <a:lstStyle/>
+          <a:p>
+            <a:fld id="{5963BAFC-B953-4DB7-B4E9-09BC70913B53}" type="slidenum">
+              <a:rPr lang="en-US" smtClean="0"/>
+              <a:t>8</a:t>
+            </a:fld>
+            <a:endParaRPr lang="en-US"/>
+          </a:p>
+        </p:txBody>
+      </p:sp>
+      <p:pic>
+        <p:nvPicPr>
+          <p:cNvPr id="7" name="Picture 4" descr="Instituto Superior de Engenharia de Coimbra – Wikipédia, a enciclopédia  livre">
+            <a:extLst>
+              <a:ext uri="{FF2B5EF4-FFF2-40B4-BE49-F238E27FC236}">
+                <a16:creationId xmlns:a16="http://schemas.microsoft.com/office/drawing/2014/main" id="{255CB595-8840-FB18-D5B5-BAF3A0EA99A4}"/>
+              </a:ext>
+            </a:extLst>
+          </p:cNvPr>
+          <p:cNvPicPr>
+            <a:picLocks noChangeAspect="1" noChangeArrowheads="1"/>
+          </p:cNvPicPr>
+          <p:nvPr/>
+        </p:nvPicPr>
+        <p:blipFill>
+          <a:blip r:embed="rId2">
+            <a:extLst>
+              <a:ext uri="{28A0092B-C50C-407E-A947-70E740481C1C}">
+                <a14:useLocalDpi xmlns:a14="http://schemas.microsoft.com/office/drawing/2010/main" val="0"/>
+              </a:ext>
+            </a:extLst>
+          </a:blip>
+          <a:srcRect/>
+          <a:stretch>
+            <a:fillRect/>
+          </a:stretch>
+        </p:blipFill>
+        <p:spPr bwMode="auto">
+          <a:xfrm>
+            <a:off x="147639" y="95250"/>
+            <a:ext cx="807830" cy="552450"/>
+          </a:xfrm>
+          <a:prstGeom prst="rect">
+            <a:avLst/>
+          </a:prstGeom>
+          <a:noFill/>
+          <a:extLst>
+            <a:ext uri="{909E8E84-426E-40DD-AFC4-6F175D3DCCD1}">
+              <a14:hiddenFill xmlns:a14="http://schemas.microsoft.com/office/drawing/2010/main">
+                <a:solidFill>
+                  <a:srgbClr val="FFFFFF"/>
+                </a:solidFill>
+              </a14:hiddenFill>
+            </a:ext>
+          </a:extLst>
+        </p:spPr>
+      </p:pic>
+    </p:spTree>
+    <p:extLst>
+      <p:ext uri="{BB962C8B-B14F-4D97-AF65-F5344CB8AC3E}">
+        <p14:creationId xmlns:p14="http://schemas.microsoft.com/office/powerpoint/2010/main" val="4100035956"/>
+      </p:ext>
+    </p:extLst>
+  </p:cSld>
+  <p:clrMapOvr>
+    <a:masterClrMapping/>
+  </p:clrMapOvr>
+</p:sld>
+</file>
+
+<file path=ppt/slides/slide9.xml><?xml version="1.0" encoding="utf-8"?>
+<p:sld xmlns:a="http://schemas.openxmlformats.org/drawingml/2006/main" xmlns:r="http://schemas.openxmlformats.org/officeDocument/2006/relationships" xmlns:p="http://schemas.openxmlformats.org/presentationml/2006/main">
+  <p:cSld>
+    <p:spTree>
+      <p:nvGrpSpPr>
+        <p:cNvPr id="1" name=""/>
+        <p:cNvGrpSpPr/>
+        <p:nvPr/>
+      </p:nvGrpSpPr>
+      <p:grpSpPr>
+        <a:xfrm>
+          <a:off x="0" y="0"/>
+          <a:ext cx="0" cy="0"/>
+          <a:chOff x="0" y="0"/>
+          <a:chExt cx="0" cy="0"/>
+        </a:xfrm>
+      </p:grpSpPr>
+      <p:sp>
+        <p:nvSpPr>
+          <p:cNvPr id="2" name="Título 1">
+            <a:extLst>
+              <a:ext uri="{FF2B5EF4-FFF2-40B4-BE49-F238E27FC236}">
+                <a16:creationId xmlns:a16="http://schemas.microsoft.com/office/drawing/2014/main" id="{941BC24F-E4F0-B570-4943-E2E1895FE3BC}"/>
+              </a:ext>
+            </a:extLst>
+          </p:cNvPr>
+          <p:cNvSpPr>
+            <a:spLocks noGrp="1"/>
+          </p:cNvSpPr>
+          <p:nvPr>
+            <p:ph type="title"/>
+          </p:nvPr>
+        </p:nvSpPr>
+        <p:spPr/>
+        <p:txBody>
+          <a:bodyPr>
+            <a:normAutofit/>
+          </a:bodyPr>
+          <a:lstStyle/>
+          <a:p>
+            <a:r>
+              <a:rPr lang="pt-PT" sz="2000" dirty="0"/>
+              <a:t>Servidor principal </a:t>
+            </a:r>
+            <a:br>
+              <a:rPr lang="pt-PT" sz="2000" dirty="0"/>
+            </a:br>
+            <a:r>
+              <a:rPr lang="pt-PT" sz="2000" dirty="0"/>
+              <a:t>&lt;–&gt;</a:t>
+            </a:r>
+            <a:br>
+              <a:rPr lang="pt-PT" sz="2000" dirty="0"/>
+            </a:br>
+            <a:r>
+              <a:rPr lang="pt-PT" sz="2000" dirty="0"/>
+              <a:t>Servidor Backup</a:t>
+            </a:r>
+            <a:br>
+              <a:rPr lang="pt-PT" sz="2000" dirty="0"/>
+            </a:br>
+            <a:r>
+              <a:rPr lang="pt-PT" sz="2000" b="1" dirty="0" err="1"/>
+              <a:t>Multicast</a:t>
+            </a:r>
+            <a:endParaRPr lang="pt-PT" sz="2000" b="1" dirty="0"/>
+          </a:p>
+        </p:txBody>
+      </p:sp>
+      <p:pic>
+        <p:nvPicPr>
+          <p:cNvPr id="7" name="Marcador de Posição de Conteúdo 6" descr="Uma imagem com captura de ecrã, diagrama, file, Tipo de letra&#10;&#10;Descrição gerada automaticamente">
+            <a:extLst>
+              <a:ext uri="{FF2B5EF4-FFF2-40B4-BE49-F238E27FC236}">
+                <a16:creationId xmlns:a16="http://schemas.microsoft.com/office/drawing/2014/main" id="{BF18FBF8-B9BB-0CFA-2CA0-7E8F1D71FAB0}"/>
+              </a:ext>
+            </a:extLst>
+          </p:cNvPr>
+          <p:cNvPicPr>
+            <a:picLocks noGrp="1" noChangeAspect="1"/>
+          </p:cNvPicPr>
+          <p:nvPr>
+            <p:ph idx="1"/>
+          </p:nvPr>
+        </p:nvPicPr>
+        <p:blipFill rotWithShape="1">
+          <a:blip r:embed="rId2">
+            <a:extLst>
+              <a:ext uri="{28A0092B-C50C-407E-A947-70E740481C1C}">
+                <a14:useLocalDpi xmlns:a14="http://schemas.microsoft.com/office/drawing/2010/main" val="0"/>
+              </a:ext>
+            </a:extLst>
+          </a:blip>
+          <a:srcRect l="6135" t="15985" r="19589" b="22281"/>
+          <a:stretch/>
+        </p:blipFill>
+        <p:spPr>
+          <a:xfrm>
+            <a:off x="5220875" y="3249816"/>
+            <a:ext cx="3840480" cy="1856232"/>
+          </a:xfrm>
+        </p:spPr>
+      </p:pic>
+      <p:sp>
+        <p:nvSpPr>
+          <p:cNvPr id="4" name="Marcador de Posição do Rodapé 3">
+            <a:extLst>
+              <a:ext uri="{FF2B5EF4-FFF2-40B4-BE49-F238E27FC236}">
+                <a16:creationId xmlns:a16="http://schemas.microsoft.com/office/drawing/2014/main" id="{E49E58DE-18A3-BA6E-FE32-7FDD1CC30FC7}"/>
+              </a:ext>
+            </a:extLst>
+          </p:cNvPr>
+          <p:cNvSpPr>
+            <a:spLocks noGrp="1"/>
+          </p:cNvSpPr>
+          <p:nvPr>
+            <p:ph type="ftr" sz="quarter" idx="11"/>
+          </p:nvPr>
+        </p:nvSpPr>
+        <p:spPr/>
+        <p:txBody>
+          <a:bodyPr/>
+          <a:lstStyle/>
+          <a:p>
+            <a:r>
+              <a:rPr lang="pt-BR"/>
+              <a:t>Programação Distribuida - Bruno 2019132612 | Filipa 2018011698 | Tiago 2020122664</a:t>
+            </a:r>
+            <a:endParaRPr lang="en-US"/>
+          </a:p>
+        </p:txBody>
+      </p:sp>
+      <p:sp>
+        <p:nvSpPr>
+          <p:cNvPr id="5" name="Marcador de Posição do Número do Diapositivo 4">
+            <a:extLst>
+              <a:ext uri="{FF2B5EF4-FFF2-40B4-BE49-F238E27FC236}">
+                <a16:creationId xmlns:a16="http://schemas.microsoft.com/office/drawing/2014/main" id="{3414FCCC-3272-7324-20DC-93941C2A389C}"/>
+              </a:ext>
+            </a:extLst>
+          </p:cNvPr>
+          <p:cNvSpPr>
+            <a:spLocks noGrp="1"/>
+          </p:cNvSpPr>
+          <p:nvPr>
+            <p:ph type="sldNum" sz="quarter" idx="12"/>
+          </p:nvPr>
+        </p:nvSpPr>
+        <p:spPr/>
+        <p:txBody>
+          <a:bodyPr/>
+          <a:lstStyle/>
+          <a:p>
+            <a:fld id="{5963BAFC-B953-4DB7-B4E9-09BC70913B53}" type="slidenum">
+              <a:rPr lang="en-US" smtClean="0"/>
+              <a:t>9</a:t>
+            </a:fld>
+            <a:endParaRPr lang="en-US"/>
+          </a:p>
+        </p:txBody>
+      </p:sp>
+      <p:sp>
+        <p:nvSpPr>
+          <p:cNvPr id="3" name="CaixaDeTexto 2">
+            <a:extLst>
+              <a:ext uri="{FF2B5EF4-FFF2-40B4-BE49-F238E27FC236}">
+                <a16:creationId xmlns:a16="http://schemas.microsoft.com/office/drawing/2014/main" id="{EF7DC300-8BD6-877B-0FBA-16246BD41D82}"/>
+              </a:ext>
+            </a:extLst>
+          </p:cNvPr>
+          <p:cNvSpPr txBox="1"/>
+          <p:nvPr/>
+        </p:nvSpPr>
+        <p:spPr>
+          <a:xfrm>
+            <a:off x="3869268" y="1342219"/>
+            <a:ext cx="6543695" cy="1015663"/>
+          </a:xfrm>
+          <a:prstGeom prst="rect">
+            <a:avLst/>
+          </a:prstGeom>
+          <a:noFill/>
+        </p:spPr>
+        <p:txBody>
+          <a:bodyPr wrap="square" rtlCol="0">
+            <a:spAutoFit/>
+          </a:bodyPr>
+          <a:lstStyle/>
+          <a:p>
+            <a:pPr marL="285750" indent="-285750" algn="just">
+              <a:buClr>
+                <a:schemeClr val="accent1"/>
+              </a:buClr>
+              <a:buFont typeface="Arial" panose="020B0604020202020204" pitchFamily="34" charset="0"/>
+              <a:buChar char="•"/>
+            </a:pPr>
+            <a:r>
+              <a:rPr lang="pt-PT" sz="2000" dirty="0">
+                <a:solidFill>
+                  <a:schemeClr val="tx1">
+                    <a:lumMod val="65000"/>
+                    <a:lumOff val="35000"/>
+                  </a:schemeClr>
+                </a:solidFill>
+              </a:rPr>
+              <a:t>O </a:t>
+            </a:r>
+            <a:r>
+              <a:rPr lang="pt-PT" sz="2000" dirty="0" err="1">
+                <a:solidFill>
+                  <a:schemeClr val="tx1">
+                    <a:lumMod val="65000"/>
+                    <a:lumOff val="35000"/>
+                  </a:schemeClr>
+                </a:solidFill>
+              </a:rPr>
+              <a:t>MultiCast</a:t>
+            </a:r>
+            <a:r>
+              <a:rPr lang="pt-PT" sz="2000" dirty="0">
+                <a:solidFill>
+                  <a:schemeClr val="tx1">
+                    <a:lumMod val="65000"/>
+                    <a:lumOff val="35000"/>
+                  </a:schemeClr>
+                </a:solidFill>
+              </a:rPr>
+              <a:t> é usado para o envio de </a:t>
+            </a:r>
+            <a:r>
+              <a:rPr lang="pt-PT" sz="2000" dirty="0" err="1">
+                <a:solidFill>
+                  <a:schemeClr val="tx1">
+                    <a:lumMod val="65000"/>
+                    <a:lumOff val="35000"/>
+                  </a:schemeClr>
+                </a:solidFill>
+              </a:rPr>
+              <a:t>HeartBeats</a:t>
+            </a:r>
+            <a:r>
+              <a:rPr lang="pt-PT" sz="2000" dirty="0">
+                <a:solidFill>
+                  <a:schemeClr val="tx1">
+                    <a:lumMod val="65000"/>
+                    <a:lumOff val="35000"/>
+                  </a:schemeClr>
+                </a:solidFill>
+              </a:rPr>
+              <a:t> do servidor principal para os </a:t>
+            </a:r>
+            <a:r>
+              <a:rPr lang="pt-PT" sz="2000" dirty="0" err="1">
+                <a:solidFill>
+                  <a:schemeClr val="tx1">
+                    <a:lumMod val="65000"/>
+                    <a:lumOff val="35000"/>
+                  </a:schemeClr>
+                </a:solidFill>
+              </a:rPr>
+              <a:t>Observer</a:t>
+            </a:r>
+            <a:r>
+              <a:rPr lang="pt-PT" sz="2000" dirty="0">
+                <a:solidFill>
+                  <a:schemeClr val="tx1">
+                    <a:lumMod val="65000"/>
+                    <a:lumOff val="35000"/>
+                  </a:schemeClr>
+                </a:solidFill>
+              </a:rPr>
+              <a:t> (Servidores de Backup) que estiverem listados. </a:t>
+            </a:r>
+          </a:p>
+        </p:txBody>
+      </p:sp>
+      <p:pic>
+        <p:nvPicPr>
+          <p:cNvPr id="6" name="Picture 4" descr="Instituto Superior de Engenharia de Coimbra – Wikipédia, a enciclopédia  livre">
+            <a:extLst>
+              <a:ext uri="{FF2B5EF4-FFF2-40B4-BE49-F238E27FC236}">
+                <a16:creationId xmlns:a16="http://schemas.microsoft.com/office/drawing/2014/main" id="{ECA623B8-D159-502B-3C36-A59D0CE4F9BD}"/>
+              </a:ext>
+            </a:extLst>
+          </p:cNvPr>
+          <p:cNvPicPr>
+            <a:picLocks noChangeAspect="1" noChangeArrowheads="1"/>
+          </p:cNvPicPr>
+          <p:nvPr/>
+        </p:nvPicPr>
+        <p:blipFill>
+          <a:blip r:embed="rId3">
+            <a:extLst>
+              <a:ext uri="{28A0092B-C50C-407E-A947-70E740481C1C}">
+                <a14:useLocalDpi xmlns:a14="http://schemas.microsoft.com/office/drawing/2010/main" val="0"/>
+              </a:ext>
+            </a:extLst>
+          </a:blip>
+          <a:srcRect/>
+          <a:stretch>
+            <a:fillRect/>
+          </a:stretch>
+        </p:blipFill>
+        <p:spPr bwMode="auto">
+          <a:xfrm>
+            <a:off x="147639" y="95250"/>
+            <a:ext cx="807830" cy="552450"/>
           </a:xfrm>
           <a:prstGeom prst="rect">
             <a:avLst/>
@@ -4683,1090 +11280,12 @@
 </p:sld>
 </file>
 
-<file path=ppt/slides/slide5.xml><?xml version="1.0" encoding="utf-8"?>
-<p:sld xmlns:a="http://schemas.openxmlformats.org/drawingml/2006/main" xmlns:r="http://schemas.openxmlformats.org/officeDocument/2006/relationships" xmlns:p="http://schemas.openxmlformats.org/presentationml/2006/main">
-  <p:cSld>
-    <p:spTree>
-      <p:nvGrpSpPr>
-        <p:cNvPr id="1" name=""/>
-        <p:cNvGrpSpPr/>
-        <p:nvPr/>
-      </p:nvGrpSpPr>
-      <p:grpSpPr>
-        <a:xfrm>
-          <a:off x="0" y="0"/>
-          <a:ext cx="0" cy="0"/>
-          <a:chOff x="0" y="0"/>
-          <a:chExt cx="0" cy="0"/>
-        </a:xfrm>
-      </p:grpSpPr>
-      <p:sp>
-        <p:nvSpPr>
-          <p:cNvPr id="2" name="Título 1">
-            <a:extLst>
-              <a:ext uri="{FF2B5EF4-FFF2-40B4-BE49-F238E27FC236}">
-                <a16:creationId xmlns:a16="http://schemas.microsoft.com/office/drawing/2014/main" id="{1054DDFB-F375-3632-3589-6C1BBE3AA09B}"/>
-              </a:ext>
-            </a:extLst>
-          </p:cNvPr>
-          <p:cNvSpPr>
-            <a:spLocks noGrp="1"/>
-          </p:cNvSpPr>
-          <p:nvPr>
-            <p:ph type="title"/>
-          </p:nvPr>
-        </p:nvSpPr>
-        <p:spPr/>
-        <p:txBody>
-          <a:bodyPr/>
-          <a:lstStyle/>
-          <a:p>
-            <a:r>
-              <a:rPr kumimoji="0" lang="pt-PT" sz="2000" b="0" i="0" u="none" strike="noStrike" kern="1200" cap="none" spc="-60" normalizeH="0" baseline="0" noProof="0" dirty="0">
-                <a:ln>
-                  <a:noFill/>
-                </a:ln>
-                <a:solidFill>
-                  <a:srgbClr val="FFFFFF"/>
-                </a:solidFill>
-                <a:effectLst/>
-                <a:uLnTx/>
-                <a:uFillTx/>
-                <a:latin typeface="Corbel" panose="020B0503020204020204"/>
-                <a:ea typeface="+mj-ea"/>
-                <a:cs typeface="+mj-cs"/>
-              </a:rPr>
-              <a:t>Servidor principal – Servidor Backup : RMI</a:t>
-            </a:r>
-            <a:endParaRPr lang="pt-PT" dirty="0"/>
-          </a:p>
-        </p:txBody>
-      </p:sp>
-      <p:pic>
-        <p:nvPicPr>
-          <p:cNvPr id="7" name="Marcador de Posição de Conteúdo 6" descr="Uma imagem com captura de ecrã, diagrama, file, Tipo de letra&#10;&#10;Descrição gerada automaticamente">
-            <a:extLst>
-              <a:ext uri="{FF2B5EF4-FFF2-40B4-BE49-F238E27FC236}">
-                <a16:creationId xmlns:a16="http://schemas.microsoft.com/office/drawing/2014/main" id="{91899EF9-F428-78BB-EB46-830AA6E7D286}"/>
-              </a:ext>
-            </a:extLst>
-          </p:cNvPr>
-          <p:cNvPicPr>
-            <a:picLocks noGrp="1" noChangeAspect="1"/>
-          </p:cNvPicPr>
-          <p:nvPr>
-            <p:ph idx="1"/>
-          </p:nvPr>
-        </p:nvPicPr>
-        <p:blipFill rotWithShape="1">
-          <a:blip r:embed="rId2">
-            <a:extLst>
-              <a:ext uri="{28A0092B-C50C-407E-A947-70E740481C1C}">
-                <a14:useLocalDpi xmlns:a14="http://schemas.microsoft.com/office/drawing/2010/main" val="0"/>
-              </a:ext>
-            </a:extLst>
-          </a:blip>
-          <a:srcRect l="5274" t="12697" r="18215" b="21401"/>
-          <a:stretch/>
-        </p:blipFill>
-        <p:spPr>
-          <a:xfrm>
-            <a:off x="3869267" y="4513465"/>
-            <a:ext cx="3679197" cy="1842886"/>
-          </a:xfrm>
-        </p:spPr>
-      </p:pic>
-      <p:sp>
-        <p:nvSpPr>
-          <p:cNvPr id="4" name="Marcador de Posição do Rodapé 3">
-            <a:extLst>
-              <a:ext uri="{FF2B5EF4-FFF2-40B4-BE49-F238E27FC236}">
-                <a16:creationId xmlns:a16="http://schemas.microsoft.com/office/drawing/2014/main" id="{3DFF8418-FB1E-06AF-62C1-8BC13FD41F1B}"/>
-              </a:ext>
-            </a:extLst>
-          </p:cNvPr>
-          <p:cNvSpPr>
-            <a:spLocks noGrp="1"/>
-          </p:cNvSpPr>
-          <p:nvPr>
-            <p:ph type="ftr" sz="quarter" idx="11"/>
-          </p:nvPr>
-        </p:nvSpPr>
-        <p:spPr/>
-        <p:txBody>
-          <a:bodyPr/>
-          <a:lstStyle/>
-          <a:p>
-            <a:r>
-              <a:rPr lang="pt-BR"/>
-              <a:t>Programação Distribuida - Bruno 20... | Filipa 2018011698 | Tiago 20...</a:t>
-            </a:r>
-            <a:endParaRPr lang="en-US"/>
-          </a:p>
-        </p:txBody>
-      </p:sp>
-      <p:sp>
-        <p:nvSpPr>
-          <p:cNvPr id="5" name="Marcador de Posição do Número do Diapositivo 4">
-            <a:extLst>
-              <a:ext uri="{FF2B5EF4-FFF2-40B4-BE49-F238E27FC236}">
-                <a16:creationId xmlns:a16="http://schemas.microsoft.com/office/drawing/2014/main" id="{CBB3A33F-508D-5213-3805-A6F5C0DEAED0}"/>
-              </a:ext>
-            </a:extLst>
-          </p:cNvPr>
-          <p:cNvSpPr>
-            <a:spLocks noGrp="1"/>
-          </p:cNvSpPr>
-          <p:nvPr>
-            <p:ph type="sldNum" sz="quarter" idx="12"/>
-          </p:nvPr>
-        </p:nvSpPr>
-        <p:spPr/>
-        <p:txBody>
-          <a:bodyPr/>
-          <a:lstStyle/>
-          <a:p>
-            <a:fld id="{5963BAFC-B953-4DB7-B4E9-09BC70913B53}" type="slidenum">
-              <a:rPr lang="en-US" smtClean="0"/>
-              <a:t>5</a:t>
-            </a:fld>
-            <a:endParaRPr lang="en-US"/>
-          </a:p>
-        </p:txBody>
-      </p:sp>
-      <p:pic>
-        <p:nvPicPr>
-          <p:cNvPr id="9" name="Picture 2" descr="Diário As Beiras – Instituto de Engenharia de Coimbra e Altice desenvolvem  projetos de investigação">
-            <a:extLst>
-              <a:ext uri="{FF2B5EF4-FFF2-40B4-BE49-F238E27FC236}">
-                <a16:creationId xmlns:a16="http://schemas.microsoft.com/office/drawing/2014/main" id="{C6A18D58-DC21-B712-1002-F5273D5CC6C5}"/>
-              </a:ext>
-            </a:extLst>
-          </p:cNvPr>
-          <p:cNvPicPr>
-            <a:picLocks noChangeAspect="1" noChangeArrowheads="1"/>
-          </p:cNvPicPr>
-          <p:nvPr/>
-        </p:nvPicPr>
-        <p:blipFill>
-          <a:blip r:embed="rId3">
-            <a:extLst>
-              <a:ext uri="{28A0092B-C50C-407E-A947-70E740481C1C}">
-                <a14:useLocalDpi xmlns:a14="http://schemas.microsoft.com/office/drawing/2010/main" val="0"/>
-              </a:ext>
-            </a:extLst>
-          </a:blip>
-          <a:srcRect/>
-          <a:stretch>
-            <a:fillRect/>
-          </a:stretch>
-        </p:blipFill>
-        <p:spPr bwMode="auto">
-          <a:xfrm>
-            <a:off x="70307" y="0"/>
-            <a:ext cx="1568970" cy="821094"/>
-          </a:xfrm>
-          <a:prstGeom prst="rect">
-            <a:avLst/>
-          </a:prstGeom>
-          <a:noFill/>
-          <a:extLst>
-            <a:ext uri="{909E8E84-426E-40DD-AFC4-6F175D3DCCD1}">
-              <a14:hiddenFill xmlns:a14="http://schemas.microsoft.com/office/drawing/2010/main">
-                <a:solidFill>
-                  <a:srgbClr val="FFFFFF"/>
-                </a:solidFill>
-              </a14:hiddenFill>
-            </a:ext>
-          </a:extLst>
-        </p:spPr>
-      </p:pic>
-    </p:spTree>
-    <p:extLst>
-      <p:ext uri="{BB962C8B-B14F-4D97-AF65-F5344CB8AC3E}">
-        <p14:creationId xmlns:p14="http://schemas.microsoft.com/office/powerpoint/2010/main" val="3349547891"/>
-      </p:ext>
-    </p:extLst>
-  </p:cSld>
-  <p:clrMapOvr>
-    <a:masterClrMapping/>
-  </p:clrMapOvr>
-</p:sld>
-</file>
-
-<file path=ppt/slides/slide6.xml><?xml version="1.0" encoding="utf-8"?>
-<p:sld xmlns:a="http://schemas.openxmlformats.org/drawingml/2006/main" xmlns:r="http://schemas.openxmlformats.org/officeDocument/2006/relationships" xmlns:p="http://schemas.openxmlformats.org/presentationml/2006/main">
-  <p:cSld>
-    <p:spTree>
-      <p:nvGrpSpPr>
-        <p:cNvPr id="1" name=""/>
-        <p:cNvGrpSpPr/>
-        <p:nvPr/>
-      </p:nvGrpSpPr>
-      <p:grpSpPr>
-        <a:xfrm>
-          <a:off x="0" y="0"/>
-          <a:ext cx="0" cy="0"/>
-          <a:chOff x="0" y="0"/>
-          <a:chExt cx="0" cy="0"/>
-        </a:xfrm>
-      </p:grpSpPr>
-      <p:sp>
-        <p:nvSpPr>
-          <p:cNvPr id="2" name="Título 1">
-            <a:extLst>
-              <a:ext uri="{FF2B5EF4-FFF2-40B4-BE49-F238E27FC236}">
-                <a16:creationId xmlns:a16="http://schemas.microsoft.com/office/drawing/2014/main" id="{F6A8F3D9-F416-01F0-3F6B-4E28B1DA0C90}"/>
-              </a:ext>
-            </a:extLst>
-          </p:cNvPr>
-          <p:cNvSpPr>
-            <a:spLocks noGrp="1"/>
-          </p:cNvSpPr>
-          <p:nvPr>
-            <p:ph type="title"/>
-          </p:nvPr>
-        </p:nvSpPr>
-        <p:spPr/>
-        <p:txBody>
-          <a:bodyPr/>
-          <a:lstStyle/>
-          <a:p>
-            <a:r>
-              <a:rPr lang="pt-PT" dirty="0"/>
-              <a:t>Réplicas</a:t>
-            </a:r>
-          </a:p>
-        </p:txBody>
-      </p:sp>
-      <p:pic>
-        <p:nvPicPr>
-          <p:cNvPr id="7" name="Marcador de Posição de Conteúdo 6" descr="Uma imagem com diagrama, esboço, captura de ecrã, desenho&#10;&#10;Descrição gerada automaticamente">
-            <a:extLst>
-              <a:ext uri="{FF2B5EF4-FFF2-40B4-BE49-F238E27FC236}">
-                <a16:creationId xmlns:a16="http://schemas.microsoft.com/office/drawing/2014/main" id="{EEE9A8D2-98D7-D52E-F63D-8D3DB4373540}"/>
-              </a:ext>
-            </a:extLst>
-          </p:cNvPr>
-          <p:cNvPicPr>
-            <a:picLocks noGrp="1" noChangeAspect="1"/>
-          </p:cNvPicPr>
-          <p:nvPr>
-            <p:ph idx="1"/>
-          </p:nvPr>
-        </p:nvPicPr>
-        <p:blipFill rotWithShape="1">
-          <a:blip r:embed="rId2">
-            <a:extLst>
-              <a:ext uri="{28A0092B-C50C-407E-A947-70E740481C1C}">
-                <a14:useLocalDpi xmlns:a14="http://schemas.microsoft.com/office/drawing/2010/main" val="0"/>
-              </a:ext>
-            </a:extLst>
-          </a:blip>
-          <a:srcRect l="4035" t="7640" r="13036" b="32836"/>
-          <a:stretch/>
-        </p:blipFill>
-        <p:spPr>
-          <a:xfrm>
-            <a:off x="3869266" y="4619624"/>
-            <a:ext cx="4293762" cy="1737360"/>
-          </a:xfrm>
-        </p:spPr>
-      </p:pic>
-      <p:sp>
-        <p:nvSpPr>
-          <p:cNvPr id="4" name="Marcador de Posição do Rodapé 3">
-            <a:extLst>
-              <a:ext uri="{FF2B5EF4-FFF2-40B4-BE49-F238E27FC236}">
-                <a16:creationId xmlns:a16="http://schemas.microsoft.com/office/drawing/2014/main" id="{D5B64C98-D7F8-AF88-C438-A0392A0C1E62}"/>
-              </a:ext>
-            </a:extLst>
-          </p:cNvPr>
-          <p:cNvSpPr>
-            <a:spLocks noGrp="1"/>
-          </p:cNvSpPr>
-          <p:nvPr>
-            <p:ph type="ftr" sz="quarter" idx="11"/>
-          </p:nvPr>
-        </p:nvSpPr>
-        <p:spPr/>
-        <p:txBody>
-          <a:bodyPr/>
-          <a:lstStyle/>
-          <a:p>
-            <a:r>
-              <a:rPr lang="pt-BR"/>
-              <a:t>Programação Distribuida - Bruno 20... | Filipa 2018011698 | Tiago 20...</a:t>
-            </a:r>
-            <a:endParaRPr lang="en-US"/>
-          </a:p>
-        </p:txBody>
-      </p:sp>
-      <p:sp>
-        <p:nvSpPr>
-          <p:cNvPr id="5" name="Marcador de Posição do Número do Diapositivo 4">
-            <a:extLst>
-              <a:ext uri="{FF2B5EF4-FFF2-40B4-BE49-F238E27FC236}">
-                <a16:creationId xmlns:a16="http://schemas.microsoft.com/office/drawing/2014/main" id="{0C8D568C-923F-5EFC-FCE1-8459A97F97D4}"/>
-              </a:ext>
-            </a:extLst>
-          </p:cNvPr>
-          <p:cNvSpPr>
-            <a:spLocks noGrp="1"/>
-          </p:cNvSpPr>
-          <p:nvPr>
-            <p:ph type="sldNum" sz="quarter" idx="12"/>
-          </p:nvPr>
-        </p:nvSpPr>
-        <p:spPr/>
-        <p:txBody>
-          <a:bodyPr/>
-          <a:lstStyle/>
-          <a:p>
-            <a:fld id="{5963BAFC-B953-4DB7-B4E9-09BC70913B53}" type="slidenum">
-              <a:rPr lang="en-US" smtClean="0"/>
-              <a:t>6</a:t>
-            </a:fld>
-            <a:endParaRPr lang="en-US"/>
-          </a:p>
-        </p:txBody>
-      </p:sp>
-      <p:sp>
-        <p:nvSpPr>
-          <p:cNvPr id="8" name="CaixaDeTexto 7">
-            <a:extLst>
-              <a:ext uri="{FF2B5EF4-FFF2-40B4-BE49-F238E27FC236}">
-                <a16:creationId xmlns:a16="http://schemas.microsoft.com/office/drawing/2014/main" id="{C1AB775E-3EB6-A616-0F8F-24A1677E817D}"/>
-              </a:ext>
-            </a:extLst>
-          </p:cNvPr>
-          <p:cNvSpPr txBox="1"/>
-          <p:nvPr/>
-        </p:nvSpPr>
-        <p:spPr>
-          <a:xfrm>
-            <a:off x="3868275" y="886408"/>
-            <a:ext cx="6718041" cy="1477328"/>
-          </a:xfrm>
-          <a:prstGeom prst="rect">
-            <a:avLst/>
-          </a:prstGeom>
-          <a:noFill/>
-        </p:spPr>
-        <p:txBody>
-          <a:bodyPr wrap="square" rtlCol="0">
-            <a:spAutoFit/>
-          </a:bodyPr>
-          <a:lstStyle/>
-          <a:p>
-            <a:pPr marL="285750" indent="-285750">
-              <a:buFont typeface="Arial" panose="020B0604020202020204" pitchFamily="34" charset="0"/>
-              <a:buChar char="•"/>
-            </a:pPr>
-            <a:r>
-              <a:rPr lang="pt-PT" dirty="0"/>
-              <a:t>Os servidores de backup começam por obter, através do RMI do servidor principal, uma cópia integral da base de dados do servidor principal.</a:t>
-            </a:r>
-          </a:p>
-          <a:p>
-            <a:pPr marL="285750" indent="-285750">
-              <a:buFont typeface="Arial" panose="020B0604020202020204" pitchFamily="34" charset="0"/>
-              <a:buChar char="•"/>
-            </a:pPr>
-            <a:r>
-              <a:rPr lang="pt-PT" dirty="0"/>
-              <a:t>Estes aguardam continuamente pela receção do </a:t>
-            </a:r>
-            <a:r>
-              <a:rPr lang="pt-PT" dirty="0" err="1"/>
-              <a:t>heartbeat</a:t>
-            </a:r>
-            <a:r>
-              <a:rPr lang="pt-PT" dirty="0"/>
-              <a:t>, e cajo não seja recebido, terminam. </a:t>
-            </a:r>
-          </a:p>
-        </p:txBody>
-      </p:sp>
-      <p:pic>
-        <p:nvPicPr>
-          <p:cNvPr id="9" name="Picture 2" descr="Diário As Beiras – Instituto de Engenharia de Coimbra e Altice desenvolvem  projetos de investigação">
-            <a:extLst>
-              <a:ext uri="{FF2B5EF4-FFF2-40B4-BE49-F238E27FC236}">
-                <a16:creationId xmlns:a16="http://schemas.microsoft.com/office/drawing/2014/main" id="{842E2274-1376-A403-8FE8-5D7030573550}"/>
-              </a:ext>
-            </a:extLst>
-          </p:cNvPr>
-          <p:cNvPicPr>
-            <a:picLocks noChangeAspect="1" noChangeArrowheads="1"/>
-          </p:cNvPicPr>
-          <p:nvPr/>
-        </p:nvPicPr>
-        <p:blipFill>
-          <a:blip r:embed="rId3">
-            <a:extLst>
-              <a:ext uri="{28A0092B-C50C-407E-A947-70E740481C1C}">
-                <a14:useLocalDpi xmlns:a14="http://schemas.microsoft.com/office/drawing/2010/main" val="0"/>
-              </a:ext>
-            </a:extLst>
-          </a:blip>
-          <a:srcRect/>
-          <a:stretch>
-            <a:fillRect/>
-          </a:stretch>
-        </p:blipFill>
-        <p:spPr bwMode="auto">
-          <a:xfrm>
-            <a:off x="70307" y="0"/>
-            <a:ext cx="1568970" cy="821094"/>
-          </a:xfrm>
-          <a:prstGeom prst="rect">
-            <a:avLst/>
-          </a:prstGeom>
-          <a:noFill/>
-          <a:extLst>
-            <a:ext uri="{909E8E84-426E-40DD-AFC4-6F175D3DCCD1}">
-              <a14:hiddenFill xmlns:a14="http://schemas.microsoft.com/office/drawing/2010/main">
-                <a:solidFill>
-                  <a:srgbClr val="FFFFFF"/>
-                </a:solidFill>
-              </a14:hiddenFill>
-            </a:ext>
-          </a:extLst>
-        </p:spPr>
-      </p:pic>
-    </p:spTree>
-    <p:extLst>
-      <p:ext uri="{BB962C8B-B14F-4D97-AF65-F5344CB8AC3E}">
-        <p14:creationId xmlns:p14="http://schemas.microsoft.com/office/powerpoint/2010/main" val="2961929288"/>
-      </p:ext>
-    </p:extLst>
-  </p:cSld>
-  <p:clrMapOvr>
-    <a:masterClrMapping/>
-  </p:clrMapOvr>
-</p:sld>
-</file>
-
-<file path=ppt/slides/slide7.xml><?xml version="1.0" encoding="utf-8"?>
-<p:sld xmlns:a="http://schemas.openxmlformats.org/drawingml/2006/main" xmlns:r="http://schemas.openxmlformats.org/officeDocument/2006/relationships" xmlns:p="http://schemas.openxmlformats.org/presentationml/2006/main">
-  <p:cSld>
-    <p:spTree>
-      <p:nvGrpSpPr>
-        <p:cNvPr id="1" name=""/>
-        <p:cNvGrpSpPr/>
-        <p:nvPr/>
-      </p:nvGrpSpPr>
-      <p:grpSpPr>
-        <a:xfrm>
-          <a:off x="0" y="0"/>
-          <a:ext cx="0" cy="0"/>
-          <a:chOff x="0" y="0"/>
-          <a:chExt cx="0" cy="0"/>
-        </a:xfrm>
-      </p:grpSpPr>
-      <p:sp>
-        <p:nvSpPr>
-          <p:cNvPr id="2" name="Título 1">
-            <a:extLst>
-              <a:ext uri="{FF2B5EF4-FFF2-40B4-BE49-F238E27FC236}">
-                <a16:creationId xmlns:a16="http://schemas.microsoft.com/office/drawing/2014/main" id="{34A972BF-D66D-0A30-AA63-6CEE779477A8}"/>
-              </a:ext>
-            </a:extLst>
-          </p:cNvPr>
-          <p:cNvSpPr>
-            <a:spLocks noGrp="1"/>
-          </p:cNvSpPr>
-          <p:nvPr>
-            <p:ph type="title"/>
-          </p:nvPr>
-        </p:nvSpPr>
-        <p:spPr/>
-        <p:txBody>
-          <a:bodyPr/>
-          <a:lstStyle/>
-          <a:p>
-            <a:r>
-              <a:rPr lang="pt-PT" dirty="0" err="1"/>
-              <a:t>Heartbeats</a:t>
-            </a:r>
-            <a:endParaRPr lang="pt-PT" dirty="0"/>
-          </a:p>
-        </p:txBody>
-      </p:sp>
-      <p:sp>
-        <p:nvSpPr>
-          <p:cNvPr id="3" name="Marcador de Posição de Conteúdo 2">
-            <a:extLst>
-              <a:ext uri="{FF2B5EF4-FFF2-40B4-BE49-F238E27FC236}">
-                <a16:creationId xmlns:a16="http://schemas.microsoft.com/office/drawing/2014/main" id="{3545D63E-0DEF-1D7E-738B-61790ACE5806}"/>
-              </a:ext>
-            </a:extLst>
-          </p:cNvPr>
-          <p:cNvSpPr>
-            <a:spLocks noGrp="1"/>
-          </p:cNvSpPr>
-          <p:nvPr>
-            <p:ph idx="1"/>
-          </p:nvPr>
-        </p:nvSpPr>
-        <p:spPr/>
-        <p:txBody>
-          <a:bodyPr/>
-          <a:lstStyle/>
-          <a:p>
-            <a:r>
-              <a:rPr lang="pt-PT" dirty="0"/>
-              <a:t>Um servidor envia ao servidor backup, a cada 10 segundos, uma mensagem de </a:t>
-            </a:r>
-            <a:r>
-              <a:rPr lang="pt-PT" dirty="0" err="1"/>
-              <a:t>heartbeat</a:t>
-            </a:r>
-            <a:r>
-              <a:rPr lang="pt-PT" dirty="0"/>
-              <a:t>, que inclui a informação: porto de escuta do </a:t>
-            </a:r>
-            <a:r>
-              <a:rPr lang="pt-PT" dirty="0" err="1"/>
-              <a:t>registry</a:t>
-            </a:r>
-            <a:r>
-              <a:rPr lang="pt-PT" dirty="0"/>
-              <a:t>, nome do registo do seu serviço RMI no </a:t>
-            </a:r>
-            <a:r>
-              <a:rPr lang="pt-PT" dirty="0" err="1"/>
-              <a:t>registry</a:t>
-            </a:r>
-            <a:r>
-              <a:rPr lang="pt-PT" dirty="0"/>
-              <a:t> local e número de versão da base dados local. </a:t>
-            </a:r>
-          </a:p>
-          <a:p>
-            <a:pPr marL="0" indent="0">
-              <a:buNone/>
-            </a:pPr>
-            <a:endParaRPr lang="pt-PT" dirty="0"/>
-          </a:p>
-        </p:txBody>
-      </p:sp>
-      <p:sp>
-        <p:nvSpPr>
-          <p:cNvPr id="4" name="Marcador de Posição do Rodapé 3">
-            <a:extLst>
-              <a:ext uri="{FF2B5EF4-FFF2-40B4-BE49-F238E27FC236}">
-                <a16:creationId xmlns:a16="http://schemas.microsoft.com/office/drawing/2014/main" id="{8450C2A6-D2AC-9FC6-982A-A66507BE3EE1}"/>
-              </a:ext>
-            </a:extLst>
-          </p:cNvPr>
-          <p:cNvSpPr>
-            <a:spLocks noGrp="1"/>
-          </p:cNvSpPr>
-          <p:nvPr>
-            <p:ph type="ftr" sz="quarter" idx="11"/>
-          </p:nvPr>
-        </p:nvSpPr>
-        <p:spPr/>
-        <p:txBody>
-          <a:bodyPr/>
-          <a:lstStyle/>
-          <a:p>
-            <a:r>
-              <a:rPr lang="pt-BR"/>
-              <a:t>Programação Distribuida - Bruno 20... | Filipa 2018011698 | Tiago 20...</a:t>
-            </a:r>
-            <a:endParaRPr lang="en-US"/>
-          </a:p>
-        </p:txBody>
-      </p:sp>
-      <p:sp>
-        <p:nvSpPr>
-          <p:cNvPr id="5" name="Marcador de Posição do Número do Diapositivo 4">
-            <a:extLst>
-              <a:ext uri="{FF2B5EF4-FFF2-40B4-BE49-F238E27FC236}">
-                <a16:creationId xmlns:a16="http://schemas.microsoft.com/office/drawing/2014/main" id="{F11B3757-7396-6EB1-1ECE-738EE64D60B0}"/>
-              </a:ext>
-            </a:extLst>
-          </p:cNvPr>
-          <p:cNvSpPr>
-            <a:spLocks noGrp="1"/>
-          </p:cNvSpPr>
-          <p:nvPr>
-            <p:ph type="sldNum" sz="quarter" idx="12"/>
-          </p:nvPr>
-        </p:nvSpPr>
-        <p:spPr/>
-        <p:txBody>
-          <a:bodyPr/>
-          <a:lstStyle/>
-          <a:p>
-            <a:fld id="{5963BAFC-B953-4DB7-B4E9-09BC70913B53}" type="slidenum">
-              <a:rPr lang="en-US" smtClean="0"/>
-              <a:t>7</a:t>
-            </a:fld>
-            <a:endParaRPr lang="en-US"/>
-          </a:p>
-        </p:txBody>
-      </p:sp>
-      <p:pic>
-        <p:nvPicPr>
-          <p:cNvPr id="6" name="Picture 2" descr="Diário As Beiras – Instituto de Engenharia de Coimbra e Altice desenvolvem  projetos de investigação">
-            <a:extLst>
-              <a:ext uri="{FF2B5EF4-FFF2-40B4-BE49-F238E27FC236}">
-                <a16:creationId xmlns:a16="http://schemas.microsoft.com/office/drawing/2014/main" id="{0AF96697-7545-FBB0-6E3E-806FC107B381}"/>
-              </a:ext>
-            </a:extLst>
-          </p:cNvPr>
-          <p:cNvPicPr>
-            <a:picLocks noChangeAspect="1" noChangeArrowheads="1"/>
-          </p:cNvPicPr>
-          <p:nvPr/>
-        </p:nvPicPr>
-        <p:blipFill>
-          <a:blip r:embed="rId2">
-            <a:extLst>
-              <a:ext uri="{28A0092B-C50C-407E-A947-70E740481C1C}">
-                <a14:useLocalDpi xmlns:a14="http://schemas.microsoft.com/office/drawing/2010/main" val="0"/>
-              </a:ext>
-            </a:extLst>
-          </a:blip>
-          <a:srcRect/>
-          <a:stretch>
-            <a:fillRect/>
-          </a:stretch>
-        </p:blipFill>
-        <p:spPr bwMode="auto">
-          <a:xfrm>
-            <a:off x="70307" y="0"/>
-            <a:ext cx="1568970" cy="821094"/>
-          </a:xfrm>
-          <a:prstGeom prst="rect">
-            <a:avLst/>
-          </a:prstGeom>
-          <a:noFill/>
-          <a:extLst>
-            <a:ext uri="{909E8E84-426E-40DD-AFC4-6F175D3DCCD1}">
-              <a14:hiddenFill xmlns:a14="http://schemas.microsoft.com/office/drawing/2010/main">
-                <a:solidFill>
-                  <a:srgbClr val="FFFFFF"/>
-                </a:solidFill>
-              </a14:hiddenFill>
-            </a:ext>
-          </a:extLst>
-        </p:spPr>
-      </p:pic>
-    </p:spTree>
-    <p:extLst>
-      <p:ext uri="{BB962C8B-B14F-4D97-AF65-F5344CB8AC3E}">
-        <p14:creationId xmlns:p14="http://schemas.microsoft.com/office/powerpoint/2010/main" val="4100035956"/>
-      </p:ext>
-    </p:extLst>
-  </p:cSld>
-  <p:clrMapOvr>
-    <a:masterClrMapping/>
-  </p:clrMapOvr>
-</p:sld>
-</file>
-
-<file path=ppt/slides/slide8.xml><?xml version="1.0" encoding="utf-8"?>
-<p:sld xmlns:a="http://schemas.openxmlformats.org/drawingml/2006/main" xmlns:r="http://schemas.openxmlformats.org/officeDocument/2006/relationships" xmlns:p="http://schemas.openxmlformats.org/presentationml/2006/main">
-  <p:cSld>
-    <p:spTree>
-      <p:nvGrpSpPr>
-        <p:cNvPr id="1" name=""/>
-        <p:cNvGrpSpPr/>
-        <p:nvPr/>
-      </p:nvGrpSpPr>
-      <p:grpSpPr>
-        <a:xfrm>
-          <a:off x="0" y="0"/>
-          <a:ext cx="0" cy="0"/>
-          <a:chOff x="0" y="0"/>
-          <a:chExt cx="0" cy="0"/>
-        </a:xfrm>
-      </p:grpSpPr>
-      <p:sp>
-        <p:nvSpPr>
-          <p:cNvPr id="2" name="Título 1">
-            <a:extLst>
-              <a:ext uri="{FF2B5EF4-FFF2-40B4-BE49-F238E27FC236}">
-                <a16:creationId xmlns:a16="http://schemas.microsoft.com/office/drawing/2014/main" id="{01A2B7A1-7148-0680-8465-46E4781964D8}"/>
-              </a:ext>
-            </a:extLst>
-          </p:cNvPr>
-          <p:cNvSpPr>
-            <a:spLocks noGrp="1"/>
-          </p:cNvSpPr>
-          <p:nvPr>
-            <p:ph type="title"/>
-          </p:nvPr>
-        </p:nvSpPr>
-        <p:spPr/>
-        <p:txBody>
-          <a:bodyPr/>
-          <a:lstStyle/>
-          <a:p>
-            <a:r>
-              <a:rPr lang="pt-PT" dirty="0" err="1"/>
-              <a:t>Batch</a:t>
-            </a:r>
-            <a:r>
-              <a:rPr lang="pt-PT" dirty="0"/>
-              <a:t> Files</a:t>
-            </a:r>
-          </a:p>
-        </p:txBody>
-      </p:sp>
-      <p:sp>
-        <p:nvSpPr>
-          <p:cNvPr id="3" name="Marcador de Posição de Conteúdo 2">
-            <a:extLst>
-              <a:ext uri="{FF2B5EF4-FFF2-40B4-BE49-F238E27FC236}">
-                <a16:creationId xmlns:a16="http://schemas.microsoft.com/office/drawing/2014/main" id="{B4B0BEF0-34DE-8E36-394D-47FB7877458A}"/>
-              </a:ext>
-            </a:extLst>
-          </p:cNvPr>
-          <p:cNvSpPr>
-            <a:spLocks noGrp="1"/>
-          </p:cNvSpPr>
-          <p:nvPr>
-            <p:ph idx="1"/>
-          </p:nvPr>
-        </p:nvSpPr>
-        <p:spPr/>
-        <p:txBody>
-          <a:bodyPr/>
-          <a:lstStyle/>
-          <a:p>
-            <a:r>
-              <a:rPr lang="pt-PT" dirty="0"/>
-              <a:t>De forma a que todas as execuções dos programas funcionassem corretamente, foram criados diversos </a:t>
-            </a:r>
-            <a:r>
-              <a:rPr lang="pt-PT" dirty="0" err="1"/>
-              <a:t>batch</a:t>
-            </a:r>
-            <a:r>
-              <a:rPr lang="pt-PT" dirty="0"/>
-              <a:t> files, garantido que estes iniciassem pela ordem certa. </a:t>
-            </a:r>
-          </a:p>
-        </p:txBody>
-      </p:sp>
-      <p:sp>
-        <p:nvSpPr>
-          <p:cNvPr id="4" name="Marcador de Posição do Rodapé 3">
-            <a:extLst>
-              <a:ext uri="{FF2B5EF4-FFF2-40B4-BE49-F238E27FC236}">
-                <a16:creationId xmlns:a16="http://schemas.microsoft.com/office/drawing/2014/main" id="{43B7CA49-6392-5215-AD81-6C77C5C8FB67}"/>
-              </a:ext>
-            </a:extLst>
-          </p:cNvPr>
-          <p:cNvSpPr>
-            <a:spLocks noGrp="1"/>
-          </p:cNvSpPr>
-          <p:nvPr>
-            <p:ph type="ftr" sz="quarter" idx="11"/>
-          </p:nvPr>
-        </p:nvSpPr>
-        <p:spPr/>
-        <p:txBody>
-          <a:bodyPr/>
-          <a:lstStyle/>
-          <a:p>
-            <a:r>
-              <a:rPr lang="pt-BR"/>
-              <a:t>Programação Distribuida - Bruno 20... | Filipa 2018011698 | Tiago 20...</a:t>
-            </a:r>
-            <a:endParaRPr lang="en-US"/>
-          </a:p>
-        </p:txBody>
-      </p:sp>
-      <p:sp>
-        <p:nvSpPr>
-          <p:cNvPr id="5" name="Marcador de Posição do Número do Diapositivo 4">
-            <a:extLst>
-              <a:ext uri="{FF2B5EF4-FFF2-40B4-BE49-F238E27FC236}">
-                <a16:creationId xmlns:a16="http://schemas.microsoft.com/office/drawing/2014/main" id="{E7E60517-D37D-2E07-AB9A-671953BAD3F6}"/>
-              </a:ext>
-            </a:extLst>
-          </p:cNvPr>
-          <p:cNvSpPr>
-            <a:spLocks noGrp="1"/>
-          </p:cNvSpPr>
-          <p:nvPr>
-            <p:ph type="sldNum" sz="quarter" idx="12"/>
-          </p:nvPr>
-        </p:nvSpPr>
-        <p:spPr/>
-        <p:txBody>
-          <a:bodyPr/>
-          <a:lstStyle/>
-          <a:p>
-            <a:fld id="{5963BAFC-B953-4DB7-B4E9-09BC70913B53}" type="slidenum">
-              <a:rPr lang="en-US" smtClean="0"/>
-              <a:t>8</a:t>
-            </a:fld>
-            <a:endParaRPr lang="en-US"/>
-          </a:p>
-        </p:txBody>
-      </p:sp>
-      <p:pic>
-        <p:nvPicPr>
-          <p:cNvPr id="6" name="Picture 2" descr="Diário As Beiras – Instituto de Engenharia de Coimbra e Altice desenvolvem  projetos de investigação">
-            <a:extLst>
-              <a:ext uri="{FF2B5EF4-FFF2-40B4-BE49-F238E27FC236}">
-                <a16:creationId xmlns:a16="http://schemas.microsoft.com/office/drawing/2014/main" id="{C38787D9-E978-025D-B9F7-EEB959E45DBB}"/>
-              </a:ext>
-            </a:extLst>
-          </p:cNvPr>
-          <p:cNvPicPr>
-            <a:picLocks noChangeAspect="1" noChangeArrowheads="1"/>
-          </p:cNvPicPr>
-          <p:nvPr/>
-        </p:nvPicPr>
-        <p:blipFill>
-          <a:blip r:embed="rId2">
-            <a:extLst>
-              <a:ext uri="{28A0092B-C50C-407E-A947-70E740481C1C}">
-                <a14:useLocalDpi xmlns:a14="http://schemas.microsoft.com/office/drawing/2010/main" val="0"/>
-              </a:ext>
-            </a:extLst>
-          </a:blip>
-          <a:srcRect/>
-          <a:stretch>
-            <a:fillRect/>
-          </a:stretch>
-        </p:blipFill>
-        <p:spPr bwMode="auto">
-          <a:xfrm>
-            <a:off x="70307" y="0"/>
-            <a:ext cx="1568970" cy="821094"/>
-          </a:xfrm>
-          <a:prstGeom prst="rect">
-            <a:avLst/>
-          </a:prstGeom>
-          <a:noFill/>
-          <a:extLst>
-            <a:ext uri="{909E8E84-426E-40DD-AFC4-6F175D3DCCD1}">
-              <a14:hiddenFill xmlns:a14="http://schemas.microsoft.com/office/drawing/2010/main">
-                <a:solidFill>
-                  <a:srgbClr val="FFFFFF"/>
-                </a:solidFill>
-              </a14:hiddenFill>
-            </a:ext>
-          </a:extLst>
-        </p:spPr>
-      </p:pic>
-    </p:spTree>
-    <p:extLst>
-      <p:ext uri="{BB962C8B-B14F-4D97-AF65-F5344CB8AC3E}">
-        <p14:creationId xmlns:p14="http://schemas.microsoft.com/office/powerpoint/2010/main" val="1704576132"/>
-      </p:ext>
-    </p:extLst>
-  </p:cSld>
-  <p:clrMapOvr>
-    <a:masterClrMapping/>
-  </p:clrMapOvr>
-</p:sld>
-</file>
-
-<file path=ppt/slides/slide9.xml><?xml version="1.0" encoding="utf-8"?>
-<p:sld xmlns:a="http://schemas.openxmlformats.org/drawingml/2006/main" xmlns:r="http://schemas.openxmlformats.org/officeDocument/2006/relationships" xmlns:p="http://schemas.openxmlformats.org/presentationml/2006/main">
-  <p:cSld>
-    <p:spTree>
-      <p:nvGrpSpPr>
-        <p:cNvPr id="1" name=""/>
-        <p:cNvGrpSpPr/>
-        <p:nvPr/>
-      </p:nvGrpSpPr>
-      <p:grpSpPr>
-        <a:xfrm>
-          <a:off x="0" y="0"/>
-          <a:ext cx="0" cy="0"/>
-          <a:chOff x="0" y="0"/>
-          <a:chExt cx="0" cy="0"/>
-        </a:xfrm>
-      </p:grpSpPr>
-      <p:sp>
-        <p:nvSpPr>
-          <p:cNvPr id="2" name="Título 1">
-            <a:extLst>
-              <a:ext uri="{FF2B5EF4-FFF2-40B4-BE49-F238E27FC236}">
-                <a16:creationId xmlns:a16="http://schemas.microsoft.com/office/drawing/2014/main" id="{2E4EE14D-0891-BFCA-2650-801A853A4C60}"/>
-              </a:ext>
-            </a:extLst>
-          </p:cNvPr>
-          <p:cNvSpPr>
-            <a:spLocks noGrp="1"/>
-          </p:cNvSpPr>
-          <p:nvPr>
-            <p:ph type="title"/>
-          </p:nvPr>
-        </p:nvSpPr>
-        <p:spPr/>
-        <p:txBody>
-          <a:bodyPr/>
-          <a:lstStyle/>
-          <a:p>
-            <a:r>
-              <a:rPr lang="pt-PT" dirty="0"/>
-              <a:t>Manual de Utilizador</a:t>
-            </a:r>
-          </a:p>
-        </p:txBody>
-      </p:sp>
-      <p:sp>
-        <p:nvSpPr>
-          <p:cNvPr id="3" name="Marcador de Posição de Conteúdo 2">
-            <a:extLst>
-              <a:ext uri="{FF2B5EF4-FFF2-40B4-BE49-F238E27FC236}">
-                <a16:creationId xmlns:a16="http://schemas.microsoft.com/office/drawing/2014/main" id="{0712E27F-B3D9-03E4-86BB-4E8DF8714B10}"/>
-              </a:ext>
-            </a:extLst>
-          </p:cNvPr>
-          <p:cNvSpPr>
-            <a:spLocks noGrp="1"/>
-          </p:cNvSpPr>
-          <p:nvPr>
-            <p:ph idx="1"/>
-          </p:nvPr>
-        </p:nvSpPr>
-        <p:spPr/>
-        <p:txBody>
-          <a:bodyPr/>
-          <a:lstStyle/>
-          <a:p>
-            <a:endParaRPr lang="pt-PT" dirty="0"/>
-          </a:p>
-        </p:txBody>
-      </p:sp>
-      <p:sp>
-        <p:nvSpPr>
-          <p:cNvPr id="4" name="Marcador de Posição do Rodapé 3">
-            <a:extLst>
-              <a:ext uri="{FF2B5EF4-FFF2-40B4-BE49-F238E27FC236}">
-                <a16:creationId xmlns:a16="http://schemas.microsoft.com/office/drawing/2014/main" id="{5B064309-7A1A-A1C4-1C58-334F05F008C1}"/>
-              </a:ext>
-            </a:extLst>
-          </p:cNvPr>
-          <p:cNvSpPr>
-            <a:spLocks noGrp="1"/>
-          </p:cNvSpPr>
-          <p:nvPr>
-            <p:ph type="ftr" sz="quarter" idx="11"/>
-          </p:nvPr>
-        </p:nvSpPr>
-        <p:spPr/>
-        <p:txBody>
-          <a:bodyPr/>
-          <a:lstStyle/>
-          <a:p>
-            <a:r>
-              <a:rPr lang="pt-BR"/>
-              <a:t>Programação Distribuida - Bruno 20... | Filipa 2018011698 | Tiago 20...</a:t>
-            </a:r>
-            <a:endParaRPr lang="en-US"/>
-          </a:p>
-        </p:txBody>
-      </p:sp>
-      <p:sp>
-        <p:nvSpPr>
-          <p:cNvPr id="5" name="Marcador de Posição do Número do Diapositivo 4">
-            <a:extLst>
-              <a:ext uri="{FF2B5EF4-FFF2-40B4-BE49-F238E27FC236}">
-                <a16:creationId xmlns:a16="http://schemas.microsoft.com/office/drawing/2014/main" id="{2E0CF595-2F2A-922D-E050-DE2FC0CBC6FA}"/>
-              </a:ext>
-            </a:extLst>
-          </p:cNvPr>
-          <p:cNvSpPr>
-            <a:spLocks noGrp="1"/>
-          </p:cNvSpPr>
-          <p:nvPr>
-            <p:ph type="sldNum" sz="quarter" idx="12"/>
-          </p:nvPr>
-        </p:nvSpPr>
-        <p:spPr/>
-        <p:txBody>
-          <a:bodyPr/>
-          <a:lstStyle/>
-          <a:p>
-            <a:fld id="{5963BAFC-B953-4DB7-B4E9-09BC70913B53}" type="slidenum">
-              <a:rPr lang="en-US" smtClean="0"/>
-              <a:t>9</a:t>
-            </a:fld>
-            <a:endParaRPr lang="en-US"/>
-          </a:p>
-        </p:txBody>
-      </p:sp>
-      <p:pic>
-        <p:nvPicPr>
-          <p:cNvPr id="6" name="Picture 2" descr="Diário As Beiras – Instituto de Engenharia de Coimbra e Altice desenvolvem  projetos de investigação">
-            <a:extLst>
-              <a:ext uri="{FF2B5EF4-FFF2-40B4-BE49-F238E27FC236}">
-                <a16:creationId xmlns:a16="http://schemas.microsoft.com/office/drawing/2014/main" id="{D751892D-6985-4099-2B9F-2A16C0B76DC1}"/>
-              </a:ext>
-            </a:extLst>
-          </p:cNvPr>
-          <p:cNvPicPr>
-            <a:picLocks noChangeAspect="1" noChangeArrowheads="1"/>
-          </p:cNvPicPr>
-          <p:nvPr/>
-        </p:nvPicPr>
-        <p:blipFill>
-          <a:blip r:embed="rId2">
-            <a:extLst>
-              <a:ext uri="{28A0092B-C50C-407E-A947-70E740481C1C}">
-                <a14:useLocalDpi xmlns:a14="http://schemas.microsoft.com/office/drawing/2010/main" val="0"/>
-              </a:ext>
-            </a:extLst>
-          </a:blip>
-          <a:srcRect/>
-          <a:stretch>
-            <a:fillRect/>
-          </a:stretch>
-        </p:blipFill>
-        <p:spPr bwMode="auto">
-          <a:xfrm>
-            <a:off x="70307" y="0"/>
-            <a:ext cx="1568970" cy="821094"/>
-          </a:xfrm>
-          <a:prstGeom prst="rect">
-            <a:avLst/>
-          </a:prstGeom>
-          <a:noFill/>
-          <a:extLst>
-            <a:ext uri="{909E8E84-426E-40DD-AFC4-6F175D3DCCD1}">
-              <a14:hiddenFill xmlns:a14="http://schemas.microsoft.com/office/drawing/2010/main">
-                <a:solidFill>
-                  <a:srgbClr val="FFFFFF"/>
-                </a:solidFill>
-              </a14:hiddenFill>
-            </a:ext>
-          </a:extLst>
-        </p:spPr>
-      </p:pic>
-    </p:spTree>
-    <p:extLst>
-      <p:ext uri="{BB962C8B-B14F-4D97-AF65-F5344CB8AC3E}">
-        <p14:creationId xmlns:p14="http://schemas.microsoft.com/office/powerpoint/2010/main" val="1590554457"/>
-      </p:ext>
-    </p:extLst>
-  </p:cSld>
-  <p:clrMapOvr>
-    <a:masterClrMapping/>
-  </p:clrMapOvr>
-</p:sld>
-</file>
-
 <file path=ppt/theme/theme1.xml><?xml version="1.0" encoding="utf-8"?>
 <a:theme xmlns:a="http://schemas.openxmlformats.org/drawingml/2006/main" name="Moldura">
   <a:themeElements>
-    <a:clrScheme name="Moldura">
+    <a:clrScheme name="Personalizado 1">
       <a:dk1>
-        <a:srgbClr val="000000"/>
+        <a:srgbClr val="2A2A2A"/>
       </a:dk1>
       <a:lt1>
         <a:srgbClr val="FFFFFF"/>
@@ -5775,10 +11294,10 @@
         <a:srgbClr val="545454"/>
       </a:dk2>
       <a:lt2>
-        <a:srgbClr val="BFBFBF"/>
+        <a:srgbClr val="7F7F7F"/>
       </a:lt2>
       <a:accent1>
-        <a:srgbClr val="40BAD2"/>
+        <a:srgbClr val="9E0000"/>
       </a:accent1>
       <a:accent2>
         <a:srgbClr val="FAB900"/>
